--- a/pptx.pptx
+++ b/pptx.pptx
@@ -136,7 +136,7 @@
           <p:cNvPr id="2" name="Title 1">
             <a:extLst>
               <a:ext uri="{FF2B5EF4-FFF2-40B4-BE49-F238E27FC236}">
-                <a16:creationId xmlns:a16="http://schemas.microsoft.com/office/drawing/2014/main" id="{46B6636D-54F6-451E-92C5-BB1114CEEF50}"/>
+                <a16:creationId xmlns:a16="http://schemas.microsoft.com/office/drawing/2014/main" xmlns="" id="{46B6636D-54F6-451E-92C5-BB1114CEEF50}"/>
               </a:ext>
             </a:extLst>
           </p:cNvPr>
@@ -173,7 +173,7 @@
           <p:cNvPr id="3" name="Subtitle 2">
             <a:extLst>
               <a:ext uri="{FF2B5EF4-FFF2-40B4-BE49-F238E27FC236}">
-                <a16:creationId xmlns:a16="http://schemas.microsoft.com/office/drawing/2014/main" id="{FBE6B0AD-DEF0-4ADD-A5BA-C11097FD5767}"/>
+                <a16:creationId xmlns:a16="http://schemas.microsoft.com/office/drawing/2014/main" xmlns="" id="{FBE6B0AD-DEF0-4ADD-A5BA-C11097FD5767}"/>
               </a:ext>
             </a:extLst>
           </p:cNvPr>
@@ -243,7 +243,7 @@
           <p:cNvPr id="4" name="Date Placeholder 3">
             <a:extLst>
               <a:ext uri="{FF2B5EF4-FFF2-40B4-BE49-F238E27FC236}">
-                <a16:creationId xmlns:a16="http://schemas.microsoft.com/office/drawing/2014/main" id="{F29FD7D9-C0B2-4F01-A611-2C723B6889FD}"/>
+                <a16:creationId xmlns:a16="http://schemas.microsoft.com/office/drawing/2014/main" xmlns="" id="{F29FD7D9-C0B2-4F01-A611-2C723B6889FD}"/>
               </a:ext>
             </a:extLst>
           </p:cNvPr>
@@ -261,7 +261,7 @@
           <a:p>
             <a:fld id="{BC6D784A-583B-48B5-A7BC-BB401D5EE48B}" type="datetimeFigureOut">
               <a:rPr lang="en-US" smtClean="0"/>
-              <a:t>3/10/2021</a:t>
+              <a:t>5/19/2021</a:t>
             </a:fld>
             <a:endParaRPr lang="en-US"/>
           </a:p>
@@ -272,7 +272,7 @@
           <p:cNvPr id="5" name="Footer Placeholder 4">
             <a:extLst>
               <a:ext uri="{FF2B5EF4-FFF2-40B4-BE49-F238E27FC236}">
-                <a16:creationId xmlns:a16="http://schemas.microsoft.com/office/drawing/2014/main" id="{1643BB64-2DBB-4989-AB82-5E439F9303AD}"/>
+                <a16:creationId xmlns:a16="http://schemas.microsoft.com/office/drawing/2014/main" xmlns="" id="{1643BB64-2DBB-4989-AB82-5E439F9303AD}"/>
               </a:ext>
             </a:extLst>
           </p:cNvPr>
@@ -297,7 +297,7 @@
           <p:cNvPr id="6" name="Slide Number Placeholder 5">
             <a:extLst>
               <a:ext uri="{FF2B5EF4-FFF2-40B4-BE49-F238E27FC236}">
-                <a16:creationId xmlns:a16="http://schemas.microsoft.com/office/drawing/2014/main" id="{7B3412CD-2605-4CC9-8396-614FE66340A4}"/>
+                <a16:creationId xmlns:a16="http://schemas.microsoft.com/office/drawing/2014/main" xmlns="" id="{7B3412CD-2605-4CC9-8396-614FE66340A4}"/>
               </a:ext>
             </a:extLst>
           </p:cNvPr>
@@ -356,7 +356,7 @@
           <p:cNvPr id="2" name="Title 1">
             <a:extLst>
               <a:ext uri="{FF2B5EF4-FFF2-40B4-BE49-F238E27FC236}">
-                <a16:creationId xmlns:a16="http://schemas.microsoft.com/office/drawing/2014/main" id="{490FCD03-BD66-4721-8591-AFB5C15C7AD1}"/>
+                <a16:creationId xmlns:a16="http://schemas.microsoft.com/office/drawing/2014/main" xmlns="" id="{490FCD03-BD66-4721-8591-AFB5C15C7AD1}"/>
               </a:ext>
             </a:extLst>
           </p:cNvPr>
@@ -384,7 +384,7 @@
           <p:cNvPr id="3" name="Vertical Text Placeholder 2">
             <a:extLst>
               <a:ext uri="{FF2B5EF4-FFF2-40B4-BE49-F238E27FC236}">
-                <a16:creationId xmlns:a16="http://schemas.microsoft.com/office/drawing/2014/main" id="{7893A0EA-7995-4BB5-BB54-23E9927486E5}"/>
+                <a16:creationId xmlns:a16="http://schemas.microsoft.com/office/drawing/2014/main" xmlns="" id="{7893A0EA-7995-4BB5-BB54-23E9927486E5}"/>
               </a:ext>
             </a:extLst>
           </p:cNvPr>
@@ -441,7 +441,7 @@
           <p:cNvPr id="4" name="Date Placeholder 3">
             <a:extLst>
               <a:ext uri="{FF2B5EF4-FFF2-40B4-BE49-F238E27FC236}">
-                <a16:creationId xmlns:a16="http://schemas.microsoft.com/office/drawing/2014/main" id="{CB2C5E7B-3891-4239-885F-E3F5660F26C9}"/>
+                <a16:creationId xmlns:a16="http://schemas.microsoft.com/office/drawing/2014/main" xmlns="" id="{CB2C5E7B-3891-4239-885F-E3F5660F26C9}"/>
               </a:ext>
             </a:extLst>
           </p:cNvPr>
@@ -459,7 +459,7 @@
           <a:p>
             <a:fld id="{BC6D784A-583B-48B5-A7BC-BB401D5EE48B}" type="datetimeFigureOut">
               <a:rPr lang="en-US" smtClean="0"/>
-              <a:t>3/10/2021</a:t>
+              <a:t>5/19/2021</a:t>
             </a:fld>
             <a:endParaRPr lang="en-US"/>
           </a:p>
@@ -470,7 +470,7 @@
           <p:cNvPr id="5" name="Footer Placeholder 4">
             <a:extLst>
               <a:ext uri="{FF2B5EF4-FFF2-40B4-BE49-F238E27FC236}">
-                <a16:creationId xmlns:a16="http://schemas.microsoft.com/office/drawing/2014/main" id="{6A64B8AC-1AAB-45B6-B674-BE7981DEB702}"/>
+                <a16:creationId xmlns:a16="http://schemas.microsoft.com/office/drawing/2014/main" xmlns="" id="{6A64B8AC-1AAB-45B6-B674-BE7981DEB702}"/>
               </a:ext>
             </a:extLst>
           </p:cNvPr>
@@ -495,7 +495,7 @@
           <p:cNvPr id="6" name="Slide Number Placeholder 5">
             <a:extLst>
               <a:ext uri="{FF2B5EF4-FFF2-40B4-BE49-F238E27FC236}">
-                <a16:creationId xmlns:a16="http://schemas.microsoft.com/office/drawing/2014/main" id="{93609C02-E562-4EA7-812F-3B819E5CF15D}"/>
+                <a16:creationId xmlns:a16="http://schemas.microsoft.com/office/drawing/2014/main" xmlns="" id="{93609C02-E562-4EA7-812F-3B819E5CF15D}"/>
               </a:ext>
             </a:extLst>
           </p:cNvPr>
@@ -554,7 +554,7 @@
           <p:cNvPr id="2" name="Vertical Title 1">
             <a:extLst>
               <a:ext uri="{FF2B5EF4-FFF2-40B4-BE49-F238E27FC236}">
-                <a16:creationId xmlns:a16="http://schemas.microsoft.com/office/drawing/2014/main" id="{48589BD6-2D25-4D92-BA22-3506ACACBFAE}"/>
+                <a16:creationId xmlns:a16="http://schemas.microsoft.com/office/drawing/2014/main" xmlns="" id="{48589BD6-2D25-4D92-BA22-3506ACACBFAE}"/>
               </a:ext>
             </a:extLst>
           </p:cNvPr>
@@ -587,7 +587,7 @@
           <p:cNvPr id="3" name="Vertical Text Placeholder 2">
             <a:extLst>
               <a:ext uri="{FF2B5EF4-FFF2-40B4-BE49-F238E27FC236}">
-                <a16:creationId xmlns:a16="http://schemas.microsoft.com/office/drawing/2014/main" id="{C8134220-3032-4A08-8374-4A88995C0CA7}"/>
+                <a16:creationId xmlns:a16="http://schemas.microsoft.com/office/drawing/2014/main" xmlns="" id="{C8134220-3032-4A08-8374-4A88995C0CA7}"/>
               </a:ext>
             </a:extLst>
           </p:cNvPr>
@@ -649,7 +649,7 @@
           <p:cNvPr id="4" name="Date Placeholder 3">
             <a:extLst>
               <a:ext uri="{FF2B5EF4-FFF2-40B4-BE49-F238E27FC236}">
-                <a16:creationId xmlns:a16="http://schemas.microsoft.com/office/drawing/2014/main" id="{A4D62496-560A-4921-88A1-A24F71E0FF9A}"/>
+                <a16:creationId xmlns:a16="http://schemas.microsoft.com/office/drawing/2014/main" xmlns="" id="{A4D62496-560A-4921-88A1-A24F71E0FF9A}"/>
               </a:ext>
             </a:extLst>
           </p:cNvPr>
@@ -667,7 +667,7 @@
           <a:p>
             <a:fld id="{BC6D784A-583B-48B5-A7BC-BB401D5EE48B}" type="datetimeFigureOut">
               <a:rPr lang="en-US" smtClean="0"/>
-              <a:t>3/10/2021</a:t>
+              <a:t>5/19/2021</a:t>
             </a:fld>
             <a:endParaRPr lang="en-US"/>
           </a:p>
@@ -678,7 +678,7 @@
           <p:cNvPr id="5" name="Footer Placeholder 4">
             <a:extLst>
               <a:ext uri="{FF2B5EF4-FFF2-40B4-BE49-F238E27FC236}">
-                <a16:creationId xmlns:a16="http://schemas.microsoft.com/office/drawing/2014/main" id="{C73E7D3C-4D69-4475-AC26-13F467CD110C}"/>
+                <a16:creationId xmlns:a16="http://schemas.microsoft.com/office/drawing/2014/main" xmlns="" id="{C73E7D3C-4D69-4475-AC26-13F467CD110C}"/>
               </a:ext>
             </a:extLst>
           </p:cNvPr>
@@ -703,7 +703,7 @@
           <p:cNvPr id="6" name="Slide Number Placeholder 5">
             <a:extLst>
               <a:ext uri="{FF2B5EF4-FFF2-40B4-BE49-F238E27FC236}">
-                <a16:creationId xmlns:a16="http://schemas.microsoft.com/office/drawing/2014/main" id="{2F1D8A74-1EAE-43CC-AF92-74058E58C031}"/>
+                <a16:creationId xmlns:a16="http://schemas.microsoft.com/office/drawing/2014/main" xmlns="" id="{2F1D8A74-1EAE-43CC-AF92-74058E58C031}"/>
               </a:ext>
             </a:extLst>
           </p:cNvPr>
@@ -762,7 +762,7 @@
           <p:cNvPr id="2" name="Title 1">
             <a:extLst>
               <a:ext uri="{FF2B5EF4-FFF2-40B4-BE49-F238E27FC236}">
-                <a16:creationId xmlns:a16="http://schemas.microsoft.com/office/drawing/2014/main" id="{541D8DBC-8264-4DA7-9F7C-CF0D90991C03}"/>
+                <a16:creationId xmlns:a16="http://schemas.microsoft.com/office/drawing/2014/main" xmlns="" id="{541D8DBC-8264-4DA7-9F7C-CF0D90991C03}"/>
               </a:ext>
             </a:extLst>
           </p:cNvPr>
@@ -790,7 +790,7 @@
           <p:cNvPr id="3" name="Content Placeholder 2">
             <a:extLst>
               <a:ext uri="{FF2B5EF4-FFF2-40B4-BE49-F238E27FC236}">
-                <a16:creationId xmlns:a16="http://schemas.microsoft.com/office/drawing/2014/main" id="{5E9A3103-70DA-4455-B132-6EE2A825BA6C}"/>
+                <a16:creationId xmlns:a16="http://schemas.microsoft.com/office/drawing/2014/main" xmlns="" id="{5E9A3103-70DA-4455-B132-6EE2A825BA6C}"/>
               </a:ext>
             </a:extLst>
           </p:cNvPr>
@@ -847,7 +847,7 @@
           <p:cNvPr id="4" name="Date Placeholder 3">
             <a:extLst>
               <a:ext uri="{FF2B5EF4-FFF2-40B4-BE49-F238E27FC236}">
-                <a16:creationId xmlns:a16="http://schemas.microsoft.com/office/drawing/2014/main" id="{662F66A8-B599-4FA7-8481-A423F5B2CD9F}"/>
+                <a16:creationId xmlns:a16="http://schemas.microsoft.com/office/drawing/2014/main" xmlns="" id="{662F66A8-B599-4FA7-8481-A423F5B2CD9F}"/>
               </a:ext>
             </a:extLst>
           </p:cNvPr>
@@ -865,7 +865,7 @@
           <a:p>
             <a:fld id="{BC6D784A-583B-48B5-A7BC-BB401D5EE48B}" type="datetimeFigureOut">
               <a:rPr lang="en-US" smtClean="0"/>
-              <a:t>3/10/2021</a:t>
+              <a:t>5/19/2021</a:t>
             </a:fld>
             <a:endParaRPr lang="en-US"/>
           </a:p>
@@ -876,7 +876,7 @@
           <p:cNvPr id="5" name="Footer Placeholder 4">
             <a:extLst>
               <a:ext uri="{FF2B5EF4-FFF2-40B4-BE49-F238E27FC236}">
-                <a16:creationId xmlns:a16="http://schemas.microsoft.com/office/drawing/2014/main" id="{44137BD0-5EB8-4E0E-9610-3CBDFFA38F62}"/>
+                <a16:creationId xmlns:a16="http://schemas.microsoft.com/office/drawing/2014/main" xmlns="" id="{44137BD0-5EB8-4E0E-9610-3CBDFFA38F62}"/>
               </a:ext>
             </a:extLst>
           </p:cNvPr>
@@ -901,7 +901,7 @@
           <p:cNvPr id="6" name="Slide Number Placeholder 5">
             <a:extLst>
               <a:ext uri="{FF2B5EF4-FFF2-40B4-BE49-F238E27FC236}">
-                <a16:creationId xmlns:a16="http://schemas.microsoft.com/office/drawing/2014/main" id="{84BE4DE9-C954-481A-B556-5D14FA46383D}"/>
+                <a16:creationId xmlns:a16="http://schemas.microsoft.com/office/drawing/2014/main" xmlns="" id="{84BE4DE9-C954-481A-B556-5D14FA46383D}"/>
               </a:ext>
             </a:extLst>
           </p:cNvPr>
@@ -960,7 +960,7 @@
           <p:cNvPr id="2" name="Title 1">
             <a:extLst>
               <a:ext uri="{FF2B5EF4-FFF2-40B4-BE49-F238E27FC236}">
-                <a16:creationId xmlns:a16="http://schemas.microsoft.com/office/drawing/2014/main" id="{25E11B1C-844A-4DDA-A332-8FE51A3B0148}"/>
+                <a16:creationId xmlns:a16="http://schemas.microsoft.com/office/drawing/2014/main" xmlns="" id="{25E11B1C-844A-4DDA-A332-8FE51A3B0148}"/>
               </a:ext>
             </a:extLst>
           </p:cNvPr>
@@ -997,7 +997,7 @@
           <p:cNvPr id="3" name="Text Placeholder 2">
             <a:extLst>
               <a:ext uri="{FF2B5EF4-FFF2-40B4-BE49-F238E27FC236}">
-                <a16:creationId xmlns:a16="http://schemas.microsoft.com/office/drawing/2014/main" id="{9C5E05A5-972E-47E0-8FF2-038873C6D18D}"/>
+                <a16:creationId xmlns:a16="http://schemas.microsoft.com/office/drawing/2014/main" xmlns="" id="{9C5E05A5-972E-47E0-8FF2-038873C6D18D}"/>
               </a:ext>
             </a:extLst>
           </p:cNvPr>
@@ -1122,7 +1122,7 @@
           <p:cNvPr id="4" name="Date Placeholder 3">
             <a:extLst>
               <a:ext uri="{FF2B5EF4-FFF2-40B4-BE49-F238E27FC236}">
-                <a16:creationId xmlns:a16="http://schemas.microsoft.com/office/drawing/2014/main" id="{9BCB5436-0407-43D4-87C0-529DB1B10CA6}"/>
+                <a16:creationId xmlns:a16="http://schemas.microsoft.com/office/drawing/2014/main" xmlns="" id="{9BCB5436-0407-43D4-87C0-529DB1B10CA6}"/>
               </a:ext>
             </a:extLst>
           </p:cNvPr>
@@ -1140,7 +1140,7 @@
           <a:p>
             <a:fld id="{BC6D784A-583B-48B5-A7BC-BB401D5EE48B}" type="datetimeFigureOut">
               <a:rPr lang="en-US" smtClean="0"/>
-              <a:t>3/10/2021</a:t>
+              <a:t>5/19/2021</a:t>
             </a:fld>
             <a:endParaRPr lang="en-US"/>
           </a:p>
@@ -1151,7 +1151,7 @@
           <p:cNvPr id="5" name="Footer Placeholder 4">
             <a:extLst>
               <a:ext uri="{FF2B5EF4-FFF2-40B4-BE49-F238E27FC236}">
-                <a16:creationId xmlns:a16="http://schemas.microsoft.com/office/drawing/2014/main" id="{3E4BC692-04A6-429D-AEB8-D0C542B77DDA}"/>
+                <a16:creationId xmlns:a16="http://schemas.microsoft.com/office/drawing/2014/main" xmlns="" id="{3E4BC692-04A6-429D-AEB8-D0C542B77DDA}"/>
               </a:ext>
             </a:extLst>
           </p:cNvPr>
@@ -1176,7 +1176,7 @@
           <p:cNvPr id="6" name="Slide Number Placeholder 5">
             <a:extLst>
               <a:ext uri="{FF2B5EF4-FFF2-40B4-BE49-F238E27FC236}">
-                <a16:creationId xmlns:a16="http://schemas.microsoft.com/office/drawing/2014/main" id="{C184D3CF-B260-45B4-B602-96C9335F898E}"/>
+                <a16:creationId xmlns:a16="http://schemas.microsoft.com/office/drawing/2014/main" xmlns="" id="{C184D3CF-B260-45B4-B602-96C9335F898E}"/>
               </a:ext>
             </a:extLst>
           </p:cNvPr>
@@ -1235,7 +1235,7 @@
           <p:cNvPr id="2" name="Title 1">
             <a:extLst>
               <a:ext uri="{FF2B5EF4-FFF2-40B4-BE49-F238E27FC236}">
-                <a16:creationId xmlns:a16="http://schemas.microsoft.com/office/drawing/2014/main" id="{AACB080F-2920-4B6B-886E-CD0B9D7476F0}"/>
+                <a16:creationId xmlns:a16="http://schemas.microsoft.com/office/drawing/2014/main" xmlns="" id="{AACB080F-2920-4B6B-886E-CD0B9D7476F0}"/>
               </a:ext>
             </a:extLst>
           </p:cNvPr>
@@ -1263,7 +1263,7 @@
           <p:cNvPr id="3" name="Content Placeholder 2">
             <a:extLst>
               <a:ext uri="{FF2B5EF4-FFF2-40B4-BE49-F238E27FC236}">
-                <a16:creationId xmlns:a16="http://schemas.microsoft.com/office/drawing/2014/main" id="{D323F7CF-BA34-46E0-84B1-A4668FF86E62}"/>
+                <a16:creationId xmlns:a16="http://schemas.microsoft.com/office/drawing/2014/main" xmlns="" id="{D323F7CF-BA34-46E0-84B1-A4668FF86E62}"/>
               </a:ext>
             </a:extLst>
           </p:cNvPr>
@@ -1325,7 +1325,7 @@
           <p:cNvPr id="4" name="Content Placeholder 3">
             <a:extLst>
               <a:ext uri="{FF2B5EF4-FFF2-40B4-BE49-F238E27FC236}">
-                <a16:creationId xmlns:a16="http://schemas.microsoft.com/office/drawing/2014/main" id="{200F6E44-0B5D-431E-9179-08926A600743}"/>
+                <a16:creationId xmlns:a16="http://schemas.microsoft.com/office/drawing/2014/main" xmlns="" id="{200F6E44-0B5D-431E-9179-08926A600743}"/>
               </a:ext>
             </a:extLst>
           </p:cNvPr>
@@ -1387,7 +1387,7 @@
           <p:cNvPr id="5" name="Date Placeholder 4">
             <a:extLst>
               <a:ext uri="{FF2B5EF4-FFF2-40B4-BE49-F238E27FC236}">
-                <a16:creationId xmlns:a16="http://schemas.microsoft.com/office/drawing/2014/main" id="{7AF1AA72-6430-4BB7-AED6-51CDA6B86D3E}"/>
+                <a16:creationId xmlns:a16="http://schemas.microsoft.com/office/drawing/2014/main" xmlns="" id="{7AF1AA72-6430-4BB7-AED6-51CDA6B86D3E}"/>
               </a:ext>
             </a:extLst>
           </p:cNvPr>
@@ -1405,7 +1405,7 @@
           <a:p>
             <a:fld id="{BC6D784A-583B-48B5-A7BC-BB401D5EE48B}" type="datetimeFigureOut">
               <a:rPr lang="en-US" smtClean="0"/>
-              <a:t>3/10/2021</a:t>
+              <a:t>5/19/2021</a:t>
             </a:fld>
             <a:endParaRPr lang="en-US"/>
           </a:p>
@@ -1416,7 +1416,7 @@
           <p:cNvPr id="6" name="Footer Placeholder 5">
             <a:extLst>
               <a:ext uri="{FF2B5EF4-FFF2-40B4-BE49-F238E27FC236}">
-                <a16:creationId xmlns:a16="http://schemas.microsoft.com/office/drawing/2014/main" id="{3D426689-5DEE-4200-B14A-0C9B451E9C2C}"/>
+                <a16:creationId xmlns:a16="http://schemas.microsoft.com/office/drawing/2014/main" xmlns="" id="{3D426689-5DEE-4200-B14A-0C9B451E9C2C}"/>
               </a:ext>
             </a:extLst>
           </p:cNvPr>
@@ -1441,7 +1441,7 @@
           <p:cNvPr id="7" name="Slide Number Placeholder 6">
             <a:extLst>
               <a:ext uri="{FF2B5EF4-FFF2-40B4-BE49-F238E27FC236}">
-                <a16:creationId xmlns:a16="http://schemas.microsoft.com/office/drawing/2014/main" id="{4729B331-D2B5-411D-8A0E-2F5A448419FF}"/>
+                <a16:creationId xmlns:a16="http://schemas.microsoft.com/office/drawing/2014/main" xmlns="" id="{4729B331-D2B5-411D-8A0E-2F5A448419FF}"/>
               </a:ext>
             </a:extLst>
           </p:cNvPr>
@@ -1500,7 +1500,7 @@
           <p:cNvPr id="2" name="Title 1">
             <a:extLst>
               <a:ext uri="{FF2B5EF4-FFF2-40B4-BE49-F238E27FC236}">
-                <a16:creationId xmlns:a16="http://schemas.microsoft.com/office/drawing/2014/main" id="{047D8B21-A203-4E40-8604-A18AA0AE4FC8}"/>
+                <a16:creationId xmlns:a16="http://schemas.microsoft.com/office/drawing/2014/main" xmlns="" id="{047D8B21-A203-4E40-8604-A18AA0AE4FC8}"/>
               </a:ext>
             </a:extLst>
           </p:cNvPr>
@@ -1533,7 +1533,7 @@
           <p:cNvPr id="3" name="Text Placeholder 2">
             <a:extLst>
               <a:ext uri="{FF2B5EF4-FFF2-40B4-BE49-F238E27FC236}">
-                <a16:creationId xmlns:a16="http://schemas.microsoft.com/office/drawing/2014/main" id="{043E43D7-A9CF-44A7-9D18-24DA93B47D05}"/>
+                <a16:creationId xmlns:a16="http://schemas.microsoft.com/office/drawing/2014/main" xmlns="" id="{043E43D7-A9CF-44A7-9D18-24DA93B47D05}"/>
               </a:ext>
             </a:extLst>
           </p:cNvPr>
@@ -1604,7 +1604,7 @@
           <p:cNvPr id="4" name="Content Placeholder 3">
             <a:extLst>
               <a:ext uri="{FF2B5EF4-FFF2-40B4-BE49-F238E27FC236}">
-                <a16:creationId xmlns:a16="http://schemas.microsoft.com/office/drawing/2014/main" id="{039954FD-D727-4FF7-B7C5-072E9083A077}"/>
+                <a16:creationId xmlns:a16="http://schemas.microsoft.com/office/drawing/2014/main" xmlns="" id="{039954FD-D727-4FF7-B7C5-072E9083A077}"/>
               </a:ext>
             </a:extLst>
           </p:cNvPr>
@@ -1666,7 +1666,7 @@
           <p:cNvPr id="5" name="Text Placeholder 4">
             <a:extLst>
               <a:ext uri="{FF2B5EF4-FFF2-40B4-BE49-F238E27FC236}">
-                <a16:creationId xmlns:a16="http://schemas.microsoft.com/office/drawing/2014/main" id="{A7A81E98-849F-4E55-9DA2-8952D036F1C6}"/>
+                <a16:creationId xmlns:a16="http://schemas.microsoft.com/office/drawing/2014/main" xmlns="" id="{A7A81E98-849F-4E55-9DA2-8952D036F1C6}"/>
               </a:ext>
             </a:extLst>
           </p:cNvPr>
@@ -1737,7 +1737,7 @@
           <p:cNvPr id="6" name="Content Placeholder 5">
             <a:extLst>
               <a:ext uri="{FF2B5EF4-FFF2-40B4-BE49-F238E27FC236}">
-                <a16:creationId xmlns:a16="http://schemas.microsoft.com/office/drawing/2014/main" id="{7C0F4AE8-242E-4051-8434-600B65897F92}"/>
+                <a16:creationId xmlns:a16="http://schemas.microsoft.com/office/drawing/2014/main" xmlns="" id="{7C0F4AE8-242E-4051-8434-600B65897F92}"/>
               </a:ext>
             </a:extLst>
           </p:cNvPr>
@@ -1799,7 +1799,7 @@
           <p:cNvPr id="7" name="Date Placeholder 6">
             <a:extLst>
               <a:ext uri="{FF2B5EF4-FFF2-40B4-BE49-F238E27FC236}">
-                <a16:creationId xmlns:a16="http://schemas.microsoft.com/office/drawing/2014/main" id="{2B806670-D35B-4C48-AB17-C376287DD171}"/>
+                <a16:creationId xmlns:a16="http://schemas.microsoft.com/office/drawing/2014/main" xmlns="" id="{2B806670-D35B-4C48-AB17-C376287DD171}"/>
               </a:ext>
             </a:extLst>
           </p:cNvPr>
@@ -1817,7 +1817,7 @@
           <a:p>
             <a:fld id="{BC6D784A-583B-48B5-A7BC-BB401D5EE48B}" type="datetimeFigureOut">
               <a:rPr lang="en-US" smtClean="0"/>
-              <a:t>3/10/2021</a:t>
+              <a:t>5/19/2021</a:t>
             </a:fld>
             <a:endParaRPr lang="en-US"/>
           </a:p>
@@ -1828,7 +1828,7 @@
           <p:cNvPr id="8" name="Footer Placeholder 7">
             <a:extLst>
               <a:ext uri="{FF2B5EF4-FFF2-40B4-BE49-F238E27FC236}">
-                <a16:creationId xmlns:a16="http://schemas.microsoft.com/office/drawing/2014/main" id="{F97FD541-4B04-4E58-9FC9-74E3056B8E43}"/>
+                <a16:creationId xmlns:a16="http://schemas.microsoft.com/office/drawing/2014/main" xmlns="" id="{F97FD541-4B04-4E58-9FC9-74E3056B8E43}"/>
               </a:ext>
             </a:extLst>
           </p:cNvPr>
@@ -1853,7 +1853,7 @@
           <p:cNvPr id="9" name="Slide Number Placeholder 8">
             <a:extLst>
               <a:ext uri="{FF2B5EF4-FFF2-40B4-BE49-F238E27FC236}">
-                <a16:creationId xmlns:a16="http://schemas.microsoft.com/office/drawing/2014/main" id="{C498B9BB-9BDE-4B18-A278-492FF5C317AC}"/>
+                <a16:creationId xmlns:a16="http://schemas.microsoft.com/office/drawing/2014/main" xmlns="" id="{C498B9BB-9BDE-4B18-A278-492FF5C317AC}"/>
               </a:ext>
             </a:extLst>
           </p:cNvPr>
@@ -1912,7 +1912,7 @@
           <p:cNvPr id="2" name="Title 1">
             <a:extLst>
               <a:ext uri="{FF2B5EF4-FFF2-40B4-BE49-F238E27FC236}">
-                <a16:creationId xmlns:a16="http://schemas.microsoft.com/office/drawing/2014/main" id="{2E25CEDD-7130-4133-A166-9B17B4ABA1AF}"/>
+                <a16:creationId xmlns:a16="http://schemas.microsoft.com/office/drawing/2014/main" xmlns="" id="{2E25CEDD-7130-4133-A166-9B17B4ABA1AF}"/>
               </a:ext>
             </a:extLst>
           </p:cNvPr>
@@ -1940,7 +1940,7 @@
           <p:cNvPr id="3" name="Date Placeholder 2">
             <a:extLst>
               <a:ext uri="{FF2B5EF4-FFF2-40B4-BE49-F238E27FC236}">
-                <a16:creationId xmlns:a16="http://schemas.microsoft.com/office/drawing/2014/main" id="{41BB8B44-A51A-49E0-A163-9506E257F1D5}"/>
+                <a16:creationId xmlns:a16="http://schemas.microsoft.com/office/drawing/2014/main" xmlns="" id="{41BB8B44-A51A-49E0-A163-9506E257F1D5}"/>
               </a:ext>
             </a:extLst>
           </p:cNvPr>
@@ -1958,7 +1958,7 @@
           <a:p>
             <a:fld id="{BC6D784A-583B-48B5-A7BC-BB401D5EE48B}" type="datetimeFigureOut">
               <a:rPr lang="en-US" smtClean="0"/>
-              <a:t>3/10/2021</a:t>
+              <a:t>5/19/2021</a:t>
             </a:fld>
             <a:endParaRPr lang="en-US"/>
           </a:p>
@@ -1969,7 +1969,7 @@
           <p:cNvPr id="4" name="Footer Placeholder 3">
             <a:extLst>
               <a:ext uri="{FF2B5EF4-FFF2-40B4-BE49-F238E27FC236}">
-                <a16:creationId xmlns:a16="http://schemas.microsoft.com/office/drawing/2014/main" id="{3AA86DBA-4C62-4CDA-8D86-DAAF0998B536}"/>
+                <a16:creationId xmlns:a16="http://schemas.microsoft.com/office/drawing/2014/main" xmlns="" id="{3AA86DBA-4C62-4CDA-8D86-DAAF0998B536}"/>
               </a:ext>
             </a:extLst>
           </p:cNvPr>
@@ -1994,7 +1994,7 @@
           <p:cNvPr id="5" name="Slide Number Placeholder 4">
             <a:extLst>
               <a:ext uri="{FF2B5EF4-FFF2-40B4-BE49-F238E27FC236}">
-                <a16:creationId xmlns:a16="http://schemas.microsoft.com/office/drawing/2014/main" id="{B3FC3790-0466-4A1F-84FD-794756FE3435}"/>
+                <a16:creationId xmlns:a16="http://schemas.microsoft.com/office/drawing/2014/main" xmlns="" id="{B3FC3790-0466-4A1F-84FD-794756FE3435}"/>
               </a:ext>
             </a:extLst>
           </p:cNvPr>
@@ -2053,7 +2053,7 @@
           <p:cNvPr id="2" name="Date Placeholder 1">
             <a:extLst>
               <a:ext uri="{FF2B5EF4-FFF2-40B4-BE49-F238E27FC236}">
-                <a16:creationId xmlns:a16="http://schemas.microsoft.com/office/drawing/2014/main" id="{575793CB-4ACB-4E24-8048-2D133954201F}"/>
+                <a16:creationId xmlns:a16="http://schemas.microsoft.com/office/drawing/2014/main" xmlns="" id="{575793CB-4ACB-4E24-8048-2D133954201F}"/>
               </a:ext>
             </a:extLst>
           </p:cNvPr>
@@ -2071,7 +2071,7 @@
           <a:p>
             <a:fld id="{BC6D784A-583B-48B5-A7BC-BB401D5EE48B}" type="datetimeFigureOut">
               <a:rPr lang="en-US" smtClean="0"/>
-              <a:t>3/10/2021</a:t>
+              <a:t>5/19/2021</a:t>
             </a:fld>
             <a:endParaRPr lang="en-US"/>
           </a:p>
@@ -2082,7 +2082,7 @@
           <p:cNvPr id="3" name="Footer Placeholder 2">
             <a:extLst>
               <a:ext uri="{FF2B5EF4-FFF2-40B4-BE49-F238E27FC236}">
-                <a16:creationId xmlns:a16="http://schemas.microsoft.com/office/drawing/2014/main" id="{84A64659-85A8-453D-ADFA-FE48CF3A1884}"/>
+                <a16:creationId xmlns:a16="http://schemas.microsoft.com/office/drawing/2014/main" xmlns="" id="{84A64659-85A8-453D-ADFA-FE48CF3A1884}"/>
               </a:ext>
             </a:extLst>
           </p:cNvPr>
@@ -2107,7 +2107,7 @@
           <p:cNvPr id="4" name="Slide Number Placeholder 3">
             <a:extLst>
               <a:ext uri="{FF2B5EF4-FFF2-40B4-BE49-F238E27FC236}">
-                <a16:creationId xmlns:a16="http://schemas.microsoft.com/office/drawing/2014/main" id="{E3CB3061-C0CF-4C37-9C78-614BBF049282}"/>
+                <a16:creationId xmlns:a16="http://schemas.microsoft.com/office/drawing/2014/main" xmlns="" id="{E3CB3061-C0CF-4C37-9C78-614BBF049282}"/>
               </a:ext>
             </a:extLst>
           </p:cNvPr>
@@ -2166,7 +2166,7 @@
           <p:cNvPr id="2" name="Title 1">
             <a:extLst>
               <a:ext uri="{FF2B5EF4-FFF2-40B4-BE49-F238E27FC236}">
-                <a16:creationId xmlns:a16="http://schemas.microsoft.com/office/drawing/2014/main" id="{53B09293-860B-44E2-AA43-F7DFBE6CFB3B}"/>
+                <a16:creationId xmlns:a16="http://schemas.microsoft.com/office/drawing/2014/main" xmlns="" id="{53B09293-860B-44E2-AA43-F7DFBE6CFB3B}"/>
               </a:ext>
             </a:extLst>
           </p:cNvPr>
@@ -2203,7 +2203,7 @@
           <p:cNvPr id="3" name="Content Placeholder 2">
             <a:extLst>
               <a:ext uri="{FF2B5EF4-FFF2-40B4-BE49-F238E27FC236}">
-                <a16:creationId xmlns:a16="http://schemas.microsoft.com/office/drawing/2014/main" id="{52AB542B-9AE5-4F39-ACCC-7F9635F15CA7}"/>
+                <a16:creationId xmlns:a16="http://schemas.microsoft.com/office/drawing/2014/main" xmlns="" id="{52AB542B-9AE5-4F39-ACCC-7F9635F15CA7}"/>
               </a:ext>
             </a:extLst>
           </p:cNvPr>
@@ -2293,7 +2293,7 @@
           <p:cNvPr id="4" name="Text Placeholder 3">
             <a:extLst>
               <a:ext uri="{FF2B5EF4-FFF2-40B4-BE49-F238E27FC236}">
-                <a16:creationId xmlns:a16="http://schemas.microsoft.com/office/drawing/2014/main" id="{1661651C-A094-4132-A7C2-E51789223941}"/>
+                <a16:creationId xmlns:a16="http://schemas.microsoft.com/office/drawing/2014/main" xmlns="" id="{1661651C-A094-4132-A7C2-E51789223941}"/>
               </a:ext>
             </a:extLst>
           </p:cNvPr>
@@ -2364,7 +2364,7 @@
           <p:cNvPr id="5" name="Date Placeholder 4">
             <a:extLst>
               <a:ext uri="{FF2B5EF4-FFF2-40B4-BE49-F238E27FC236}">
-                <a16:creationId xmlns:a16="http://schemas.microsoft.com/office/drawing/2014/main" id="{ACFE2789-D121-4FAB-A58A-33C249124652}"/>
+                <a16:creationId xmlns:a16="http://schemas.microsoft.com/office/drawing/2014/main" xmlns="" id="{ACFE2789-D121-4FAB-A58A-33C249124652}"/>
               </a:ext>
             </a:extLst>
           </p:cNvPr>
@@ -2382,7 +2382,7 @@
           <a:p>
             <a:fld id="{BC6D784A-583B-48B5-A7BC-BB401D5EE48B}" type="datetimeFigureOut">
               <a:rPr lang="en-US" smtClean="0"/>
-              <a:t>3/10/2021</a:t>
+              <a:t>5/19/2021</a:t>
             </a:fld>
             <a:endParaRPr lang="en-US"/>
           </a:p>
@@ -2393,7 +2393,7 @@
           <p:cNvPr id="6" name="Footer Placeholder 5">
             <a:extLst>
               <a:ext uri="{FF2B5EF4-FFF2-40B4-BE49-F238E27FC236}">
-                <a16:creationId xmlns:a16="http://schemas.microsoft.com/office/drawing/2014/main" id="{F7E49FB4-7DB9-43F2-93D4-B39434B2B3A1}"/>
+                <a16:creationId xmlns:a16="http://schemas.microsoft.com/office/drawing/2014/main" xmlns="" id="{F7E49FB4-7DB9-43F2-93D4-B39434B2B3A1}"/>
               </a:ext>
             </a:extLst>
           </p:cNvPr>
@@ -2418,7 +2418,7 @@
           <p:cNvPr id="7" name="Slide Number Placeholder 6">
             <a:extLst>
               <a:ext uri="{FF2B5EF4-FFF2-40B4-BE49-F238E27FC236}">
-                <a16:creationId xmlns:a16="http://schemas.microsoft.com/office/drawing/2014/main" id="{8CE58199-3298-46EF-9EAB-434D4CE84F59}"/>
+                <a16:creationId xmlns:a16="http://schemas.microsoft.com/office/drawing/2014/main" xmlns="" id="{8CE58199-3298-46EF-9EAB-434D4CE84F59}"/>
               </a:ext>
             </a:extLst>
           </p:cNvPr>
@@ -2477,7 +2477,7 @@
           <p:cNvPr id="2" name="Title 1">
             <a:extLst>
               <a:ext uri="{FF2B5EF4-FFF2-40B4-BE49-F238E27FC236}">
-                <a16:creationId xmlns:a16="http://schemas.microsoft.com/office/drawing/2014/main" id="{E64FBD28-E010-4D89-9653-A1FF9C2341C4}"/>
+                <a16:creationId xmlns:a16="http://schemas.microsoft.com/office/drawing/2014/main" xmlns="" id="{E64FBD28-E010-4D89-9653-A1FF9C2341C4}"/>
               </a:ext>
             </a:extLst>
           </p:cNvPr>
@@ -2514,7 +2514,7 @@
           <p:cNvPr id="3" name="Picture Placeholder 2">
             <a:extLst>
               <a:ext uri="{FF2B5EF4-FFF2-40B4-BE49-F238E27FC236}">
-                <a16:creationId xmlns:a16="http://schemas.microsoft.com/office/drawing/2014/main" id="{DB077C8F-D8DB-4A6F-9161-5447EB83DE78}"/>
+                <a16:creationId xmlns:a16="http://schemas.microsoft.com/office/drawing/2014/main" xmlns="" id="{DB077C8F-D8DB-4A6F-9161-5447EB83DE78}"/>
               </a:ext>
             </a:extLst>
           </p:cNvPr>
@@ -2581,7 +2581,7 @@
           <p:cNvPr id="4" name="Text Placeholder 3">
             <a:extLst>
               <a:ext uri="{FF2B5EF4-FFF2-40B4-BE49-F238E27FC236}">
-                <a16:creationId xmlns:a16="http://schemas.microsoft.com/office/drawing/2014/main" id="{B9EC0159-FAFC-442E-91AB-2E17CE83E27D}"/>
+                <a16:creationId xmlns:a16="http://schemas.microsoft.com/office/drawing/2014/main" xmlns="" id="{B9EC0159-FAFC-442E-91AB-2E17CE83E27D}"/>
               </a:ext>
             </a:extLst>
           </p:cNvPr>
@@ -2652,7 +2652,7 @@
           <p:cNvPr id="5" name="Date Placeholder 4">
             <a:extLst>
               <a:ext uri="{FF2B5EF4-FFF2-40B4-BE49-F238E27FC236}">
-                <a16:creationId xmlns:a16="http://schemas.microsoft.com/office/drawing/2014/main" id="{7504BB19-C980-4220-A675-B0AB57CED728}"/>
+                <a16:creationId xmlns:a16="http://schemas.microsoft.com/office/drawing/2014/main" xmlns="" id="{7504BB19-C980-4220-A675-B0AB57CED728}"/>
               </a:ext>
             </a:extLst>
           </p:cNvPr>
@@ -2670,7 +2670,7 @@
           <a:p>
             <a:fld id="{BC6D784A-583B-48B5-A7BC-BB401D5EE48B}" type="datetimeFigureOut">
               <a:rPr lang="en-US" smtClean="0"/>
-              <a:t>3/10/2021</a:t>
+              <a:t>5/19/2021</a:t>
             </a:fld>
             <a:endParaRPr lang="en-US"/>
           </a:p>
@@ -2681,7 +2681,7 @@
           <p:cNvPr id="6" name="Footer Placeholder 5">
             <a:extLst>
               <a:ext uri="{FF2B5EF4-FFF2-40B4-BE49-F238E27FC236}">
-                <a16:creationId xmlns:a16="http://schemas.microsoft.com/office/drawing/2014/main" id="{0F7B7B52-9AF1-43D6-B31E-12CAC927B401}"/>
+                <a16:creationId xmlns:a16="http://schemas.microsoft.com/office/drawing/2014/main" xmlns="" id="{0F7B7B52-9AF1-43D6-B31E-12CAC927B401}"/>
               </a:ext>
             </a:extLst>
           </p:cNvPr>
@@ -2706,7 +2706,7 @@
           <p:cNvPr id="7" name="Slide Number Placeholder 6">
             <a:extLst>
               <a:ext uri="{FF2B5EF4-FFF2-40B4-BE49-F238E27FC236}">
-                <a16:creationId xmlns:a16="http://schemas.microsoft.com/office/drawing/2014/main" id="{C3D19F7E-2866-4D97-A148-F499274F7FE1}"/>
+                <a16:creationId xmlns:a16="http://schemas.microsoft.com/office/drawing/2014/main" xmlns="" id="{C3D19F7E-2866-4D97-A148-F499274F7FE1}"/>
               </a:ext>
             </a:extLst>
           </p:cNvPr>
@@ -2770,7 +2770,7 @@
           <p:cNvPr id="2" name="Title Placeholder 1">
             <a:extLst>
               <a:ext uri="{FF2B5EF4-FFF2-40B4-BE49-F238E27FC236}">
-                <a16:creationId xmlns:a16="http://schemas.microsoft.com/office/drawing/2014/main" id="{90E7D6B5-06A4-4EBB-B975-A85B54031755}"/>
+                <a16:creationId xmlns:a16="http://schemas.microsoft.com/office/drawing/2014/main" xmlns="" id="{90E7D6B5-06A4-4EBB-B975-A85B54031755}"/>
               </a:ext>
             </a:extLst>
           </p:cNvPr>
@@ -2808,7 +2808,7 @@
           <p:cNvPr id="3" name="Text Placeholder 2">
             <a:extLst>
               <a:ext uri="{FF2B5EF4-FFF2-40B4-BE49-F238E27FC236}">
-                <a16:creationId xmlns:a16="http://schemas.microsoft.com/office/drawing/2014/main" id="{FF0C0480-9C7B-4970-8DB2-5F1A06577E64}"/>
+                <a16:creationId xmlns:a16="http://schemas.microsoft.com/office/drawing/2014/main" xmlns="" id="{FF0C0480-9C7B-4970-8DB2-5F1A06577E64}"/>
               </a:ext>
             </a:extLst>
           </p:cNvPr>
@@ -2875,7 +2875,7 @@
           <p:cNvPr id="4" name="Date Placeholder 3">
             <a:extLst>
               <a:ext uri="{FF2B5EF4-FFF2-40B4-BE49-F238E27FC236}">
-                <a16:creationId xmlns:a16="http://schemas.microsoft.com/office/drawing/2014/main" id="{1670FC7A-8A22-4E26-89C0-D4E22EA5111A}"/>
+                <a16:creationId xmlns:a16="http://schemas.microsoft.com/office/drawing/2014/main" xmlns="" id="{1670FC7A-8A22-4E26-89C0-D4E22EA5111A}"/>
               </a:ext>
             </a:extLst>
           </p:cNvPr>
@@ -2911,7 +2911,7 @@
           <a:p>
             <a:fld id="{BC6D784A-583B-48B5-A7BC-BB401D5EE48B}" type="datetimeFigureOut">
               <a:rPr lang="en-US" smtClean="0"/>
-              <a:t>3/10/2021</a:t>
+              <a:t>5/19/2021</a:t>
             </a:fld>
             <a:endParaRPr lang="en-US"/>
           </a:p>
@@ -2922,7 +2922,7 @@
           <p:cNvPr id="5" name="Footer Placeholder 4">
             <a:extLst>
               <a:ext uri="{FF2B5EF4-FFF2-40B4-BE49-F238E27FC236}">
-                <a16:creationId xmlns:a16="http://schemas.microsoft.com/office/drawing/2014/main" id="{B101AD4B-FB2B-463C-9422-7AC8AE58D0D9}"/>
+                <a16:creationId xmlns:a16="http://schemas.microsoft.com/office/drawing/2014/main" xmlns="" id="{B101AD4B-FB2B-463C-9422-7AC8AE58D0D9}"/>
               </a:ext>
             </a:extLst>
           </p:cNvPr>
@@ -2965,7 +2965,7 @@
           <p:cNvPr id="6" name="Slide Number Placeholder 5">
             <a:extLst>
               <a:ext uri="{FF2B5EF4-FFF2-40B4-BE49-F238E27FC236}">
-                <a16:creationId xmlns:a16="http://schemas.microsoft.com/office/drawing/2014/main" id="{72CD587B-2476-4532-BC17-8C8D04C26345}"/>
+                <a16:creationId xmlns:a16="http://schemas.microsoft.com/office/drawing/2014/main" xmlns="" id="{72CD587B-2476-4532-BC17-8C8D04C26345}"/>
               </a:ext>
             </a:extLst>
           </p:cNvPr>
@@ -3333,7 +3333,7 @@
           <p:cNvPr id="2" name="Title 1">
             <a:extLst>
               <a:ext uri="{FF2B5EF4-FFF2-40B4-BE49-F238E27FC236}">
-                <a16:creationId xmlns:a16="http://schemas.microsoft.com/office/drawing/2014/main" id="{EC68DA72-B553-46D9-BEE7-25639C98ED4A}"/>
+                <a16:creationId xmlns:a16="http://schemas.microsoft.com/office/drawing/2014/main" xmlns="" id="{EC68DA72-B553-46D9-BEE7-25639C98ED4A}"/>
               </a:ext>
             </a:extLst>
           </p:cNvPr>
@@ -3352,7 +3352,7 @@
         </p:spPr>
         <p:txBody>
           <a:bodyPr>
-            <a:normAutofit/>
+            <a:normAutofit fontScale="90000"/>
           </a:bodyPr>
           <a:lstStyle/>
           <a:p>
@@ -3450,7 +3450,27 @@
                 <a:effectLst/>
                 <a:latin typeface="montserrat"/>
               </a:rPr>
-              <a:t>orecast in Short-Term and Raise an Alarm on Cyanotoxins and Harmful Algal Blooms(</a:t>
+              <a:t>orecast in Short-Term and Raise an Alarm on </a:t>
+            </a:r>
+            <a:r>
+              <a:rPr lang="en-US" sz="3200" b="1" i="0" dirty="0" smtClean="0">
+                <a:solidFill>
+                  <a:srgbClr val="333333"/>
+                </a:solidFill>
+                <a:effectLst/>
+                <a:latin typeface="montserrat"/>
+              </a:rPr>
+              <a:t>Cyanotoxins </a:t>
+            </a:r>
+            <a:r>
+              <a:rPr lang="en-US" sz="3200" b="1" i="0" dirty="0">
+                <a:solidFill>
+                  <a:srgbClr val="333333"/>
+                </a:solidFill>
+                <a:effectLst/>
+                <a:latin typeface="montserrat"/>
+              </a:rPr>
+              <a:t>and Harmful Algal Blooms(</a:t>
             </a:r>
             <a:r>
               <a:rPr lang="en-US" sz="3200" b="1" i="0" dirty="0" err="1">
@@ -3480,7 +3500,7 @@
           <p:cNvPr id="8" name="Picture 7">
             <a:extLst>
               <a:ext uri="{FF2B5EF4-FFF2-40B4-BE49-F238E27FC236}">
-                <a16:creationId xmlns:a16="http://schemas.microsoft.com/office/drawing/2014/main" id="{544E8478-687E-4341-A132-233796D98B71}"/>
+                <a16:creationId xmlns:a16="http://schemas.microsoft.com/office/drawing/2014/main" xmlns="" id="{544E8478-687E-4341-A132-233796D98B71}"/>
               </a:ext>
             </a:extLst>
           </p:cNvPr>
@@ -3490,7 +3510,7 @@
           <p:nvPr/>
         </p:nvPicPr>
         <p:blipFill>
-          <a:blip r:embed="rId2">
+          <a:blip r:embed="rId2" cstate="print">
             <a:extLst>
               <a:ext uri="{28A0092B-C50C-407E-A947-70E740481C1C}">
                 <a14:useLocalDpi xmlns:a14="http://schemas.microsoft.com/office/drawing/2010/main" val="0"/>
@@ -3516,7 +3536,7 @@
           <p:cNvPr id="9" name="Picture 8">
             <a:extLst>
               <a:ext uri="{FF2B5EF4-FFF2-40B4-BE49-F238E27FC236}">
-                <a16:creationId xmlns:a16="http://schemas.microsoft.com/office/drawing/2014/main" id="{D2931C58-0BCB-48F1-BC1F-D83C16741BFD}"/>
+                <a16:creationId xmlns:a16="http://schemas.microsoft.com/office/drawing/2014/main" xmlns="" id="{D2931C58-0BCB-48F1-BC1F-D83C16741BFD}"/>
               </a:ext>
             </a:extLst>
           </p:cNvPr>
@@ -3526,7 +3546,7 @@
           <p:nvPr/>
         </p:nvPicPr>
         <p:blipFill>
-          <a:blip r:embed="rId3">
+          <a:blip r:embed="rId3" cstate="print">
             <a:extLst>
               <a:ext uri="{28A0092B-C50C-407E-A947-70E740481C1C}">
                 <a14:useLocalDpi xmlns:a14="http://schemas.microsoft.com/office/drawing/2010/main" val="0"/>
@@ -3552,7 +3572,7 @@
           <p:cNvPr id="10" name="Picture 9">
             <a:extLst>
               <a:ext uri="{FF2B5EF4-FFF2-40B4-BE49-F238E27FC236}">
-                <a16:creationId xmlns:a16="http://schemas.microsoft.com/office/drawing/2014/main" id="{E86508A7-3C58-4286-9C52-9C6B8A3928D8}"/>
+                <a16:creationId xmlns:a16="http://schemas.microsoft.com/office/drawing/2014/main" xmlns="" id="{E86508A7-3C58-4286-9C52-9C6B8A3928D8}"/>
               </a:ext>
             </a:extLst>
           </p:cNvPr>
@@ -3562,7 +3582,7 @@
           <p:nvPr/>
         </p:nvPicPr>
         <p:blipFill>
-          <a:blip r:embed="rId4">
+          <a:blip r:embed="rId4" cstate="print">
             <a:extLst>
               <a:ext uri="{28A0092B-C50C-407E-A947-70E740481C1C}">
                 <a14:useLocalDpi xmlns:a14="http://schemas.microsoft.com/office/drawing/2010/main" val="0"/>
@@ -3588,7 +3608,7 @@
           <p:cNvPr id="11" name="Picture 10">
             <a:extLst>
               <a:ext uri="{FF2B5EF4-FFF2-40B4-BE49-F238E27FC236}">
-                <a16:creationId xmlns:a16="http://schemas.microsoft.com/office/drawing/2014/main" id="{D4E137CC-6BDC-4F1A-A015-5A3CEB442AA0}"/>
+                <a16:creationId xmlns:a16="http://schemas.microsoft.com/office/drawing/2014/main" xmlns="" id="{D4E137CC-6BDC-4F1A-A015-5A3CEB442AA0}"/>
               </a:ext>
             </a:extLst>
           </p:cNvPr>
@@ -3598,7 +3618,7 @@
           <p:nvPr/>
         </p:nvPicPr>
         <p:blipFill>
-          <a:blip r:embed="rId5">
+          <a:blip r:embed="rId5" cstate="print">
             <a:extLst>
               <a:ext uri="{28A0092B-C50C-407E-A947-70E740481C1C}">
                 <a14:useLocalDpi xmlns:a14="http://schemas.microsoft.com/office/drawing/2010/main" val="0"/>
@@ -3624,7 +3644,7 @@
           <p:cNvPr id="12" name="Picture 11">
             <a:extLst>
               <a:ext uri="{FF2B5EF4-FFF2-40B4-BE49-F238E27FC236}">
-                <a16:creationId xmlns:a16="http://schemas.microsoft.com/office/drawing/2014/main" id="{BDFDE0C1-6BCE-41F7-AAC3-82A2A2F367ED}"/>
+                <a16:creationId xmlns:a16="http://schemas.microsoft.com/office/drawing/2014/main" xmlns="" id="{BDFDE0C1-6BCE-41F7-AAC3-82A2A2F367ED}"/>
               </a:ext>
             </a:extLst>
           </p:cNvPr>
@@ -3634,7 +3654,7 @@
           <p:nvPr/>
         </p:nvPicPr>
         <p:blipFill>
-          <a:blip r:embed="rId6">
+          <a:blip r:embed="rId6" cstate="print">
             <a:extLst>
               <a:ext uri="{28A0092B-C50C-407E-A947-70E740481C1C}">
                 <a14:useLocalDpi xmlns:a14="http://schemas.microsoft.com/office/drawing/2010/main" val="0"/>
@@ -3690,7 +3710,7 @@
           <p:cNvPr id="2" name="Title 1">
             <a:extLst>
               <a:ext uri="{FF2B5EF4-FFF2-40B4-BE49-F238E27FC236}">
-                <a16:creationId xmlns:a16="http://schemas.microsoft.com/office/drawing/2014/main" id="{BEAC615C-7F17-4B36-AAAD-717E37184168}"/>
+                <a16:creationId xmlns:a16="http://schemas.microsoft.com/office/drawing/2014/main" xmlns="" id="{BEAC615C-7F17-4B36-AAAD-717E37184168}"/>
               </a:ext>
             </a:extLst>
           </p:cNvPr>
@@ -3724,7 +3744,7 @@
           <p:cNvPr id="3" name="Content Placeholder 2">
             <a:extLst>
               <a:ext uri="{FF2B5EF4-FFF2-40B4-BE49-F238E27FC236}">
-                <a16:creationId xmlns:a16="http://schemas.microsoft.com/office/drawing/2014/main" id="{93607C6C-9624-4FEF-8673-BA57961139F2}"/>
+                <a16:creationId xmlns:a16="http://schemas.microsoft.com/office/drawing/2014/main" xmlns="" id="{93607C6C-9624-4FEF-8673-BA57961139F2}"/>
               </a:ext>
             </a:extLst>
           </p:cNvPr>
@@ -3906,7 +3926,7 @@
           <p:cNvPr id="14" name="Picture 13">
             <a:extLst>
               <a:ext uri="{FF2B5EF4-FFF2-40B4-BE49-F238E27FC236}">
-                <a16:creationId xmlns:a16="http://schemas.microsoft.com/office/drawing/2014/main" id="{D43EBAAA-A01B-46E3-A035-4A59A3CEF6C0}"/>
+                <a16:creationId xmlns:a16="http://schemas.microsoft.com/office/drawing/2014/main" xmlns="" id="{D43EBAAA-A01B-46E3-A035-4A59A3CEF6C0}"/>
               </a:ext>
             </a:extLst>
           </p:cNvPr>
@@ -3942,7 +3962,7 @@
           <p:cNvPr id="15" name="Picture 14">
             <a:extLst>
               <a:ext uri="{FF2B5EF4-FFF2-40B4-BE49-F238E27FC236}">
-                <a16:creationId xmlns:a16="http://schemas.microsoft.com/office/drawing/2014/main" id="{67ED0CE7-CFB5-4B95-B855-91566D85A71C}"/>
+                <a16:creationId xmlns:a16="http://schemas.microsoft.com/office/drawing/2014/main" xmlns="" id="{67ED0CE7-CFB5-4B95-B855-91566D85A71C}"/>
               </a:ext>
             </a:extLst>
           </p:cNvPr>
@@ -3978,7 +3998,7 @@
           <p:cNvPr id="16" name="Picture 15">
             <a:extLst>
               <a:ext uri="{FF2B5EF4-FFF2-40B4-BE49-F238E27FC236}">
-                <a16:creationId xmlns:a16="http://schemas.microsoft.com/office/drawing/2014/main" id="{024B6143-A0F2-42A1-9034-E435BF489F7F}"/>
+                <a16:creationId xmlns:a16="http://schemas.microsoft.com/office/drawing/2014/main" xmlns="" id="{024B6143-A0F2-42A1-9034-E435BF489F7F}"/>
               </a:ext>
             </a:extLst>
           </p:cNvPr>
@@ -4014,7 +4034,7 @@
           <p:cNvPr id="17" name="Picture 16">
             <a:extLst>
               <a:ext uri="{FF2B5EF4-FFF2-40B4-BE49-F238E27FC236}">
-                <a16:creationId xmlns:a16="http://schemas.microsoft.com/office/drawing/2014/main" id="{A52D8DB9-F9E2-41B7-AD44-31937F3EBE84}"/>
+                <a16:creationId xmlns:a16="http://schemas.microsoft.com/office/drawing/2014/main" xmlns="" id="{A52D8DB9-F9E2-41B7-AD44-31937F3EBE84}"/>
               </a:ext>
             </a:extLst>
           </p:cNvPr>
@@ -4050,7 +4070,7 @@
           <p:cNvPr id="18" name="Picture 17">
             <a:extLst>
               <a:ext uri="{FF2B5EF4-FFF2-40B4-BE49-F238E27FC236}">
-                <a16:creationId xmlns:a16="http://schemas.microsoft.com/office/drawing/2014/main" id="{EC46E55B-5635-4C3B-8DAC-0058D6198A90}"/>
+                <a16:creationId xmlns:a16="http://schemas.microsoft.com/office/drawing/2014/main" xmlns="" id="{EC46E55B-5635-4C3B-8DAC-0058D6198A90}"/>
               </a:ext>
             </a:extLst>
           </p:cNvPr>
@@ -4073,7 +4093,7 @@
         </p:blipFill>
         <p:spPr>
           <a:xfrm>
-            <a:off x="221831" y="5273799"/>
+            <a:off x="221831" y="5181474"/>
             <a:ext cx="2027075" cy="1263353"/>
           </a:xfrm>
           <a:prstGeom prst="rect">
@@ -4086,7 +4106,7 @@
           <p:cNvPr id="27" name="Picture 26">
             <a:extLst>
               <a:ext uri="{FF2B5EF4-FFF2-40B4-BE49-F238E27FC236}">
-                <a16:creationId xmlns:a16="http://schemas.microsoft.com/office/drawing/2014/main" id="{4B6EEACF-29F4-4464-88B0-2255380A7575}"/>
+                <a16:creationId xmlns:a16="http://schemas.microsoft.com/office/drawing/2014/main" xmlns="" id="{4B6EEACF-29F4-4464-88B0-2255380A7575}"/>
               </a:ext>
             </a:extLst>
           </p:cNvPr>
@@ -4122,7 +4142,7 @@
           <p:cNvPr id="29" name="Straight Arrow Connector 28">
             <a:extLst>
               <a:ext uri="{FF2B5EF4-FFF2-40B4-BE49-F238E27FC236}">
-                <a16:creationId xmlns:a16="http://schemas.microsoft.com/office/drawing/2014/main" id="{46D3B211-D1BD-4BBE-908A-BA616FAC22FA}"/>
+                <a16:creationId xmlns:a16="http://schemas.microsoft.com/office/drawing/2014/main" xmlns="" id="{46D3B211-D1BD-4BBE-908A-BA616FAC22FA}"/>
               </a:ext>
             </a:extLst>
           </p:cNvPr>
@@ -4163,7 +4183,7 @@
           <p:cNvPr id="34" name="Straight Arrow Connector 33">
             <a:extLst>
               <a:ext uri="{FF2B5EF4-FFF2-40B4-BE49-F238E27FC236}">
-                <a16:creationId xmlns:a16="http://schemas.microsoft.com/office/drawing/2014/main" id="{E07A8D0D-C8CE-4B61-8E10-7A0A059DAF74}"/>
+                <a16:creationId xmlns:a16="http://schemas.microsoft.com/office/drawing/2014/main" xmlns="" id="{E07A8D0D-C8CE-4B61-8E10-7A0A059DAF74}"/>
               </a:ext>
             </a:extLst>
           </p:cNvPr>
@@ -4204,7 +4224,7 @@
           <p:cNvPr id="35" name="Straight Arrow Connector 34">
             <a:extLst>
               <a:ext uri="{FF2B5EF4-FFF2-40B4-BE49-F238E27FC236}">
-                <a16:creationId xmlns:a16="http://schemas.microsoft.com/office/drawing/2014/main" id="{4DB56BB6-828B-442A-A0AC-91F714E55EE4}"/>
+                <a16:creationId xmlns:a16="http://schemas.microsoft.com/office/drawing/2014/main" xmlns="" id="{4DB56BB6-828B-442A-A0AC-91F714E55EE4}"/>
               </a:ext>
             </a:extLst>
           </p:cNvPr>
@@ -4245,7 +4265,7 @@
           <p:cNvPr id="36" name="Straight Arrow Connector 35">
             <a:extLst>
               <a:ext uri="{FF2B5EF4-FFF2-40B4-BE49-F238E27FC236}">
-                <a16:creationId xmlns:a16="http://schemas.microsoft.com/office/drawing/2014/main" id="{42C17063-D3D5-4797-A7C1-735D7E590E1E}"/>
+                <a16:creationId xmlns:a16="http://schemas.microsoft.com/office/drawing/2014/main" xmlns="" id="{42C17063-D3D5-4797-A7C1-735D7E590E1E}"/>
               </a:ext>
             </a:extLst>
           </p:cNvPr>
@@ -4286,7 +4306,7 @@
           <p:cNvPr id="50" name="Straight Arrow Connector 49">
             <a:extLst>
               <a:ext uri="{FF2B5EF4-FFF2-40B4-BE49-F238E27FC236}">
-                <a16:creationId xmlns:a16="http://schemas.microsoft.com/office/drawing/2014/main" id="{DDCE01E4-3007-46F7-AD3D-7E0B6E48C62D}"/>
+                <a16:creationId xmlns:a16="http://schemas.microsoft.com/office/drawing/2014/main" xmlns="" id="{DDCE01E4-3007-46F7-AD3D-7E0B6E48C62D}"/>
               </a:ext>
             </a:extLst>
           </p:cNvPr>
@@ -4327,7 +4347,7 @@
           <p:cNvPr id="56" name="Straight Arrow Connector 55">
             <a:extLst>
               <a:ext uri="{FF2B5EF4-FFF2-40B4-BE49-F238E27FC236}">
-                <a16:creationId xmlns:a16="http://schemas.microsoft.com/office/drawing/2014/main" id="{73EAD4DE-61AB-4DB5-941E-B99807AA6131}"/>
+                <a16:creationId xmlns:a16="http://schemas.microsoft.com/office/drawing/2014/main" xmlns="" id="{73EAD4DE-61AB-4DB5-941E-B99807AA6131}"/>
               </a:ext>
             </a:extLst>
           </p:cNvPr>
@@ -4368,7 +4388,7 @@
           <p:cNvPr id="63" name="Straight Arrow Connector 62">
             <a:extLst>
               <a:ext uri="{FF2B5EF4-FFF2-40B4-BE49-F238E27FC236}">
-                <a16:creationId xmlns:a16="http://schemas.microsoft.com/office/drawing/2014/main" id="{59AB2FF6-8689-4953-AF06-439367B3BA22}"/>
+                <a16:creationId xmlns:a16="http://schemas.microsoft.com/office/drawing/2014/main" xmlns="" id="{59AB2FF6-8689-4953-AF06-439367B3BA22}"/>
               </a:ext>
             </a:extLst>
           </p:cNvPr>
@@ -4409,7 +4429,7 @@
           <p:cNvPr id="67" name="TextBox 66">
             <a:extLst>
               <a:ext uri="{FF2B5EF4-FFF2-40B4-BE49-F238E27FC236}">
-                <a16:creationId xmlns:a16="http://schemas.microsoft.com/office/drawing/2014/main" id="{D14F0DBF-BC35-4A50-8163-3062C137C1EF}"/>
+                <a16:creationId xmlns:a16="http://schemas.microsoft.com/office/drawing/2014/main" xmlns="" id="{D14F0DBF-BC35-4A50-8163-3062C137C1EF}"/>
               </a:ext>
             </a:extLst>
           </p:cNvPr>
@@ -4451,7 +4471,7 @@
           <p:cNvPr id="68" name="TextBox 67">
             <a:extLst>
               <a:ext uri="{FF2B5EF4-FFF2-40B4-BE49-F238E27FC236}">
-                <a16:creationId xmlns:a16="http://schemas.microsoft.com/office/drawing/2014/main" id="{36C659CC-53C8-42EF-83D9-D7F0F3B0E380}"/>
+                <a16:creationId xmlns:a16="http://schemas.microsoft.com/office/drawing/2014/main" xmlns="" id="{36C659CC-53C8-42EF-83D9-D7F0F3B0E380}"/>
               </a:ext>
             </a:extLst>
           </p:cNvPr>

--- a/pptx.pptx
+++ b/pptx.pptx
@@ -8,6 +8,7 @@
     <p:sldId id="256" r:id="rId2"/>
     <p:sldId id="257" r:id="rId3"/>
     <p:sldId id="258" r:id="rId4"/>
+    <p:sldId id="259" r:id="rId5"/>
   </p:sldIdLst>
   <p:sldSz cx="12192000" cy="6858000"/>
   <p:notesSz cx="6858000" cy="9144000"/>
@@ -136,7 +137,7 @@
           <p:cNvPr id="2" name="Title 1">
             <a:extLst>
               <a:ext uri="{FF2B5EF4-FFF2-40B4-BE49-F238E27FC236}">
-                <a16:creationId xmlns:a16="http://schemas.microsoft.com/office/drawing/2014/main" xmlns="" id="{46B6636D-54F6-451E-92C5-BB1114CEEF50}"/>
+                <a16:creationId xmlns:a16="http://schemas.microsoft.com/office/drawing/2014/main" id="{46B6636D-54F6-451E-92C5-BB1114CEEF50}"/>
               </a:ext>
             </a:extLst>
           </p:cNvPr>
@@ -173,7 +174,7 @@
           <p:cNvPr id="3" name="Subtitle 2">
             <a:extLst>
               <a:ext uri="{FF2B5EF4-FFF2-40B4-BE49-F238E27FC236}">
-                <a16:creationId xmlns:a16="http://schemas.microsoft.com/office/drawing/2014/main" xmlns="" id="{FBE6B0AD-DEF0-4ADD-A5BA-C11097FD5767}"/>
+                <a16:creationId xmlns:a16="http://schemas.microsoft.com/office/drawing/2014/main" id="{FBE6B0AD-DEF0-4ADD-A5BA-C11097FD5767}"/>
               </a:ext>
             </a:extLst>
           </p:cNvPr>
@@ -243,7 +244,7 @@
           <p:cNvPr id="4" name="Date Placeholder 3">
             <a:extLst>
               <a:ext uri="{FF2B5EF4-FFF2-40B4-BE49-F238E27FC236}">
-                <a16:creationId xmlns:a16="http://schemas.microsoft.com/office/drawing/2014/main" xmlns="" id="{F29FD7D9-C0B2-4F01-A611-2C723B6889FD}"/>
+                <a16:creationId xmlns:a16="http://schemas.microsoft.com/office/drawing/2014/main" id="{F29FD7D9-C0B2-4F01-A611-2C723B6889FD}"/>
               </a:ext>
             </a:extLst>
           </p:cNvPr>
@@ -261,7 +262,7 @@
           <a:p>
             <a:fld id="{BC6D784A-583B-48B5-A7BC-BB401D5EE48B}" type="datetimeFigureOut">
               <a:rPr lang="en-US" smtClean="0"/>
-              <a:t>5/19/2021</a:t>
+              <a:t>5/21/2021</a:t>
             </a:fld>
             <a:endParaRPr lang="en-US"/>
           </a:p>
@@ -272,7 +273,7 @@
           <p:cNvPr id="5" name="Footer Placeholder 4">
             <a:extLst>
               <a:ext uri="{FF2B5EF4-FFF2-40B4-BE49-F238E27FC236}">
-                <a16:creationId xmlns:a16="http://schemas.microsoft.com/office/drawing/2014/main" xmlns="" id="{1643BB64-2DBB-4989-AB82-5E439F9303AD}"/>
+                <a16:creationId xmlns:a16="http://schemas.microsoft.com/office/drawing/2014/main" id="{1643BB64-2DBB-4989-AB82-5E439F9303AD}"/>
               </a:ext>
             </a:extLst>
           </p:cNvPr>
@@ -297,7 +298,7 @@
           <p:cNvPr id="6" name="Slide Number Placeholder 5">
             <a:extLst>
               <a:ext uri="{FF2B5EF4-FFF2-40B4-BE49-F238E27FC236}">
-                <a16:creationId xmlns:a16="http://schemas.microsoft.com/office/drawing/2014/main" xmlns="" id="{7B3412CD-2605-4CC9-8396-614FE66340A4}"/>
+                <a16:creationId xmlns:a16="http://schemas.microsoft.com/office/drawing/2014/main" id="{7B3412CD-2605-4CC9-8396-614FE66340A4}"/>
               </a:ext>
             </a:extLst>
           </p:cNvPr>
@@ -356,7 +357,7 @@
           <p:cNvPr id="2" name="Title 1">
             <a:extLst>
               <a:ext uri="{FF2B5EF4-FFF2-40B4-BE49-F238E27FC236}">
-                <a16:creationId xmlns:a16="http://schemas.microsoft.com/office/drawing/2014/main" xmlns="" id="{490FCD03-BD66-4721-8591-AFB5C15C7AD1}"/>
+                <a16:creationId xmlns:a16="http://schemas.microsoft.com/office/drawing/2014/main" id="{490FCD03-BD66-4721-8591-AFB5C15C7AD1}"/>
               </a:ext>
             </a:extLst>
           </p:cNvPr>
@@ -384,7 +385,7 @@
           <p:cNvPr id="3" name="Vertical Text Placeholder 2">
             <a:extLst>
               <a:ext uri="{FF2B5EF4-FFF2-40B4-BE49-F238E27FC236}">
-                <a16:creationId xmlns:a16="http://schemas.microsoft.com/office/drawing/2014/main" xmlns="" id="{7893A0EA-7995-4BB5-BB54-23E9927486E5}"/>
+                <a16:creationId xmlns:a16="http://schemas.microsoft.com/office/drawing/2014/main" id="{7893A0EA-7995-4BB5-BB54-23E9927486E5}"/>
               </a:ext>
             </a:extLst>
           </p:cNvPr>
@@ -441,7 +442,7 @@
           <p:cNvPr id="4" name="Date Placeholder 3">
             <a:extLst>
               <a:ext uri="{FF2B5EF4-FFF2-40B4-BE49-F238E27FC236}">
-                <a16:creationId xmlns:a16="http://schemas.microsoft.com/office/drawing/2014/main" xmlns="" id="{CB2C5E7B-3891-4239-885F-E3F5660F26C9}"/>
+                <a16:creationId xmlns:a16="http://schemas.microsoft.com/office/drawing/2014/main" id="{CB2C5E7B-3891-4239-885F-E3F5660F26C9}"/>
               </a:ext>
             </a:extLst>
           </p:cNvPr>
@@ -459,7 +460,7 @@
           <a:p>
             <a:fld id="{BC6D784A-583B-48B5-A7BC-BB401D5EE48B}" type="datetimeFigureOut">
               <a:rPr lang="en-US" smtClean="0"/>
-              <a:t>5/19/2021</a:t>
+              <a:t>5/21/2021</a:t>
             </a:fld>
             <a:endParaRPr lang="en-US"/>
           </a:p>
@@ -470,7 +471,7 @@
           <p:cNvPr id="5" name="Footer Placeholder 4">
             <a:extLst>
               <a:ext uri="{FF2B5EF4-FFF2-40B4-BE49-F238E27FC236}">
-                <a16:creationId xmlns:a16="http://schemas.microsoft.com/office/drawing/2014/main" xmlns="" id="{6A64B8AC-1AAB-45B6-B674-BE7981DEB702}"/>
+                <a16:creationId xmlns:a16="http://schemas.microsoft.com/office/drawing/2014/main" id="{6A64B8AC-1AAB-45B6-B674-BE7981DEB702}"/>
               </a:ext>
             </a:extLst>
           </p:cNvPr>
@@ -495,7 +496,7 @@
           <p:cNvPr id="6" name="Slide Number Placeholder 5">
             <a:extLst>
               <a:ext uri="{FF2B5EF4-FFF2-40B4-BE49-F238E27FC236}">
-                <a16:creationId xmlns:a16="http://schemas.microsoft.com/office/drawing/2014/main" xmlns="" id="{93609C02-E562-4EA7-812F-3B819E5CF15D}"/>
+                <a16:creationId xmlns:a16="http://schemas.microsoft.com/office/drawing/2014/main" id="{93609C02-E562-4EA7-812F-3B819E5CF15D}"/>
               </a:ext>
             </a:extLst>
           </p:cNvPr>
@@ -554,7 +555,7 @@
           <p:cNvPr id="2" name="Vertical Title 1">
             <a:extLst>
               <a:ext uri="{FF2B5EF4-FFF2-40B4-BE49-F238E27FC236}">
-                <a16:creationId xmlns:a16="http://schemas.microsoft.com/office/drawing/2014/main" xmlns="" id="{48589BD6-2D25-4D92-BA22-3506ACACBFAE}"/>
+                <a16:creationId xmlns:a16="http://schemas.microsoft.com/office/drawing/2014/main" id="{48589BD6-2D25-4D92-BA22-3506ACACBFAE}"/>
               </a:ext>
             </a:extLst>
           </p:cNvPr>
@@ -587,7 +588,7 @@
           <p:cNvPr id="3" name="Vertical Text Placeholder 2">
             <a:extLst>
               <a:ext uri="{FF2B5EF4-FFF2-40B4-BE49-F238E27FC236}">
-                <a16:creationId xmlns:a16="http://schemas.microsoft.com/office/drawing/2014/main" xmlns="" id="{C8134220-3032-4A08-8374-4A88995C0CA7}"/>
+                <a16:creationId xmlns:a16="http://schemas.microsoft.com/office/drawing/2014/main" id="{C8134220-3032-4A08-8374-4A88995C0CA7}"/>
               </a:ext>
             </a:extLst>
           </p:cNvPr>
@@ -649,7 +650,7 @@
           <p:cNvPr id="4" name="Date Placeholder 3">
             <a:extLst>
               <a:ext uri="{FF2B5EF4-FFF2-40B4-BE49-F238E27FC236}">
-                <a16:creationId xmlns:a16="http://schemas.microsoft.com/office/drawing/2014/main" xmlns="" id="{A4D62496-560A-4921-88A1-A24F71E0FF9A}"/>
+                <a16:creationId xmlns:a16="http://schemas.microsoft.com/office/drawing/2014/main" id="{A4D62496-560A-4921-88A1-A24F71E0FF9A}"/>
               </a:ext>
             </a:extLst>
           </p:cNvPr>
@@ -667,7 +668,7 @@
           <a:p>
             <a:fld id="{BC6D784A-583B-48B5-A7BC-BB401D5EE48B}" type="datetimeFigureOut">
               <a:rPr lang="en-US" smtClean="0"/>
-              <a:t>5/19/2021</a:t>
+              <a:t>5/21/2021</a:t>
             </a:fld>
             <a:endParaRPr lang="en-US"/>
           </a:p>
@@ -678,7 +679,7 @@
           <p:cNvPr id="5" name="Footer Placeholder 4">
             <a:extLst>
               <a:ext uri="{FF2B5EF4-FFF2-40B4-BE49-F238E27FC236}">
-                <a16:creationId xmlns:a16="http://schemas.microsoft.com/office/drawing/2014/main" xmlns="" id="{C73E7D3C-4D69-4475-AC26-13F467CD110C}"/>
+                <a16:creationId xmlns:a16="http://schemas.microsoft.com/office/drawing/2014/main" id="{C73E7D3C-4D69-4475-AC26-13F467CD110C}"/>
               </a:ext>
             </a:extLst>
           </p:cNvPr>
@@ -703,7 +704,7 @@
           <p:cNvPr id="6" name="Slide Number Placeholder 5">
             <a:extLst>
               <a:ext uri="{FF2B5EF4-FFF2-40B4-BE49-F238E27FC236}">
-                <a16:creationId xmlns:a16="http://schemas.microsoft.com/office/drawing/2014/main" xmlns="" id="{2F1D8A74-1EAE-43CC-AF92-74058E58C031}"/>
+                <a16:creationId xmlns:a16="http://schemas.microsoft.com/office/drawing/2014/main" id="{2F1D8A74-1EAE-43CC-AF92-74058E58C031}"/>
               </a:ext>
             </a:extLst>
           </p:cNvPr>
@@ -762,7 +763,7 @@
           <p:cNvPr id="2" name="Title 1">
             <a:extLst>
               <a:ext uri="{FF2B5EF4-FFF2-40B4-BE49-F238E27FC236}">
-                <a16:creationId xmlns:a16="http://schemas.microsoft.com/office/drawing/2014/main" xmlns="" id="{541D8DBC-8264-4DA7-9F7C-CF0D90991C03}"/>
+                <a16:creationId xmlns:a16="http://schemas.microsoft.com/office/drawing/2014/main" id="{541D8DBC-8264-4DA7-9F7C-CF0D90991C03}"/>
               </a:ext>
             </a:extLst>
           </p:cNvPr>
@@ -790,7 +791,7 @@
           <p:cNvPr id="3" name="Content Placeholder 2">
             <a:extLst>
               <a:ext uri="{FF2B5EF4-FFF2-40B4-BE49-F238E27FC236}">
-                <a16:creationId xmlns:a16="http://schemas.microsoft.com/office/drawing/2014/main" xmlns="" id="{5E9A3103-70DA-4455-B132-6EE2A825BA6C}"/>
+                <a16:creationId xmlns:a16="http://schemas.microsoft.com/office/drawing/2014/main" id="{5E9A3103-70DA-4455-B132-6EE2A825BA6C}"/>
               </a:ext>
             </a:extLst>
           </p:cNvPr>
@@ -847,7 +848,7 @@
           <p:cNvPr id="4" name="Date Placeholder 3">
             <a:extLst>
               <a:ext uri="{FF2B5EF4-FFF2-40B4-BE49-F238E27FC236}">
-                <a16:creationId xmlns:a16="http://schemas.microsoft.com/office/drawing/2014/main" xmlns="" id="{662F66A8-B599-4FA7-8481-A423F5B2CD9F}"/>
+                <a16:creationId xmlns:a16="http://schemas.microsoft.com/office/drawing/2014/main" id="{662F66A8-B599-4FA7-8481-A423F5B2CD9F}"/>
               </a:ext>
             </a:extLst>
           </p:cNvPr>
@@ -865,7 +866,7 @@
           <a:p>
             <a:fld id="{BC6D784A-583B-48B5-A7BC-BB401D5EE48B}" type="datetimeFigureOut">
               <a:rPr lang="en-US" smtClean="0"/>
-              <a:t>5/19/2021</a:t>
+              <a:t>5/21/2021</a:t>
             </a:fld>
             <a:endParaRPr lang="en-US"/>
           </a:p>
@@ -876,7 +877,7 @@
           <p:cNvPr id="5" name="Footer Placeholder 4">
             <a:extLst>
               <a:ext uri="{FF2B5EF4-FFF2-40B4-BE49-F238E27FC236}">
-                <a16:creationId xmlns:a16="http://schemas.microsoft.com/office/drawing/2014/main" xmlns="" id="{44137BD0-5EB8-4E0E-9610-3CBDFFA38F62}"/>
+                <a16:creationId xmlns:a16="http://schemas.microsoft.com/office/drawing/2014/main" id="{44137BD0-5EB8-4E0E-9610-3CBDFFA38F62}"/>
               </a:ext>
             </a:extLst>
           </p:cNvPr>
@@ -901,7 +902,7 @@
           <p:cNvPr id="6" name="Slide Number Placeholder 5">
             <a:extLst>
               <a:ext uri="{FF2B5EF4-FFF2-40B4-BE49-F238E27FC236}">
-                <a16:creationId xmlns:a16="http://schemas.microsoft.com/office/drawing/2014/main" xmlns="" id="{84BE4DE9-C954-481A-B556-5D14FA46383D}"/>
+                <a16:creationId xmlns:a16="http://schemas.microsoft.com/office/drawing/2014/main" id="{84BE4DE9-C954-481A-B556-5D14FA46383D}"/>
               </a:ext>
             </a:extLst>
           </p:cNvPr>
@@ -960,7 +961,7 @@
           <p:cNvPr id="2" name="Title 1">
             <a:extLst>
               <a:ext uri="{FF2B5EF4-FFF2-40B4-BE49-F238E27FC236}">
-                <a16:creationId xmlns:a16="http://schemas.microsoft.com/office/drawing/2014/main" xmlns="" id="{25E11B1C-844A-4DDA-A332-8FE51A3B0148}"/>
+                <a16:creationId xmlns:a16="http://schemas.microsoft.com/office/drawing/2014/main" id="{25E11B1C-844A-4DDA-A332-8FE51A3B0148}"/>
               </a:ext>
             </a:extLst>
           </p:cNvPr>
@@ -997,7 +998,7 @@
           <p:cNvPr id="3" name="Text Placeholder 2">
             <a:extLst>
               <a:ext uri="{FF2B5EF4-FFF2-40B4-BE49-F238E27FC236}">
-                <a16:creationId xmlns:a16="http://schemas.microsoft.com/office/drawing/2014/main" xmlns="" id="{9C5E05A5-972E-47E0-8FF2-038873C6D18D}"/>
+                <a16:creationId xmlns:a16="http://schemas.microsoft.com/office/drawing/2014/main" id="{9C5E05A5-972E-47E0-8FF2-038873C6D18D}"/>
               </a:ext>
             </a:extLst>
           </p:cNvPr>
@@ -1122,7 +1123,7 @@
           <p:cNvPr id="4" name="Date Placeholder 3">
             <a:extLst>
               <a:ext uri="{FF2B5EF4-FFF2-40B4-BE49-F238E27FC236}">
-                <a16:creationId xmlns:a16="http://schemas.microsoft.com/office/drawing/2014/main" xmlns="" id="{9BCB5436-0407-43D4-87C0-529DB1B10CA6}"/>
+                <a16:creationId xmlns:a16="http://schemas.microsoft.com/office/drawing/2014/main" id="{9BCB5436-0407-43D4-87C0-529DB1B10CA6}"/>
               </a:ext>
             </a:extLst>
           </p:cNvPr>
@@ -1140,7 +1141,7 @@
           <a:p>
             <a:fld id="{BC6D784A-583B-48B5-A7BC-BB401D5EE48B}" type="datetimeFigureOut">
               <a:rPr lang="en-US" smtClean="0"/>
-              <a:t>5/19/2021</a:t>
+              <a:t>5/21/2021</a:t>
             </a:fld>
             <a:endParaRPr lang="en-US"/>
           </a:p>
@@ -1151,7 +1152,7 @@
           <p:cNvPr id="5" name="Footer Placeholder 4">
             <a:extLst>
               <a:ext uri="{FF2B5EF4-FFF2-40B4-BE49-F238E27FC236}">
-                <a16:creationId xmlns:a16="http://schemas.microsoft.com/office/drawing/2014/main" xmlns="" id="{3E4BC692-04A6-429D-AEB8-D0C542B77DDA}"/>
+                <a16:creationId xmlns:a16="http://schemas.microsoft.com/office/drawing/2014/main" id="{3E4BC692-04A6-429D-AEB8-D0C542B77DDA}"/>
               </a:ext>
             </a:extLst>
           </p:cNvPr>
@@ -1176,7 +1177,7 @@
           <p:cNvPr id="6" name="Slide Number Placeholder 5">
             <a:extLst>
               <a:ext uri="{FF2B5EF4-FFF2-40B4-BE49-F238E27FC236}">
-                <a16:creationId xmlns:a16="http://schemas.microsoft.com/office/drawing/2014/main" xmlns="" id="{C184D3CF-B260-45B4-B602-96C9335F898E}"/>
+                <a16:creationId xmlns:a16="http://schemas.microsoft.com/office/drawing/2014/main" id="{C184D3CF-B260-45B4-B602-96C9335F898E}"/>
               </a:ext>
             </a:extLst>
           </p:cNvPr>
@@ -1235,7 +1236,7 @@
           <p:cNvPr id="2" name="Title 1">
             <a:extLst>
               <a:ext uri="{FF2B5EF4-FFF2-40B4-BE49-F238E27FC236}">
-                <a16:creationId xmlns:a16="http://schemas.microsoft.com/office/drawing/2014/main" xmlns="" id="{AACB080F-2920-4B6B-886E-CD0B9D7476F0}"/>
+                <a16:creationId xmlns:a16="http://schemas.microsoft.com/office/drawing/2014/main" id="{AACB080F-2920-4B6B-886E-CD0B9D7476F0}"/>
               </a:ext>
             </a:extLst>
           </p:cNvPr>
@@ -1263,7 +1264,7 @@
           <p:cNvPr id="3" name="Content Placeholder 2">
             <a:extLst>
               <a:ext uri="{FF2B5EF4-FFF2-40B4-BE49-F238E27FC236}">
-                <a16:creationId xmlns:a16="http://schemas.microsoft.com/office/drawing/2014/main" xmlns="" id="{D323F7CF-BA34-46E0-84B1-A4668FF86E62}"/>
+                <a16:creationId xmlns:a16="http://schemas.microsoft.com/office/drawing/2014/main" id="{D323F7CF-BA34-46E0-84B1-A4668FF86E62}"/>
               </a:ext>
             </a:extLst>
           </p:cNvPr>
@@ -1325,7 +1326,7 @@
           <p:cNvPr id="4" name="Content Placeholder 3">
             <a:extLst>
               <a:ext uri="{FF2B5EF4-FFF2-40B4-BE49-F238E27FC236}">
-                <a16:creationId xmlns:a16="http://schemas.microsoft.com/office/drawing/2014/main" xmlns="" id="{200F6E44-0B5D-431E-9179-08926A600743}"/>
+                <a16:creationId xmlns:a16="http://schemas.microsoft.com/office/drawing/2014/main" id="{200F6E44-0B5D-431E-9179-08926A600743}"/>
               </a:ext>
             </a:extLst>
           </p:cNvPr>
@@ -1387,7 +1388,7 @@
           <p:cNvPr id="5" name="Date Placeholder 4">
             <a:extLst>
               <a:ext uri="{FF2B5EF4-FFF2-40B4-BE49-F238E27FC236}">
-                <a16:creationId xmlns:a16="http://schemas.microsoft.com/office/drawing/2014/main" xmlns="" id="{7AF1AA72-6430-4BB7-AED6-51CDA6B86D3E}"/>
+                <a16:creationId xmlns:a16="http://schemas.microsoft.com/office/drawing/2014/main" id="{7AF1AA72-6430-4BB7-AED6-51CDA6B86D3E}"/>
               </a:ext>
             </a:extLst>
           </p:cNvPr>
@@ -1405,7 +1406,7 @@
           <a:p>
             <a:fld id="{BC6D784A-583B-48B5-A7BC-BB401D5EE48B}" type="datetimeFigureOut">
               <a:rPr lang="en-US" smtClean="0"/>
-              <a:t>5/19/2021</a:t>
+              <a:t>5/21/2021</a:t>
             </a:fld>
             <a:endParaRPr lang="en-US"/>
           </a:p>
@@ -1416,7 +1417,7 @@
           <p:cNvPr id="6" name="Footer Placeholder 5">
             <a:extLst>
               <a:ext uri="{FF2B5EF4-FFF2-40B4-BE49-F238E27FC236}">
-                <a16:creationId xmlns:a16="http://schemas.microsoft.com/office/drawing/2014/main" xmlns="" id="{3D426689-5DEE-4200-B14A-0C9B451E9C2C}"/>
+                <a16:creationId xmlns:a16="http://schemas.microsoft.com/office/drawing/2014/main" id="{3D426689-5DEE-4200-B14A-0C9B451E9C2C}"/>
               </a:ext>
             </a:extLst>
           </p:cNvPr>
@@ -1441,7 +1442,7 @@
           <p:cNvPr id="7" name="Slide Number Placeholder 6">
             <a:extLst>
               <a:ext uri="{FF2B5EF4-FFF2-40B4-BE49-F238E27FC236}">
-                <a16:creationId xmlns:a16="http://schemas.microsoft.com/office/drawing/2014/main" xmlns="" id="{4729B331-D2B5-411D-8A0E-2F5A448419FF}"/>
+                <a16:creationId xmlns:a16="http://schemas.microsoft.com/office/drawing/2014/main" id="{4729B331-D2B5-411D-8A0E-2F5A448419FF}"/>
               </a:ext>
             </a:extLst>
           </p:cNvPr>
@@ -1500,7 +1501,7 @@
           <p:cNvPr id="2" name="Title 1">
             <a:extLst>
               <a:ext uri="{FF2B5EF4-FFF2-40B4-BE49-F238E27FC236}">
-                <a16:creationId xmlns:a16="http://schemas.microsoft.com/office/drawing/2014/main" xmlns="" id="{047D8B21-A203-4E40-8604-A18AA0AE4FC8}"/>
+                <a16:creationId xmlns:a16="http://schemas.microsoft.com/office/drawing/2014/main" id="{047D8B21-A203-4E40-8604-A18AA0AE4FC8}"/>
               </a:ext>
             </a:extLst>
           </p:cNvPr>
@@ -1533,7 +1534,7 @@
           <p:cNvPr id="3" name="Text Placeholder 2">
             <a:extLst>
               <a:ext uri="{FF2B5EF4-FFF2-40B4-BE49-F238E27FC236}">
-                <a16:creationId xmlns:a16="http://schemas.microsoft.com/office/drawing/2014/main" xmlns="" id="{043E43D7-A9CF-44A7-9D18-24DA93B47D05}"/>
+                <a16:creationId xmlns:a16="http://schemas.microsoft.com/office/drawing/2014/main" id="{043E43D7-A9CF-44A7-9D18-24DA93B47D05}"/>
               </a:ext>
             </a:extLst>
           </p:cNvPr>
@@ -1604,7 +1605,7 @@
           <p:cNvPr id="4" name="Content Placeholder 3">
             <a:extLst>
               <a:ext uri="{FF2B5EF4-FFF2-40B4-BE49-F238E27FC236}">
-                <a16:creationId xmlns:a16="http://schemas.microsoft.com/office/drawing/2014/main" xmlns="" id="{039954FD-D727-4FF7-B7C5-072E9083A077}"/>
+                <a16:creationId xmlns:a16="http://schemas.microsoft.com/office/drawing/2014/main" id="{039954FD-D727-4FF7-B7C5-072E9083A077}"/>
               </a:ext>
             </a:extLst>
           </p:cNvPr>
@@ -1666,7 +1667,7 @@
           <p:cNvPr id="5" name="Text Placeholder 4">
             <a:extLst>
               <a:ext uri="{FF2B5EF4-FFF2-40B4-BE49-F238E27FC236}">
-                <a16:creationId xmlns:a16="http://schemas.microsoft.com/office/drawing/2014/main" xmlns="" id="{A7A81E98-849F-4E55-9DA2-8952D036F1C6}"/>
+                <a16:creationId xmlns:a16="http://schemas.microsoft.com/office/drawing/2014/main" id="{A7A81E98-849F-4E55-9DA2-8952D036F1C6}"/>
               </a:ext>
             </a:extLst>
           </p:cNvPr>
@@ -1737,7 +1738,7 @@
           <p:cNvPr id="6" name="Content Placeholder 5">
             <a:extLst>
               <a:ext uri="{FF2B5EF4-FFF2-40B4-BE49-F238E27FC236}">
-                <a16:creationId xmlns:a16="http://schemas.microsoft.com/office/drawing/2014/main" xmlns="" id="{7C0F4AE8-242E-4051-8434-600B65897F92}"/>
+                <a16:creationId xmlns:a16="http://schemas.microsoft.com/office/drawing/2014/main" id="{7C0F4AE8-242E-4051-8434-600B65897F92}"/>
               </a:ext>
             </a:extLst>
           </p:cNvPr>
@@ -1799,7 +1800,7 @@
           <p:cNvPr id="7" name="Date Placeholder 6">
             <a:extLst>
               <a:ext uri="{FF2B5EF4-FFF2-40B4-BE49-F238E27FC236}">
-                <a16:creationId xmlns:a16="http://schemas.microsoft.com/office/drawing/2014/main" xmlns="" id="{2B806670-D35B-4C48-AB17-C376287DD171}"/>
+                <a16:creationId xmlns:a16="http://schemas.microsoft.com/office/drawing/2014/main" id="{2B806670-D35B-4C48-AB17-C376287DD171}"/>
               </a:ext>
             </a:extLst>
           </p:cNvPr>
@@ -1817,7 +1818,7 @@
           <a:p>
             <a:fld id="{BC6D784A-583B-48B5-A7BC-BB401D5EE48B}" type="datetimeFigureOut">
               <a:rPr lang="en-US" smtClean="0"/>
-              <a:t>5/19/2021</a:t>
+              <a:t>5/21/2021</a:t>
             </a:fld>
             <a:endParaRPr lang="en-US"/>
           </a:p>
@@ -1828,7 +1829,7 @@
           <p:cNvPr id="8" name="Footer Placeholder 7">
             <a:extLst>
               <a:ext uri="{FF2B5EF4-FFF2-40B4-BE49-F238E27FC236}">
-                <a16:creationId xmlns:a16="http://schemas.microsoft.com/office/drawing/2014/main" xmlns="" id="{F97FD541-4B04-4E58-9FC9-74E3056B8E43}"/>
+                <a16:creationId xmlns:a16="http://schemas.microsoft.com/office/drawing/2014/main" id="{F97FD541-4B04-4E58-9FC9-74E3056B8E43}"/>
               </a:ext>
             </a:extLst>
           </p:cNvPr>
@@ -1853,7 +1854,7 @@
           <p:cNvPr id="9" name="Slide Number Placeholder 8">
             <a:extLst>
               <a:ext uri="{FF2B5EF4-FFF2-40B4-BE49-F238E27FC236}">
-                <a16:creationId xmlns:a16="http://schemas.microsoft.com/office/drawing/2014/main" xmlns="" id="{C498B9BB-9BDE-4B18-A278-492FF5C317AC}"/>
+                <a16:creationId xmlns:a16="http://schemas.microsoft.com/office/drawing/2014/main" id="{C498B9BB-9BDE-4B18-A278-492FF5C317AC}"/>
               </a:ext>
             </a:extLst>
           </p:cNvPr>
@@ -1912,7 +1913,7 @@
           <p:cNvPr id="2" name="Title 1">
             <a:extLst>
               <a:ext uri="{FF2B5EF4-FFF2-40B4-BE49-F238E27FC236}">
-                <a16:creationId xmlns:a16="http://schemas.microsoft.com/office/drawing/2014/main" xmlns="" id="{2E25CEDD-7130-4133-A166-9B17B4ABA1AF}"/>
+                <a16:creationId xmlns:a16="http://schemas.microsoft.com/office/drawing/2014/main" id="{2E25CEDD-7130-4133-A166-9B17B4ABA1AF}"/>
               </a:ext>
             </a:extLst>
           </p:cNvPr>
@@ -1940,7 +1941,7 @@
           <p:cNvPr id="3" name="Date Placeholder 2">
             <a:extLst>
               <a:ext uri="{FF2B5EF4-FFF2-40B4-BE49-F238E27FC236}">
-                <a16:creationId xmlns:a16="http://schemas.microsoft.com/office/drawing/2014/main" xmlns="" id="{41BB8B44-A51A-49E0-A163-9506E257F1D5}"/>
+                <a16:creationId xmlns:a16="http://schemas.microsoft.com/office/drawing/2014/main" id="{41BB8B44-A51A-49E0-A163-9506E257F1D5}"/>
               </a:ext>
             </a:extLst>
           </p:cNvPr>
@@ -1958,7 +1959,7 @@
           <a:p>
             <a:fld id="{BC6D784A-583B-48B5-A7BC-BB401D5EE48B}" type="datetimeFigureOut">
               <a:rPr lang="en-US" smtClean="0"/>
-              <a:t>5/19/2021</a:t>
+              <a:t>5/21/2021</a:t>
             </a:fld>
             <a:endParaRPr lang="en-US"/>
           </a:p>
@@ -1969,7 +1970,7 @@
           <p:cNvPr id="4" name="Footer Placeholder 3">
             <a:extLst>
               <a:ext uri="{FF2B5EF4-FFF2-40B4-BE49-F238E27FC236}">
-                <a16:creationId xmlns:a16="http://schemas.microsoft.com/office/drawing/2014/main" xmlns="" id="{3AA86DBA-4C62-4CDA-8D86-DAAF0998B536}"/>
+                <a16:creationId xmlns:a16="http://schemas.microsoft.com/office/drawing/2014/main" id="{3AA86DBA-4C62-4CDA-8D86-DAAF0998B536}"/>
               </a:ext>
             </a:extLst>
           </p:cNvPr>
@@ -1994,7 +1995,7 @@
           <p:cNvPr id="5" name="Slide Number Placeholder 4">
             <a:extLst>
               <a:ext uri="{FF2B5EF4-FFF2-40B4-BE49-F238E27FC236}">
-                <a16:creationId xmlns:a16="http://schemas.microsoft.com/office/drawing/2014/main" xmlns="" id="{B3FC3790-0466-4A1F-84FD-794756FE3435}"/>
+                <a16:creationId xmlns:a16="http://schemas.microsoft.com/office/drawing/2014/main" id="{B3FC3790-0466-4A1F-84FD-794756FE3435}"/>
               </a:ext>
             </a:extLst>
           </p:cNvPr>
@@ -2053,7 +2054,7 @@
           <p:cNvPr id="2" name="Date Placeholder 1">
             <a:extLst>
               <a:ext uri="{FF2B5EF4-FFF2-40B4-BE49-F238E27FC236}">
-                <a16:creationId xmlns:a16="http://schemas.microsoft.com/office/drawing/2014/main" xmlns="" id="{575793CB-4ACB-4E24-8048-2D133954201F}"/>
+                <a16:creationId xmlns:a16="http://schemas.microsoft.com/office/drawing/2014/main" id="{575793CB-4ACB-4E24-8048-2D133954201F}"/>
               </a:ext>
             </a:extLst>
           </p:cNvPr>
@@ -2071,7 +2072,7 @@
           <a:p>
             <a:fld id="{BC6D784A-583B-48B5-A7BC-BB401D5EE48B}" type="datetimeFigureOut">
               <a:rPr lang="en-US" smtClean="0"/>
-              <a:t>5/19/2021</a:t>
+              <a:t>5/21/2021</a:t>
             </a:fld>
             <a:endParaRPr lang="en-US"/>
           </a:p>
@@ -2082,7 +2083,7 @@
           <p:cNvPr id="3" name="Footer Placeholder 2">
             <a:extLst>
               <a:ext uri="{FF2B5EF4-FFF2-40B4-BE49-F238E27FC236}">
-                <a16:creationId xmlns:a16="http://schemas.microsoft.com/office/drawing/2014/main" xmlns="" id="{84A64659-85A8-453D-ADFA-FE48CF3A1884}"/>
+                <a16:creationId xmlns:a16="http://schemas.microsoft.com/office/drawing/2014/main" id="{84A64659-85A8-453D-ADFA-FE48CF3A1884}"/>
               </a:ext>
             </a:extLst>
           </p:cNvPr>
@@ -2107,7 +2108,7 @@
           <p:cNvPr id="4" name="Slide Number Placeholder 3">
             <a:extLst>
               <a:ext uri="{FF2B5EF4-FFF2-40B4-BE49-F238E27FC236}">
-                <a16:creationId xmlns:a16="http://schemas.microsoft.com/office/drawing/2014/main" xmlns="" id="{E3CB3061-C0CF-4C37-9C78-614BBF049282}"/>
+                <a16:creationId xmlns:a16="http://schemas.microsoft.com/office/drawing/2014/main" id="{E3CB3061-C0CF-4C37-9C78-614BBF049282}"/>
               </a:ext>
             </a:extLst>
           </p:cNvPr>
@@ -2166,7 +2167,7 @@
           <p:cNvPr id="2" name="Title 1">
             <a:extLst>
               <a:ext uri="{FF2B5EF4-FFF2-40B4-BE49-F238E27FC236}">
-                <a16:creationId xmlns:a16="http://schemas.microsoft.com/office/drawing/2014/main" xmlns="" id="{53B09293-860B-44E2-AA43-F7DFBE6CFB3B}"/>
+                <a16:creationId xmlns:a16="http://schemas.microsoft.com/office/drawing/2014/main" id="{53B09293-860B-44E2-AA43-F7DFBE6CFB3B}"/>
               </a:ext>
             </a:extLst>
           </p:cNvPr>
@@ -2203,7 +2204,7 @@
           <p:cNvPr id="3" name="Content Placeholder 2">
             <a:extLst>
               <a:ext uri="{FF2B5EF4-FFF2-40B4-BE49-F238E27FC236}">
-                <a16:creationId xmlns:a16="http://schemas.microsoft.com/office/drawing/2014/main" xmlns="" id="{52AB542B-9AE5-4F39-ACCC-7F9635F15CA7}"/>
+                <a16:creationId xmlns:a16="http://schemas.microsoft.com/office/drawing/2014/main" id="{52AB542B-9AE5-4F39-ACCC-7F9635F15CA7}"/>
               </a:ext>
             </a:extLst>
           </p:cNvPr>
@@ -2293,7 +2294,7 @@
           <p:cNvPr id="4" name="Text Placeholder 3">
             <a:extLst>
               <a:ext uri="{FF2B5EF4-FFF2-40B4-BE49-F238E27FC236}">
-                <a16:creationId xmlns:a16="http://schemas.microsoft.com/office/drawing/2014/main" xmlns="" id="{1661651C-A094-4132-A7C2-E51789223941}"/>
+                <a16:creationId xmlns:a16="http://schemas.microsoft.com/office/drawing/2014/main" id="{1661651C-A094-4132-A7C2-E51789223941}"/>
               </a:ext>
             </a:extLst>
           </p:cNvPr>
@@ -2364,7 +2365,7 @@
           <p:cNvPr id="5" name="Date Placeholder 4">
             <a:extLst>
               <a:ext uri="{FF2B5EF4-FFF2-40B4-BE49-F238E27FC236}">
-                <a16:creationId xmlns:a16="http://schemas.microsoft.com/office/drawing/2014/main" xmlns="" id="{ACFE2789-D121-4FAB-A58A-33C249124652}"/>
+                <a16:creationId xmlns:a16="http://schemas.microsoft.com/office/drawing/2014/main" id="{ACFE2789-D121-4FAB-A58A-33C249124652}"/>
               </a:ext>
             </a:extLst>
           </p:cNvPr>
@@ -2382,7 +2383,7 @@
           <a:p>
             <a:fld id="{BC6D784A-583B-48B5-A7BC-BB401D5EE48B}" type="datetimeFigureOut">
               <a:rPr lang="en-US" smtClean="0"/>
-              <a:t>5/19/2021</a:t>
+              <a:t>5/21/2021</a:t>
             </a:fld>
             <a:endParaRPr lang="en-US"/>
           </a:p>
@@ -2393,7 +2394,7 @@
           <p:cNvPr id="6" name="Footer Placeholder 5">
             <a:extLst>
               <a:ext uri="{FF2B5EF4-FFF2-40B4-BE49-F238E27FC236}">
-                <a16:creationId xmlns:a16="http://schemas.microsoft.com/office/drawing/2014/main" xmlns="" id="{F7E49FB4-7DB9-43F2-93D4-B39434B2B3A1}"/>
+                <a16:creationId xmlns:a16="http://schemas.microsoft.com/office/drawing/2014/main" id="{F7E49FB4-7DB9-43F2-93D4-B39434B2B3A1}"/>
               </a:ext>
             </a:extLst>
           </p:cNvPr>
@@ -2418,7 +2419,7 @@
           <p:cNvPr id="7" name="Slide Number Placeholder 6">
             <a:extLst>
               <a:ext uri="{FF2B5EF4-FFF2-40B4-BE49-F238E27FC236}">
-                <a16:creationId xmlns:a16="http://schemas.microsoft.com/office/drawing/2014/main" xmlns="" id="{8CE58199-3298-46EF-9EAB-434D4CE84F59}"/>
+                <a16:creationId xmlns:a16="http://schemas.microsoft.com/office/drawing/2014/main" id="{8CE58199-3298-46EF-9EAB-434D4CE84F59}"/>
               </a:ext>
             </a:extLst>
           </p:cNvPr>
@@ -2477,7 +2478,7 @@
           <p:cNvPr id="2" name="Title 1">
             <a:extLst>
               <a:ext uri="{FF2B5EF4-FFF2-40B4-BE49-F238E27FC236}">
-                <a16:creationId xmlns:a16="http://schemas.microsoft.com/office/drawing/2014/main" xmlns="" id="{E64FBD28-E010-4D89-9653-A1FF9C2341C4}"/>
+                <a16:creationId xmlns:a16="http://schemas.microsoft.com/office/drawing/2014/main" id="{E64FBD28-E010-4D89-9653-A1FF9C2341C4}"/>
               </a:ext>
             </a:extLst>
           </p:cNvPr>
@@ -2514,7 +2515,7 @@
           <p:cNvPr id="3" name="Picture Placeholder 2">
             <a:extLst>
               <a:ext uri="{FF2B5EF4-FFF2-40B4-BE49-F238E27FC236}">
-                <a16:creationId xmlns:a16="http://schemas.microsoft.com/office/drawing/2014/main" xmlns="" id="{DB077C8F-D8DB-4A6F-9161-5447EB83DE78}"/>
+                <a16:creationId xmlns:a16="http://schemas.microsoft.com/office/drawing/2014/main" id="{DB077C8F-D8DB-4A6F-9161-5447EB83DE78}"/>
               </a:ext>
             </a:extLst>
           </p:cNvPr>
@@ -2581,7 +2582,7 @@
           <p:cNvPr id="4" name="Text Placeholder 3">
             <a:extLst>
               <a:ext uri="{FF2B5EF4-FFF2-40B4-BE49-F238E27FC236}">
-                <a16:creationId xmlns:a16="http://schemas.microsoft.com/office/drawing/2014/main" xmlns="" id="{B9EC0159-FAFC-442E-91AB-2E17CE83E27D}"/>
+                <a16:creationId xmlns:a16="http://schemas.microsoft.com/office/drawing/2014/main" id="{B9EC0159-FAFC-442E-91AB-2E17CE83E27D}"/>
               </a:ext>
             </a:extLst>
           </p:cNvPr>
@@ -2652,7 +2653,7 @@
           <p:cNvPr id="5" name="Date Placeholder 4">
             <a:extLst>
               <a:ext uri="{FF2B5EF4-FFF2-40B4-BE49-F238E27FC236}">
-                <a16:creationId xmlns:a16="http://schemas.microsoft.com/office/drawing/2014/main" xmlns="" id="{7504BB19-C980-4220-A675-B0AB57CED728}"/>
+                <a16:creationId xmlns:a16="http://schemas.microsoft.com/office/drawing/2014/main" id="{7504BB19-C980-4220-A675-B0AB57CED728}"/>
               </a:ext>
             </a:extLst>
           </p:cNvPr>
@@ -2670,7 +2671,7 @@
           <a:p>
             <a:fld id="{BC6D784A-583B-48B5-A7BC-BB401D5EE48B}" type="datetimeFigureOut">
               <a:rPr lang="en-US" smtClean="0"/>
-              <a:t>5/19/2021</a:t>
+              <a:t>5/21/2021</a:t>
             </a:fld>
             <a:endParaRPr lang="en-US"/>
           </a:p>
@@ -2681,7 +2682,7 @@
           <p:cNvPr id="6" name="Footer Placeholder 5">
             <a:extLst>
               <a:ext uri="{FF2B5EF4-FFF2-40B4-BE49-F238E27FC236}">
-                <a16:creationId xmlns:a16="http://schemas.microsoft.com/office/drawing/2014/main" xmlns="" id="{0F7B7B52-9AF1-43D6-B31E-12CAC927B401}"/>
+                <a16:creationId xmlns:a16="http://schemas.microsoft.com/office/drawing/2014/main" id="{0F7B7B52-9AF1-43D6-B31E-12CAC927B401}"/>
               </a:ext>
             </a:extLst>
           </p:cNvPr>
@@ -2706,7 +2707,7 @@
           <p:cNvPr id="7" name="Slide Number Placeholder 6">
             <a:extLst>
               <a:ext uri="{FF2B5EF4-FFF2-40B4-BE49-F238E27FC236}">
-                <a16:creationId xmlns:a16="http://schemas.microsoft.com/office/drawing/2014/main" xmlns="" id="{C3D19F7E-2866-4D97-A148-F499274F7FE1}"/>
+                <a16:creationId xmlns:a16="http://schemas.microsoft.com/office/drawing/2014/main" id="{C3D19F7E-2866-4D97-A148-F499274F7FE1}"/>
               </a:ext>
             </a:extLst>
           </p:cNvPr>
@@ -2770,7 +2771,7 @@
           <p:cNvPr id="2" name="Title Placeholder 1">
             <a:extLst>
               <a:ext uri="{FF2B5EF4-FFF2-40B4-BE49-F238E27FC236}">
-                <a16:creationId xmlns:a16="http://schemas.microsoft.com/office/drawing/2014/main" xmlns="" id="{90E7D6B5-06A4-4EBB-B975-A85B54031755}"/>
+                <a16:creationId xmlns:a16="http://schemas.microsoft.com/office/drawing/2014/main" id="{90E7D6B5-06A4-4EBB-B975-A85B54031755}"/>
               </a:ext>
             </a:extLst>
           </p:cNvPr>
@@ -2808,7 +2809,7 @@
           <p:cNvPr id="3" name="Text Placeholder 2">
             <a:extLst>
               <a:ext uri="{FF2B5EF4-FFF2-40B4-BE49-F238E27FC236}">
-                <a16:creationId xmlns:a16="http://schemas.microsoft.com/office/drawing/2014/main" xmlns="" id="{FF0C0480-9C7B-4970-8DB2-5F1A06577E64}"/>
+                <a16:creationId xmlns:a16="http://schemas.microsoft.com/office/drawing/2014/main" id="{FF0C0480-9C7B-4970-8DB2-5F1A06577E64}"/>
               </a:ext>
             </a:extLst>
           </p:cNvPr>
@@ -2875,7 +2876,7 @@
           <p:cNvPr id="4" name="Date Placeholder 3">
             <a:extLst>
               <a:ext uri="{FF2B5EF4-FFF2-40B4-BE49-F238E27FC236}">
-                <a16:creationId xmlns:a16="http://schemas.microsoft.com/office/drawing/2014/main" xmlns="" id="{1670FC7A-8A22-4E26-89C0-D4E22EA5111A}"/>
+                <a16:creationId xmlns:a16="http://schemas.microsoft.com/office/drawing/2014/main" id="{1670FC7A-8A22-4E26-89C0-D4E22EA5111A}"/>
               </a:ext>
             </a:extLst>
           </p:cNvPr>
@@ -2911,7 +2912,7 @@
           <a:p>
             <a:fld id="{BC6D784A-583B-48B5-A7BC-BB401D5EE48B}" type="datetimeFigureOut">
               <a:rPr lang="en-US" smtClean="0"/>
-              <a:t>5/19/2021</a:t>
+              <a:t>5/21/2021</a:t>
             </a:fld>
             <a:endParaRPr lang="en-US"/>
           </a:p>
@@ -2922,7 +2923,7 @@
           <p:cNvPr id="5" name="Footer Placeholder 4">
             <a:extLst>
               <a:ext uri="{FF2B5EF4-FFF2-40B4-BE49-F238E27FC236}">
-                <a16:creationId xmlns:a16="http://schemas.microsoft.com/office/drawing/2014/main" xmlns="" id="{B101AD4B-FB2B-463C-9422-7AC8AE58D0D9}"/>
+                <a16:creationId xmlns:a16="http://schemas.microsoft.com/office/drawing/2014/main" id="{B101AD4B-FB2B-463C-9422-7AC8AE58D0D9}"/>
               </a:ext>
             </a:extLst>
           </p:cNvPr>
@@ -2965,7 +2966,7 @@
           <p:cNvPr id="6" name="Slide Number Placeholder 5">
             <a:extLst>
               <a:ext uri="{FF2B5EF4-FFF2-40B4-BE49-F238E27FC236}">
-                <a16:creationId xmlns:a16="http://schemas.microsoft.com/office/drawing/2014/main" xmlns="" id="{72CD587B-2476-4532-BC17-8C8D04C26345}"/>
+                <a16:creationId xmlns:a16="http://schemas.microsoft.com/office/drawing/2014/main" id="{72CD587B-2476-4532-BC17-8C8D04C26345}"/>
               </a:ext>
             </a:extLst>
           </p:cNvPr>
@@ -3333,7 +3334,7 @@
           <p:cNvPr id="2" name="Title 1">
             <a:extLst>
               <a:ext uri="{FF2B5EF4-FFF2-40B4-BE49-F238E27FC236}">
-                <a16:creationId xmlns:a16="http://schemas.microsoft.com/office/drawing/2014/main" xmlns="" id="{EC68DA72-B553-46D9-BEE7-25639C98ED4A}"/>
+                <a16:creationId xmlns:a16="http://schemas.microsoft.com/office/drawing/2014/main" id="{EC68DA72-B553-46D9-BEE7-25639C98ED4A}"/>
               </a:ext>
             </a:extLst>
           </p:cNvPr>
@@ -3352,7 +3353,7 @@
         </p:spPr>
         <p:txBody>
           <a:bodyPr>
-            <a:normAutofit fontScale="90000"/>
+            <a:normAutofit/>
           </a:bodyPr>
           <a:lstStyle/>
           <a:p>
@@ -3450,27 +3451,7 @@
                 <a:effectLst/>
                 <a:latin typeface="montserrat"/>
               </a:rPr>
-              <a:t>orecast in Short-Term and Raise an Alarm on </a:t>
-            </a:r>
-            <a:r>
-              <a:rPr lang="en-US" sz="3200" b="1" i="0" dirty="0" smtClean="0">
-                <a:solidFill>
-                  <a:srgbClr val="333333"/>
-                </a:solidFill>
-                <a:effectLst/>
-                <a:latin typeface="montserrat"/>
-              </a:rPr>
-              <a:t>Cyanotoxins </a:t>
-            </a:r>
-            <a:r>
-              <a:rPr lang="en-US" sz="3200" b="1" i="0" dirty="0">
-                <a:solidFill>
-                  <a:srgbClr val="333333"/>
-                </a:solidFill>
-                <a:effectLst/>
-                <a:latin typeface="montserrat"/>
-              </a:rPr>
-              <a:t>and Harmful Algal Blooms(</a:t>
+              <a:t>orecast in Short-Term and Raise an Alarm on Cyanotoxins and Harmful Algal Blooms(</a:t>
             </a:r>
             <a:r>
               <a:rPr lang="en-US" sz="3200" b="1" i="0" dirty="0" err="1">
@@ -3500,7 +3481,7 @@
           <p:cNvPr id="8" name="Picture 7">
             <a:extLst>
               <a:ext uri="{FF2B5EF4-FFF2-40B4-BE49-F238E27FC236}">
-                <a16:creationId xmlns:a16="http://schemas.microsoft.com/office/drawing/2014/main" xmlns="" id="{544E8478-687E-4341-A132-233796D98B71}"/>
+                <a16:creationId xmlns:a16="http://schemas.microsoft.com/office/drawing/2014/main" id="{544E8478-687E-4341-A132-233796D98B71}"/>
               </a:ext>
             </a:extLst>
           </p:cNvPr>
@@ -3536,7 +3517,7 @@
           <p:cNvPr id="9" name="Picture 8">
             <a:extLst>
               <a:ext uri="{FF2B5EF4-FFF2-40B4-BE49-F238E27FC236}">
-                <a16:creationId xmlns:a16="http://schemas.microsoft.com/office/drawing/2014/main" xmlns="" id="{D2931C58-0BCB-48F1-BC1F-D83C16741BFD}"/>
+                <a16:creationId xmlns:a16="http://schemas.microsoft.com/office/drawing/2014/main" id="{D2931C58-0BCB-48F1-BC1F-D83C16741BFD}"/>
               </a:ext>
             </a:extLst>
           </p:cNvPr>
@@ -3572,7 +3553,7 @@
           <p:cNvPr id="10" name="Picture 9">
             <a:extLst>
               <a:ext uri="{FF2B5EF4-FFF2-40B4-BE49-F238E27FC236}">
-                <a16:creationId xmlns:a16="http://schemas.microsoft.com/office/drawing/2014/main" xmlns="" id="{E86508A7-3C58-4286-9C52-9C6B8A3928D8}"/>
+                <a16:creationId xmlns:a16="http://schemas.microsoft.com/office/drawing/2014/main" id="{E86508A7-3C58-4286-9C52-9C6B8A3928D8}"/>
               </a:ext>
             </a:extLst>
           </p:cNvPr>
@@ -3608,7 +3589,7 @@
           <p:cNvPr id="11" name="Picture 10">
             <a:extLst>
               <a:ext uri="{FF2B5EF4-FFF2-40B4-BE49-F238E27FC236}">
-                <a16:creationId xmlns:a16="http://schemas.microsoft.com/office/drawing/2014/main" xmlns="" id="{D4E137CC-6BDC-4F1A-A015-5A3CEB442AA0}"/>
+                <a16:creationId xmlns:a16="http://schemas.microsoft.com/office/drawing/2014/main" id="{D4E137CC-6BDC-4F1A-A015-5A3CEB442AA0}"/>
               </a:ext>
             </a:extLst>
           </p:cNvPr>
@@ -3644,7 +3625,7 @@
           <p:cNvPr id="12" name="Picture 11">
             <a:extLst>
               <a:ext uri="{FF2B5EF4-FFF2-40B4-BE49-F238E27FC236}">
-                <a16:creationId xmlns:a16="http://schemas.microsoft.com/office/drawing/2014/main" xmlns="" id="{BDFDE0C1-6BCE-41F7-AAC3-82A2A2F367ED}"/>
+                <a16:creationId xmlns:a16="http://schemas.microsoft.com/office/drawing/2014/main" id="{BDFDE0C1-6BCE-41F7-AAC3-82A2A2F367ED}"/>
               </a:ext>
             </a:extLst>
           </p:cNvPr>
@@ -3710,7 +3691,7 @@
           <p:cNvPr id="2" name="Title 1">
             <a:extLst>
               <a:ext uri="{FF2B5EF4-FFF2-40B4-BE49-F238E27FC236}">
-                <a16:creationId xmlns:a16="http://schemas.microsoft.com/office/drawing/2014/main" xmlns="" id="{BEAC615C-7F17-4B36-AAAD-717E37184168}"/>
+                <a16:creationId xmlns:a16="http://schemas.microsoft.com/office/drawing/2014/main" id="{BEAC615C-7F17-4B36-AAAD-717E37184168}"/>
               </a:ext>
             </a:extLst>
           </p:cNvPr>
@@ -3744,7 +3725,7 @@
           <p:cNvPr id="3" name="Content Placeholder 2">
             <a:extLst>
               <a:ext uri="{FF2B5EF4-FFF2-40B4-BE49-F238E27FC236}">
-                <a16:creationId xmlns:a16="http://schemas.microsoft.com/office/drawing/2014/main" xmlns="" id="{93607C6C-9624-4FEF-8673-BA57961139F2}"/>
+                <a16:creationId xmlns:a16="http://schemas.microsoft.com/office/drawing/2014/main" id="{93607C6C-9624-4FEF-8673-BA57961139F2}"/>
               </a:ext>
             </a:extLst>
           </p:cNvPr>
@@ -3921,89 +3902,592 @@
           <a:chExt cx="0" cy="0"/>
         </a:xfrm>
       </p:grpSpPr>
-      <p:pic>
-        <p:nvPicPr>
-          <p:cNvPr id="14" name="Picture 13">
-            <a:extLst>
-              <a:ext uri="{FF2B5EF4-FFF2-40B4-BE49-F238E27FC236}">
-                <a16:creationId xmlns:a16="http://schemas.microsoft.com/office/drawing/2014/main" xmlns="" id="{D43EBAAA-A01B-46E3-A035-4A59A3CEF6C0}"/>
-              </a:ext>
-            </a:extLst>
-          </p:cNvPr>
-          <p:cNvPicPr>
-            <a:picLocks noChangeAspect="1"/>
-          </p:cNvPicPr>
+      <p:sp>
+        <p:nvSpPr>
+          <p:cNvPr id="2060" name="Text Box 97">
+            <a:extLst>
+              <a:ext uri="{FF2B5EF4-FFF2-40B4-BE49-F238E27FC236}">
+                <a16:creationId xmlns:a16="http://schemas.microsoft.com/office/drawing/2014/main" id="{10BB2F27-72BB-4169-B66C-9A2CE0D91E05}"/>
+              </a:ext>
+            </a:extLst>
+          </p:cNvPr>
+          <p:cNvSpPr txBox="1">
+            <a:spLocks noChangeArrowheads="1"/>
+          </p:cNvSpPr>
           <p:nvPr/>
-        </p:nvPicPr>
-        <p:blipFill>
-          <a:blip r:embed="rId2">
-            <a:extLst>
-              <a:ext uri="{28A0092B-C50C-407E-A947-70E740481C1C}">
-                <a14:useLocalDpi xmlns:a14="http://schemas.microsoft.com/office/drawing/2010/main" val="0"/>
-              </a:ext>
-            </a:extLst>
-          </a:blip>
-          <a:stretch>
-            <a:fillRect/>
-          </a:stretch>
-        </p:blipFill>
-        <p:spPr>
-          <a:xfrm flipH="1">
-            <a:off x="10718117" y="5181474"/>
-            <a:ext cx="1252052" cy="924852"/>
+        </p:nvSpPr>
+        <p:spPr bwMode="auto">
+          <a:xfrm>
+            <a:off x="6510814" y="3472498"/>
+            <a:ext cx="1552575" cy="461962"/>
           </a:xfrm>
           <a:prstGeom prst="rect">
             <a:avLst/>
           </a:prstGeom>
-        </p:spPr>
-      </p:pic>
-      <p:pic>
-        <p:nvPicPr>
-          <p:cNvPr id="15" name="Picture 14">
-            <a:extLst>
-              <a:ext uri="{FF2B5EF4-FFF2-40B4-BE49-F238E27FC236}">
-                <a16:creationId xmlns:a16="http://schemas.microsoft.com/office/drawing/2014/main" xmlns="" id="{67ED0CE7-CFB5-4B95-B855-91566D85A71C}"/>
-              </a:ext>
-            </a:extLst>
-          </p:cNvPr>
-          <p:cNvPicPr>
-            <a:picLocks noChangeAspect="1"/>
-          </p:cNvPicPr>
+          <a:solidFill>
+            <a:srgbClr val="FFFFFF"/>
+          </a:solidFill>
+          <a:ln>
+            <a:noFill/>
+          </a:ln>
+          <a:extLst>
+            <a:ext uri="{91240B29-F687-4F45-9708-019B960494DF}">
+              <a14:hiddenLine xmlns:a14="http://schemas.microsoft.com/office/drawing/2010/main" w="9525">
+                <a:solidFill>
+                  <a:srgbClr val="000000"/>
+                </a:solidFill>
+                <a:miter lim="800000"/>
+                <a:headEnd/>
+                <a:tailEnd/>
+              </a14:hiddenLine>
+            </a:ext>
+          </a:extLst>
+        </p:spPr>
+        <p:txBody>
+          <a:bodyPr vert="horz" wrap="square" lIns="91440" tIns="45720" rIns="91440" bIns="45720" numCol="1" anchor="t" anchorCtr="0" compatLnSpc="1">
+            <a:prstTxWarp prst="textNoShape">
+              <a:avLst/>
+            </a:prstTxWarp>
+          </a:bodyPr>
+          <a:lstStyle/>
+          <a:p>
+            <a:pPr marL="0" marR="0" lvl="0" indent="0" algn="l" defTabSz="914400" rtl="0" eaLnBrk="0" fontAlgn="base" latinLnBrk="0" hangingPunct="0">
+              <a:lnSpc>
+                <a:spcPct val="100000"/>
+              </a:lnSpc>
+              <a:spcBef>
+                <a:spcPct val="0"/>
+              </a:spcBef>
+              <a:spcAft>
+                <a:spcPct val="0"/>
+              </a:spcAft>
+              <a:buClrTx/>
+              <a:buSzTx/>
+              <a:buFontTx/>
+              <a:buNone/>
+              <a:tabLst/>
+            </a:pPr>
+            <a:r>
+              <a:rPr kumimoji="0" lang="en-GB" altLang="en-US" sz="1100" b="0" i="0" u="none" strike="noStrike" cap="none" normalizeH="0" baseline="0" dirty="0">
+                <a:ln>
+                  <a:noFill/>
+                </a:ln>
+                <a:solidFill>
+                  <a:schemeClr val="tx1"/>
+                </a:solidFill>
+                <a:effectLst/>
+                <a:latin typeface="Calibri" panose="020F0502020204030204" pitchFamily="34" charset="0"/>
+                <a:ea typeface="Calibri" panose="020F0502020204030204" pitchFamily="34" charset="0"/>
+                <a:cs typeface="Times New Roman" panose="02020603050405020304" pitchFamily="18" charset="0"/>
+              </a:rPr>
+              <a:t>Above Surface Temp</a:t>
+            </a:r>
+            <a:endParaRPr kumimoji="0" lang="en-US" altLang="en-US" sz="1100" b="0" i="0" u="none" strike="noStrike" cap="none" normalizeH="0" baseline="0" dirty="0">
+              <a:ln>
+                <a:noFill/>
+              </a:ln>
+              <a:solidFill>
+                <a:schemeClr val="tx1"/>
+              </a:solidFill>
+              <a:effectLst/>
+            </a:endParaRPr>
+          </a:p>
+          <a:p>
+            <a:pPr marL="0" marR="0" lvl="0" indent="0" algn="l" defTabSz="914400" rtl="0" eaLnBrk="0" fontAlgn="base" latinLnBrk="0" hangingPunct="0">
+              <a:lnSpc>
+                <a:spcPct val="100000"/>
+              </a:lnSpc>
+              <a:spcBef>
+                <a:spcPct val="0"/>
+              </a:spcBef>
+              <a:spcAft>
+                <a:spcPct val="0"/>
+              </a:spcAft>
+              <a:buClrTx/>
+              <a:buSzTx/>
+              <a:buFontTx/>
+              <a:buNone/>
+              <a:tabLst/>
+            </a:pPr>
+            <a:r>
+              <a:rPr kumimoji="0" lang="en-GB" altLang="en-US" sz="1100" b="0" i="0" u="none" strike="noStrike" cap="none" normalizeH="0" baseline="0" dirty="0">
+                <a:ln>
+                  <a:noFill/>
+                </a:ln>
+                <a:solidFill>
+                  <a:schemeClr val="tx1"/>
+                </a:solidFill>
+                <a:effectLst/>
+                <a:latin typeface="Calibri" panose="020F0502020204030204" pitchFamily="34" charset="0"/>
+                <a:ea typeface="Calibri" panose="020F0502020204030204" pitchFamily="34" charset="0"/>
+                <a:cs typeface="Times New Roman" panose="02020603050405020304" pitchFamily="18" charset="0"/>
+              </a:rPr>
+              <a:t>Lake Surface Temp.</a:t>
+            </a:r>
+            <a:endParaRPr kumimoji="0" lang="en-GB" altLang="en-US" sz="1800" b="0" i="0" u="none" strike="noStrike" cap="none" normalizeH="0" baseline="0" dirty="0">
+              <a:ln>
+                <a:noFill/>
+              </a:ln>
+              <a:solidFill>
+                <a:schemeClr val="tx1"/>
+              </a:solidFill>
+              <a:effectLst/>
+              <a:latin typeface="Arial" panose="020B0604020202020204" pitchFamily="34" charset="0"/>
+            </a:endParaRPr>
+          </a:p>
+        </p:txBody>
+      </p:sp>
+      <p:sp>
+        <p:nvSpPr>
+          <p:cNvPr id="2061" name="Rectangle 2">
+            <a:extLst>
+              <a:ext uri="{FF2B5EF4-FFF2-40B4-BE49-F238E27FC236}">
+                <a16:creationId xmlns:a16="http://schemas.microsoft.com/office/drawing/2014/main" id="{167E026D-3348-4120-A223-7F02EFA0122A}"/>
+              </a:ext>
+            </a:extLst>
+          </p:cNvPr>
+          <p:cNvSpPr>
+            <a:spLocks noChangeArrowheads="1"/>
+          </p:cNvSpPr>
           <p:nvPr/>
-        </p:nvPicPr>
-        <p:blipFill>
-          <a:blip r:embed="rId3">
-            <a:extLst>
-              <a:ext uri="{28A0092B-C50C-407E-A947-70E740481C1C}">
-                <a14:useLocalDpi xmlns:a14="http://schemas.microsoft.com/office/drawing/2010/main" val="0"/>
-              </a:ext>
-            </a:extLst>
-          </a:blip>
-          <a:stretch>
-            <a:fillRect/>
-          </a:stretch>
-        </p:blipFill>
-        <p:spPr>
+        </p:nvSpPr>
+        <p:spPr bwMode="auto">
           <a:xfrm>
-            <a:off x="2964363" y="3038835"/>
-            <a:ext cx="1040439" cy="780329"/>
+            <a:off x="3606708" y="1127201"/>
+            <a:ext cx="1724025" cy="552450"/>
           </a:xfrm>
           <a:prstGeom prst="rect">
             <a:avLst/>
           </a:prstGeom>
-        </p:spPr>
-      </p:pic>
+          <a:noFill/>
+          <a:ln w="12700">
+            <a:solidFill>
+              <a:srgbClr val="1F4D78"/>
+            </a:solidFill>
+            <a:miter lim="800000"/>
+            <a:headEnd/>
+            <a:tailEnd/>
+          </a:ln>
+          <a:extLst>
+            <a:ext uri="{909E8E84-426E-40DD-AFC4-6F175D3DCCD1}">
+              <a14:hiddenFill xmlns:a14="http://schemas.microsoft.com/office/drawing/2010/main">
+                <a:solidFill>
+                  <a:srgbClr val="FFFFFF"/>
+                </a:solidFill>
+              </a14:hiddenFill>
+            </a:ext>
+          </a:extLst>
+        </p:spPr>
+        <p:txBody>
+          <a:bodyPr vert="horz" wrap="square" lIns="91440" tIns="45720" rIns="91440" bIns="45720" numCol="1" anchor="ctr" anchorCtr="0" compatLnSpc="1">
+            <a:prstTxWarp prst="textNoShape">
+              <a:avLst/>
+            </a:prstTxWarp>
+          </a:bodyPr>
+          <a:lstStyle/>
+          <a:p>
+            <a:pPr marL="0" marR="0" lvl="0" indent="0" algn="l" defTabSz="914400" rtl="0" eaLnBrk="0" fontAlgn="base" latinLnBrk="0" hangingPunct="0">
+              <a:lnSpc>
+                <a:spcPct val="100000"/>
+              </a:lnSpc>
+              <a:spcBef>
+                <a:spcPct val="0"/>
+              </a:spcBef>
+              <a:spcAft>
+                <a:spcPct val="0"/>
+              </a:spcAft>
+              <a:buClrTx/>
+              <a:buSzTx/>
+              <a:buFontTx/>
+              <a:buNone/>
+              <a:tabLst/>
+            </a:pPr>
+            <a:r>
+              <a:rPr kumimoji="0" lang="en-GB" altLang="en-US" sz="1100" b="0" i="0" u="none" strike="noStrike" cap="none" normalizeH="0" baseline="0" dirty="0">
+                <a:ln>
+                  <a:noFill/>
+                </a:ln>
+                <a:solidFill>
+                  <a:srgbClr val="000000"/>
+                </a:solidFill>
+                <a:effectLst/>
+                <a:latin typeface="Calibri" panose="020F0502020204030204" pitchFamily="34" charset="0"/>
+                <a:ea typeface="Calibri" panose="020F0502020204030204" pitchFamily="34" charset="0"/>
+                <a:cs typeface="Times New Roman" panose="02020603050405020304" pitchFamily="18" charset="0"/>
+              </a:rPr>
+              <a:t>GEE L8 OLI + MODIS_Aqua</a:t>
+            </a:r>
+            <a:endParaRPr kumimoji="0" lang="en-GB" altLang="en-US" sz="1800" b="0" i="0" u="none" strike="noStrike" cap="none" normalizeH="0" baseline="0" dirty="0">
+              <a:ln>
+                <a:noFill/>
+              </a:ln>
+              <a:solidFill>
+                <a:schemeClr val="tx1"/>
+              </a:solidFill>
+              <a:effectLst/>
+              <a:latin typeface="Arial" panose="020B0604020202020204" pitchFamily="34" charset="0"/>
+            </a:endParaRPr>
+          </a:p>
+        </p:txBody>
+      </p:sp>
+      <p:sp>
+        <p:nvSpPr>
+          <p:cNvPr id="88" name="Flowchart: Multidocument 87">
+            <a:extLst>
+              <a:ext uri="{FF2B5EF4-FFF2-40B4-BE49-F238E27FC236}">
+                <a16:creationId xmlns:a16="http://schemas.microsoft.com/office/drawing/2014/main" id="{F9BE023F-0FDE-4AA8-9DD0-DCD501E9A7BF}"/>
+              </a:ext>
+            </a:extLst>
+          </p:cNvPr>
+          <p:cNvSpPr/>
+          <p:nvPr/>
+        </p:nvSpPr>
+        <p:spPr>
+          <a:xfrm>
+            <a:off x="3596870" y="1934548"/>
+            <a:ext cx="1504950" cy="600075"/>
+          </a:xfrm>
+          <a:prstGeom prst="flowChartMultidocument">
+            <a:avLst/>
+          </a:prstGeom>
+          <a:blipFill>
+            <a:blip r:embed="rId2"/>
+            <a:tile tx="0" ty="0" sx="100000" sy="100000" flip="none" algn="tl"/>
+          </a:blipFill>
+        </p:spPr>
+        <p:style>
+          <a:lnRef idx="2">
+            <a:schemeClr val="accent1">
+              <a:shade val="50000"/>
+            </a:schemeClr>
+          </a:lnRef>
+          <a:fillRef idx="1">
+            <a:schemeClr val="accent1"/>
+          </a:fillRef>
+          <a:effectRef idx="0">
+            <a:schemeClr val="accent1"/>
+          </a:effectRef>
+          <a:fontRef idx="minor">
+            <a:schemeClr val="lt1"/>
+          </a:fontRef>
+        </p:style>
+        <p:txBody>
+          <a:bodyPr rot="0" spcFirstLastPara="0" vert="horz" wrap="square" lIns="91440" tIns="45720" rIns="91440" bIns="45720" numCol="1" spcCol="0" rtlCol="0" fromWordArt="0" anchor="ctr" anchorCtr="0" forceAA="0" compatLnSpc="1">
+            <a:prstTxWarp prst="textNoShape">
+              <a:avLst/>
+            </a:prstTxWarp>
+            <a:noAutofit/>
+          </a:bodyPr>
+          <a:lstStyle/>
+          <a:p>
+            <a:endParaRPr lang="en-US"/>
+          </a:p>
+        </p:txBody>
+      </p:sp>
+      <p:sp>
+        <p:nvSpPr>
+          <p:cNvPr id="89" name="Left Brace 88">
+            <a:extLst>
+              <a:ext uri="{FF2B5EF4-FFF2-40B4-BE49-F238E27FC236}">
+                <a16:creationId xmlns:a16="http://schemas.microsoft.com/office/drawing/2014/main" id="{3232660F-9CD6-4883-98AE-41FC3722A705}"/>
+              </a:ext>
+            </a:extLst>
+          </p:cNvPr>
+          <p:cNvSpPr/>
+          <p:nvPr/>
+        </p:nvSpPr>
+        <p:spPr>
+          <a:xfrm>
+            <a:off x="3239632" y="4347356"/>
+            <a:ext cx="132218" cy="1552575"/>
+          </a:xfrm>
+          <a:prstGeom prst="leftBrace">
+            <a:avLst/>
+          </a:prstGeom>
+        </p:spPr>
+        <p:style>
+          <a:lnRef idx="1">
+            <a:schemeClr val="accent1"/>
+          </a:lnRef>
+          <a:fillRef idx="0">
+            <a:schemeClr val="accent1"/>
+          </a:fillRef>
+          <a:effectRef idx="0">
+            <a:schemeClr val="accent1"/>
+          </a:effectRef>
+          <a:fontRef idx="minor">
+            <a:schemeClr val="tx1"/>
+          </a:fontRef>
+        </p:style>
+        <p:txBody>
+          <a:bodyPr rot="0" spcFirstLastPara="0" vert="horz" wrap="square" lIns="91440" tIns="45720" rIns="91440" bIns="45720" numCol="1" spcCol="0" rtlCol="0" fromWordArt="0" anchor="ctr" anchorCtr="0" forceAA="0" compatLnSpc="1">
+            <a:prstTxWarp prst="textNoShape">
+              <a:avLst/>
+            </a:prstTxWarp>
+            <a:noAutofit/>
+          </a:bodyPr>
+          <a:lstStyle/>
+          <a:p>
+            <a:endParaRPr lang="en-US"/>
+          </a:p>
+        </p:txBody>
+      </p:sp>
+      <p:sp>
+        <p:nvSpPr>
+          <p:cNvPr id="91" name="Flowchart: Multidocument 90">
+            <a:extLst>
+              <a:ext uri="{FF2B5EF4-FFF2-40B4-BE49-F238E27FC236}">
+                <a16:creationId xmlns:a16="http://schemas.microsoft.com/office/drawing/2014/main" id="{20C83D40-AB6A-477D-9C2C-044A296D2182}"/>
+              </a:ext>
+            </a:extLst>
+          </p:cNvPr>
+          <p:cNvSpPr/>
+          <p:nvPr/>
+        </p:nvSpPr>
+        <p:spPr>
+          <a:xfrm>
+            <a:off x="3419475" y="5395106"/>
+            <a:ext cx="762000" cy="285750"/>
+          </a:xfrm>
+          <a:prstGeom prst="flowChartMultidocument">
+            <a:avLst/>
+          </a:prstGeom>
+          <a:blipFill>
+            <a:blip r:embed="rId3"/>
+            <a:tile tx="0" ty="0" sx="100000" sy="100000" flip="none" algn="tl"/>
+          </a:blipFill>
+        </p:spPr>
+        <p:style>
+          <a:lnRef idx="2">
+            <a:schemeClr val="accent1">
+              <a:shade val="50000"/>
+            </a:schemeClr>
+          </a:lnRef>
+          <a:fillRef idx="1">
+            <a:schemeClr val="accent1"/>
+          </a:fillRef>
+          <a:effectRef idx="0">
+            <a:schemeClr val="accent1"/>
+          </a:effectRef>
+          <a:fontRef idx="minor">
+            <a:schemeClr val="lt1"/>
+          </a:fontRef>
+        </p:style>
+        <p:txBody>
+          <a:bodyPr rot="0" spcFirstLastPara="0" vert="horz" wrap="square" lIns="91440" tIns="45720" rIns="91440" bIns="45720" numCol="1" spcCol="0" rtlCol="0" fromWordArt="0" anchor="ctr" anchorCtr="0" forceAA="0" compatLnSpc="1">
+            <a:prstTxWarp prst="textNoShape">
+              <a:avLst/>
+            </a:prstTxWarp>
+            <a:noAutofit/>
+          </a:bodyPr>
+          <a:lstStyle/>
+          <a:p>
+            <a:endParaRPr lang="en-US"/>
+          </a:p>
+        </p:txBody>
+      </p:sp>
+      <p:sp>
+        <p:nvSpPr>
+          <p:cNvPr id="92" name="Flowchart: Multidocument 91">
+            <a:extLst>
+              <a:ext uri="{FF2B5EF4-FFF2-40B4-BE49-F238E27FC236}">
+                <a16:creationId xmlns:a16="http://schemas.microsoft.com/office/drawing/2014/main" id="{D474C523-EF07-4C4F-9F1B-57266750811D}"/>
+              </a:ext>
+            </a:extLst>
+          </p:cNvPr>
+          <p:cNvSpPr/>
+          <p:nvPr/>
+        </p:nvSpPr>
+        <p:spPr>
+          <a:xfrm>
+            <a:off x="4410075" y="5395106"/>
+            <a:ext cx="762000" cy="285750"/>
+          </a:xfrm>
+          <a:prstGeom prst="flowChartMultidocument">
+            <a:avLst/>
+          </a:prstGeom>
+          <a:blipFill>
+            <a:blip r:embed="rId3"/>
+            <a:tile tx="0" ty="0" sx="100000" sy="100000" flip="none" algn="tl"/>
+          </a:blipFill>
+        </p:spPr>
+        <p:style>
+          <a:lnRef idx="2">
+            <a:schemeClr val="accent1">
+              <a:shade val="50000"/>
+            </a:schemeClr>
+          </a:lnRef>
+          <a:fillRef idx="1">
+            <a:schemeClr val="accent1"/>
+          </a:fillRef>
+          <a:effectRef idx="0">
+            <a:schemeClr val="accent1"/>
+          </a:effectRef>
+          <a:fontRef idx="minor">
+            <a:schemeClr val="lt1"/>
+          </a:fontRef>
+        </p:style>
+        <p:txBody>
+          <a:bodyPr rot="0" spcFirstLastPara="0" vert="horz" wrap="square" lIns="91440" tIns="45720" rIns="91440" bIns="45720" numCol="1" spcCol="0" rtlCol="0" fromWordArt="0" anchor="ctr" anchorCtr="0" forceAA="0" compatLnSpc="1">
+            <a:prstTxWarp prst="textNoShape">
+              <a:avLst/>
+            </a:prstTxWarp>
+            <a:noAutofit/>
+          </a:bodyPr>
+          <a:lstStyle/>
+          <a:p>
+            <a:endParaRPr lang="en-US"/>
+          </a:p>
+        </p:txBody>
+      </p:sp>
+      <p:sp>
+        <p:nvSpPr>
+          <p:cNvPr id="2063" name="Text Box 192">
+            <a:extLst>
+              <a:ext uri="{FF2B5EF4-FFF2-40B4-BE49-F238E27FC236}">
+                <a16:creationId xmlns:a16="http://schemas.microsoft.com/office/drawing/2014/main" id="{5BFB580F-559C-4EF7-8D9C-7DF956B4BE41}"/>
+              </a:ext>
+            </a:extLst>
+          </p:cNvPr>
+          <p:cNvSpPr txBox="1">
+            <a:spLocks noChangeArrowheads="1"/>
+          </p:cNvSpPr>
+          <p:nvPr/>
+        </p:nvSpPr>
+        <p:spPr bwMode="auto">
+          <a:xfrm>
+            <a:off x="3600813" y="4131279"/>
+            <a:ext cx="1562100" cy="428625"/>
+          </a:xfrm>
+          <a:prstGeom prst="rect">
+            <a:avLst/>
+          </a:prstGeom>
+          <a:solidFill>
+            <a:srgbClr val="FFFFFF"/>
+          </a:solidFill>
+          <a:ln w="6350">
+            <a:solidFill>
+              <a:srgbClr val="000000"/>
+            </a:solidFill>
+            <a:miter lim="800000"/>
+            <a:headEnd/>
+            <a:tailEnd/>
+          </a:ln>
+        </p:spPr>
+        <p:txBody>
+          <a:bodyPr vert="horz" wrap="square" lIns="91440" tIns="45720" rIns="91440" bIns="45720" numCol="1" anchor="t" anchorCtr="0" compatLnSpc="1">
+            <a:prstTxWarp prst="textNoShape">
+              <a:avLst/>
+            </a:prstTxWarp>
+          </a:bodyPr>
+          <a:lstStyle/>
+          <a:p>
+            <a:pPr marL="0" marR="0" lvl="0" indent="0" algn="ctr" defTabSz="914400" rtl="0" eaLnBrk="0" fontAlgn="base" latinLnBrk="0" hangingPunct="0">
+              <a:lnSpc>
+                <a:spcPct val="100000"/>
+              </a:lnSpc>
+              <a:spcBef>
+                <a:spcPct val="0"/>
+              </a:spcBef>
+              <a:spcAft>
+                <a:spcPct val="0"/>
+              </a:spcAft>
+              <a:buClrTx/>
+              <a:buSzTx/>
+              <a:buFontTx/>
+              <a:buNone/>
+              <a:tabLst/>
+            </a:pPr>
+            <a:r>
+              <a:rPr kumimoji="0" lang="en-GB" altLang="en-US" sz="1100" b="0" i="0" u="none" strike="noStrike" cap="none" normalizeH="0" baseline="0" dirty="0">
+                <a:ln>
+                  <a:noFill/>
+                </a:ln>
+                <a:solidFill>
+                  <a:schemeClr val="tx1"/>
+                </a:solidFill>
+                <a:effectLst/>
+                <a:latin typeface="Calibri" panose="020F0502020204030204" pitchFamily="34" charset="0"/>
+                <a:ea typeface="Calibri" panose="020F0502020204030204" pitchFamily="34" charset="0"/>
+                <a:cs typeface="Times New Roman" panose="02020603050405020304" pitchFamily="18" charset="0"/>
+              </a:rPr>
+              <a:t>Spatio-temporal Image Fusion</a:t>
+            </a:r>
+            <a:endParaRPr kumimoji="0" lang="en-GB" altLang="en-US" sz="1800" b="0" i="0" u="none" strike="noStrike" cap="none" normalizeH="0" baseline="0" dirty="0">
+              <a:ln>
+                <a:noFill/>
+              </a:ln>
+              <a:solidFill>
+                <a:schemeClr val="tx1"/>
+              </a:solidFill>
+              <a:effectLst/>
+              <a:latin typeface="Arial" panose="020B0604020202020204" pitchFamily="34" charset="0"/>
+            </a:endParaRPr>
+          </a:p>
+        </p:txBody>
+      </p:sp>
+      <p:sp>
+        <p:nvSpPr>
+          <p:cNvPr id="94" name="Oval 93">
+            <a:extLst>
+              <a:ext uri="{FF2B5EF4-FFF2-40B4-BE49-F238E27FC236}">
+                <a16:creationId xmlns:a16="http://schemas.microsoft.com/office/drawing/2014/main" id="{6FC119F7-8B80-4EFC-AD00-6AB2736CC6FA}"/>
+              </a:ext>
+            </a:extLst>
+          </p:cNvPr>
+          <p:cNvSpPr/>
+          <p:nvPr/>
+        </p:nvSpPr>
+        <p:spPr>
+          <a:xfrm>
+            <a:off x="7734300" y="1108856"/>
+            <a:ext cx="942975" cy="609600"/>
+          </a:xfrm>
+          <a:prstGeom prst="ellipse">
+            <a:avLst/>
+          </a:prstGeom>
+          <a:noFill/>
+        </p:spPr>
+        <p:style>
+          <a:lnRef idx="2">
+            <a:schemeClr val="accent1">
+              <a:shade val="50000"/>
+            </a:schemeClr>
+          </a:lnRef>
+          <a:fillRef idx="1">
+            <a:schemeClr val="accent1"/>
+          </a:fillRef>
+          <a:effectRef idx="0">
+            <a:schemeClr val="accent1"/>
+          </a:effectRef>
+          <a:fontRef idx="minor">
+            <a:schemeClr val="lt1"/>
+          </a:fontRef>
+        </p:style>
+        <p:txBody>
+          <a:bodyPr rot="0" spcFirstLastPara="0" vert="horz" wrap="square" lIns="91440" tIns="45720" rIns="91440" bIns="45720" numCol="1" spcCol="0" rtlCol="0" fromWordArt="0" anchor="ctr" anchorCtr="0" forceAA="0" compatLnSpc="1">
+            <a:prstTxWarp prst="textNoShape">
+              <a:avLst/>
+            </a:prstTxWarp>
+            <a:noAutofit/>
+          </a:bodyPr>
+          <a:lstStyle/>
+          <a:p>
+            <a:endParaRPr lang="en-US"/>
+          </a:p>
+        </p:txBody>
+      </p:sp>
       <p:pic>
         <p:nvPicPr>
-          <p:cNvPr id="16" name="Picture 15">
-            <a:extLst>
-              <a:ext uri="{FF2B5EF4-FFF2-40B4-BE49-F238E27FC236}">
-                <a16:creationId xmlns:a16="http://schemas.microsoft.com/office/drawing/2014/main" xmlns="" id="{024B6143-A0F2-42A1-9034-E435BF489F7F}"/>
+          <p:cNvPr id="2172" name="Picture 202">
+            <a:extLst>
+              <a:ext uri="{FF2B5EF4-FFF2-40B4-BE49-F238E27FC236}">
+                <a16:creationId xmlns:a16="http://schemas.microsoft.com/office/drawing/2014/main" id="{5217B80A-1ED0-4BA1-A839-296FB7DC2406}"/>
               </a:ext>
             </a:extLst>
           </p:cNvPr>
           <p:cNvPicPr>
-            <a:picLocks noChangeAspect="1"/>
+            <a:picLocks noChangeAspect="1" noChangeArrowheads="1"/>
           </p:cNvPicPr>
           <p:nvPr/>
         </p:nvPicPr>
@@ -4015,31 +4499,150 @@
               </a:ext>
             </a:extLst>
           </a:blip>
+          <a:srcRect/>
           <a:stretch>
             <a:fillRect/>
           </a:stretch>
         </p:blipFill>
-        <p:spPr>
+        <p:spPr bwMode="auto">
           <a:xfrm>
-            <a:off x="5626695" y="3429000"/>
-            <a:ext cx="981582" cy="977219"/>
+            <a:off x="5174615" y="1044964"/>
+            <a:ext cx="323850" cy="323850"/>
           </a:xfrm>
           <a:prstGeom prst="rect">
             <a:avLst/>
           </a:prstGeom>
+          <a:noFill/>
+          <a:extLst>
+            <a:ext uri="{909E8E84-426E-40DD-AFC4-6F175D3DCCD1}">
+              <a14:hiddenFill xmlns:a14="http://schemas.microsoft.com/office/drawing/2010/main">
+                <a:solidFill>
+                  <a:srgbClr val="FFFFFF"/>
+                </a:solidFill>
+              </a14:hiddenFill>
+            </a:ext>
+          </a:extLst>
         </p:spPr>
       </p:pic>
+      <p:sp>
+        <p:nvSpPr>
+          <p:cNvPr id="2064" name="Text Box 85">
+            <a:extLst>
+              <a:ext uri="{FF2B5EF4-FFF2-40B4-BE49-F238E27FC236}">
+                <a16:creationId xmlns:a16="http://schemas.microsoft.com/office/drawing/2014/main" id="{1BE24E68-5AD3-41D9-A0E8-F8145EE0A6FB}"/>
+              </a:ext>
+            </a:extLst>
+          </p:cNvPr>
+          <p:cNvSpPr txBox="1">
+            <a:spLocks noChangeArrowheads="1"/>
+          </p:cNvSpPr>
+          <p:nvPr/>
+        </p:nvSpPr>
+        <p:spPr bwMode="auto">
+          <a:xfrm>
+            <a:off x="3440406" y="4855334"/>
+            <a:ext cx="2209800" cy="238125"/>
+          </a:xfrm>
+          <a:prstGeom prst="rect">
+            <a:avLst/>
+          </a:prstGeom>
+          <a:solidFill>
+            <a:srgbClr val="FFFFFF"/>
+          </a:solidFill>
+          <a:ln>
+            <a:noFill/>
+          </a:ln>
+          <a:extLst>
+            <a:ext uri="{91240B29-F687-4F45-9708-019B960494DF}">
+              <a14:hiddenLine xmlns:a14="http://schemas.microsoft.com/office/drawing/2010/main" w="9525">
+                <a:solidFill>
+                  <a:srgbClr val="000000"/>
+                </a:solidFill>
+                <a:miter lim="800000"/>
+                <a:headEnd/>
+                <a:tailEnd/>
+              </a14:hiddenLine>
+            </a:ext>
+          </a:extLst>
+        </p:spPr>
+        <p:txBody>
+          <a:bodyPr vert="horz" wrap="square" lIns="91440" tIns="45720" rIns="91440" bIns="45720" numCol="1" anchor="t" anchorCtr="0" compatLnSpc="1">
+            <a:prstTxWarp prst="textNoShape">
+              <a:avLst/>
+            </a:prstTxWarp>
+          </a:bodyPr>
+          <a:lstStyle/>
+          <a:p>
+            <a:pPr marL="0" marR="0" lvl="0" indent="0" algn="l" defTabSz="914400" rtl="0" eaLnBrk="0" fontAlgn="base" latinLnBrk="0" hangingPunct="0">
+              <a:lnSpc>
+                <a:spcPct val="100000"/>
+              </a:lnSpc>
+              <a:spcBef>
+                <a:spcPct val="0"/>
+              </a:spcBef>
+              <a:spcAft>
+                <a:spcPct val="0"/>
+              </a:spcAft>
+              <a:buClrTx/>
+              <a:buSzTx/>
+              <a:buFontTx/>
+              <a:buNone/>
+              <a:tabLst/>
+            </a:pPr>
+            <a:r>
+              <a:rPr kumimoji="0" lang="en-GB" altLang="en-US" sz="1100" b="0" i="0" u="none" strike="noStrike" cap="none" normalizeH="0" baseline="0" dirty="0" err="1">
+                <a:ln>
+                  <a:noFill/>
+                </a:ln>
+                <a:solidFill>
+                  <a:schemeClr val="tx1"/>
+                </a:solidFill>
+                <a:effectLst/>
+                <a:latin typeface="Calibri" panose="020F0502020204030204" pitchFamily="34" charset="0"/>
+                <a:ea typeface="Calibri" panose="020F0502020204030204" pitchFamily="34" charset="0"/>
+                <a:cs typeface="Times New Roman" panose="02020603050405020304" pitchFamily="18" charset="0"/>
+              </a:rPr>
+              <a:t>Chl</a:t>
+            </a:r>
+            <a:r>
+              <a:rPr kumimoji="0" lang="en-GB" altLang="en-US" sz="1100" b="0" i="0" u="none" strike="noStrike" cap="none" normalizeH="0" baseline="0" dirty="0">
+                <a:ln>
+                  <a:noFill/>
+                </a:ln>
+                <a:solidFill>
+                  <a:schemeClr val="tx1"/>
+                </a:solidFill>
+                <a:effectLst/>
+                <a:latin typeface="Calibri" panose="020F0502020204030204" pitchFamily="34" charset="0"/>
+                <a:ea typeface="Calibri" panose="020F0502020204030204" pitchFamily="34" charset="0"/>
+                <a:cs typeface="Times New Roman" panose="02020603050405020304" pitchFamily="18" charset="0"/>
+              </a:rPr>
+              <a:t>-a &amp; Cyanotoxins Detected</a:t>
+            </a:r>
+            <a:endParaRPr kumimoji="0" lang="en-GB" altLang="en-US" sz="1800" b="0" i="0" u="none" strike="noStrike" cap="none" normalizeH="0" baseline="0" dirty="0">
+              <a:ln>
+                <a:noFill/>
+              </a:ln>
+              <a:solidFill>
+                <a:schemeClr val="tx1"/>
+              </a:solidFill>
+              <a:effectLst/>
+              <a:latin typeface="Arial" panose="020B0604020202020204" pitchFamily="34" charset="0"/>
+            </a:endParaRPr>
+          </a:p>
+        </p:txBody>
+      </p:sp>
       <p:pic>
         <p:nvPicPr>
-          <p:cNvPr id="17" name="Picture 16">
-            <a:extLst>
-              <a:ext uri="{FF2B5EF4-FFF2-40B4-BE49-F238E27FC236}">
-                <a16:creationId xmlns:a16="http://schemas.microsoft.com/office/drawing/2014/main" xmlns="" id="{A52D8DB9-F9E2-41B7-AD44-31937F3EBE84}"/>
+          <p:cNvPr id="2171" name="Picture 205">
+            <a:extLst>
+              <a:ext uri="{FF2B5EF4-FFF2-40B4-BE49-F238E27FC236}">
+                <a16:creationId xmlns:a16="http://schemas.microsoft.com/office/drawing/2014/main" id="{0E785EC4-02E5-4565-BA66-4D12E5EF679F}"/>
               </a:ext>
             </a:extLst>
           </p:cNvPr>
           <p:cNvPicPr>
-            <a:picLocks noChangeAspect="1"/>
+            <a:picLocks noChangeAspect="1" noChangeArrowheads="1"/>
           </p:cNvPicPr>
           <p:nvPr/>
         </p:nvPicPr>
@@ -4051,31 +4654,42 @@
               </a:ext>
             </a:extLst>
           </a:blip>
+          <a:srcRect l="20969" t="20219" r="21754" b="27344"/>
           <a:stretch>
             <a:fillRect/>
           </a:stretch>
         </p:blipFill>
-        <p:spPr>
+        <p:spPr bwMode="auto">
           <a:xfrm>
-            <a:off x="996076" y="1086404"/>
-            <a:ext cx="1338285" cy="1285689"/>
+            <a:off x="3593465" y="1030387"/>
+            <a:ext cx="276225" cy="271463"/>
           </a:xfrm>
           <a:prstGeom prst="rect">
             <a:avLst/>
           </a:prstGeom>
+          <a:noFill/>
+          <a:extLst>
+            <a:ext uri="{909E8E84-426E-40DD-AFC4-6F175D3DCCD1}">
+              <a14:hiddenFill xmlns:a14="http://schemas.microsoft.com/office/drawing/2010/main">
+                <a:solidFill>
+                  <a:srgbClr val="FFFFFF"/>
+                </a:solidFill>
+              </a14:hiddenFill>
+            </a:ext>
+          </a:extLst>
         </p:spPr>
       </p:pic>
       <p:pic>
         <p:nvPicPr>
-          <p:cNvPr id="18" name="Picture 17">
-            <a:extLst>
-              <a:ext uri="{FF2B5EF4-FFF2-40B4-BE49-F238E27FC236}">
-                <a16:creationId xmlns:a16="http://schemas.microsoft.com/office/drawing/2014/main" xmlns="" id="{EC46E55B-5635-4C3B-8DAC-0058D6198A90}"/>
+          <p:cNvPr id="2162" name="Picture 208">
+            <a:extLst>
+              <a:ext uri="{FF2B5EF4-FFF2-40B4-BE49-F238E27FC236}">
+                <a16:creationId xmlns:a16="http://schemas.microsoft.com/office/drawing/2014/main" id="{265B1BC6-FB9E-42CF-844B-AA6C2EB7A854}"/>
               </a:ext>
             </a:extLst>
           </p:cNvPr>
           <p:cNvPicPr>
-            <a:picLocks noChangeAspect="1"/>
+            <a:picLocks noChangeAspect="1" noChangeArrowheads="1"/>
           </p:cNvPicPr>
           <p:nvPr/>
         </p:nvPicPr>
@@ -4087,79 +4701,54 @@
               </a:ext>
             </a:extLst>
           </a:blip>
+          <a:srcRect/>
           <a:stretch>
             <a:fillRect/>
           </a:stretch>
         </p:blipFill>
-        <p:spPr>
+        <p:spPr bwMode="auto">
           <a:xfrm>
-            <a:off x="221831" y="5181474"/>
-            <a:ext cx="2027075" cy="1263353"/>
+            <a:off x="8874125" y="1884019"/>
+            <a:ext cx="1263650" cy="762000"/>
           </a:xfrm>
           <a:prstGeom prst="rect">
             <a:avLst/>
           </a:prstGeom>
-        </p:spPr>
-      </p:pic>
-      <p:pic>
-        <p:nvPicPr>
-          <p:cNvPr id="27" name="Picture 26">
-            <a:extLst>
-              <a:ext uri="{FF2B5EF4-FFF2-40B4-BE49-F238E27FC236}">
-                <a16:creationId xmlns:a16="http://schemas.microsoft.com/office/drawing/2014/main" xmlns="" id="{4B6EEACF-29F4-4464-88B0-2255380A7575}"/>
-              </a:ext>
-            </a:extLst>
-          </p:cNvPr>
-          <p:cNvPicPr>
-            <a:picLocks noChangeAspect="1"/>
-          </p:cNvPicPr>
-          <p:nvPr/>
-        </p:nvPicPr>
-        <p:blipFill>
-          <a:blip r:embed="rId7">
-            <a:extLst>
-              <a:ext uri="{28A0092B-C50C-407E-A947-70E740481C1C}">
-                <a14:useLocalDpi xmlns:a14="http://schemas.microsoft.com/office/drawing/2010/main" val="0"/>
-              </a:ext>
-            </a:extLst>
-          </a:blip>
-          <a:stretch>
-            <a:fillRect/>
-          </a:stretch>
-        </p:blipFill>
-        <p:spPr>
-          <a:xfrm>
-            <a:off x="8495870" y="1447241"/>
-            <a:ext cx="924852" cy="924852"/>
-          </a:xfrm>
-          <a:prstGeom prst="rect">
-            <a:avLst/>
-          </a:prstGeom>
+          <a:noFill/>
+          <a:extLst>
+            <a:ext uri="{909E8E84-426E-40DD-AFC4-6F175D3DCCD1}">
+              <a14:hiddenFill xmlns:a14="http://schemas.microsoft.com/office/drawing/2010/main">
+                <a:solidFill>
+                  <a:srgbClr val="FFFFFF"/>
+                </a:solidFill>
+              </a14:hiddenFill>
+            </a:ext>
+          </a:extLst>
         </p:spPr>
       </p:pic>
       <p:cxnSp>
         <p:nvCxnSpPr>
-          <p:cNvPr id="29" name="Straight Arrow Connector 28">
-            <a:extLst>
-              <a:ext uri="{FF2B5EF4-FFF2-40B4-BE49-F238E27FC236}">
-                <a16:creationId xmlns:a16="http://schemas.microsoft.com/office/drawing/2014/main" xmlns="" id="{46D3B211-D1BD-4BBE-908A-BA616FAC22FA}"/>
-              </a:ext>
-            </a:extLst>
-          </p:cNvPr>
-          <p:cNvCxnSpPr>
-            <a:cxnSpLocks/>
-          </p:cNvCxnSpPr>
+          <p:cNvPr id="99" name="Connector: Elbow 98">
+            <a:extLst>
+              <a:ext uri="{FF2B5EF4-FFF2-40B4-BE49-F238E27FC236}">
+                <a16:creationId xmlns:a16="http://schemas.microsoft.com/office/drawing/2014/main" id="{C6D1CA0D-F7AA-465A-84CE-33DC5C1BF67F}"/>
+              </a:ext>
+            </a:extLst>
+          </p:cNvPr>
+          <p:cNvCxnSpPr/>
           <p:nvPr/>
         </p:nvCxnSpPr>
         <p:spPr>
           <a:xfrm flipV="1">
-            <a:off x="2170443" y="3639457"/>
-            <a:ext cx="1112409" cy="822419"/>
-          </a:xfrm>
-          <a:prstGeom prst="straightConnector1">
-            <a:avLst/>
+            <a:off x="7391400" y="2041671"/>
+            <a:ext cx="1609725" cy="352425"/>
+          </a:xfrm>
+          <a:prstGeom prst="bentConnector3">
+            <a:avLst>
+              <a:gd name="adj1" fmla="val 0"/>
+            </a:avLst>
           </a:prstGeom>
-          <a:ln w="38100">
+          <a:ln>
             <a:tailEnd type="triangle"/>
           </a:ln>
         </p:spPr>
@@ -4180,27 +4769,1143 @@
       </p:cxnSp>
       <p:cxnSp>
         <p:nvCxnSpPr>
-          <p:cNvPr id="34" name="Straight Arrow Connector 33">
-            <a:extLst>
-              <a:ext uri="{FF2B5EF4-FFF2-40B4-BE49-F238E27FC236}">
-                <a16:creationId xmlns:a16="http://schemas.microsoft.com/office/drawing/2014/main" xmlns="" id="{E07A8D0D-C8CE-4B61-8E10-7A0A059DAF74}"/>
-              </a:ext>
-            </a:extLst>
-          </p:cNvPr>
-          <p:cNvCxnSpPr>
-            <a:cxnSpLocks/>
-          </p:cNvCxnSpPr>
+          <p:cNvPr id="100" name="Connector: Elbow 99">
+            <a:extLst>
+              <a:ext uri="{FF2B5EF4-FFF2-40B4-BE49-F238E27FC236}">
+                <a16:creationId xmlns:a16="http://schemas.microsoft.com/office/drawing/2014/main" id="{2E180181-CEDC-4154-8B70-BEE34D777F3D}"/>
+              </a:ext>
+            </a:extLst>
+          </p:cNvPr>
+          <p:cNvCxnSpPr/>
+          <p:nvPr/>
+        </p:nvCxnSpPr>
+        <p:spPr>
+          <a:xfrm flipH="1">
+            <a:off x="7733665" y="2747156"/>
+            <a:ext cx="1933575" cy="47625"/>
+          </a:xfrm>
+          <a:prstGeom prst="bentConnector3">
+            <a:avLst>
+              <a:gd name="adj1" fmla="val -939"/>
+            </a:avLst>
+          </a:prstGeom>
+          <a:ln>
+            <a:tailEnd type="triangle"/>
+          </a:ln>
+        </p:spPr>
+        <p:style>
+          <a:lnRef idx="1">
+            <a:schemeClr val="accent1"/>
+          </a:lnRef>
+          <a:fillRef idx="0">
+            <a:schemeClr val="accent1"/>
+          </a:fillRef>
+          <a:effectRef idx="0">
+            <a:schemeClr val="accent1"/>
+          </a:effectRef>
+          <a:fontRef idx="minor">
+            <a:schemeClr val="tx1"/>
+          </a:fontRef>
+        </p:style>
+      </p:cxnSp>
+      <p:sp>
+        <p:nvSpPr>
+          <p:cNvPr id="101" name="Flowchart: Magnetic Disk 100">
+            <a:extLst>
+              <a:ext uri="{FF2B5EF4-FFF2-40B4-BE49-F238E27FC236}">
+                <a16:creationId xmlns:a16="http://schemas.microsoft.com/office/drawing/2014/main" id="{D75275E3-8C5F-4EDF-BEBF-219F32BF5DBE}"/>
+              </a:ext>
+            </a:extLst>
+          </p:cNvPr>
+          <p:cNvSpPr/>
+          <p:nvPr/>
+        </p:nvSpPr>
+        <p:spPr>
+          <a:xfrm>
+            <a:off x="6543675" y="3192291"/>
+            <a:ext cx="1247775" cy="800100"/>
+          </a:xfrm>
+          <a:prstGeom prst="flowChartMagneticDisk">
+            <a:avLst/>
+          </a:prstGeom>
+          <a:noFill/>
+        </p:spPr>
+        <p:style>
+          <a:lnRef idx="2">
+            <a:schemeClr val="accent6"/>
+          </a:lnRef>
+          <a:fillRef idx="1">
+            <a:schemeClr val="lt1"/>
+          </a:fillRef>
+          <a:effectRef idx="0">
+            <a:schemeClr val="accent6"/>
+          </a:effectRef>
+          <a:fontRef idx="minor">
+            <a:schemeClr val="dk1"/>
+          </a:fontRef>
+        </p:style>
+        <p:txBody>
+          <a:bodyPr rot="0" spcFirstLastPara="0" vert="horz" wrap="square" lIns="91440" tIns="45720" rIns="91440" bIns="45720" numCol="1" spcCol="0" rtlCol="0" fromWordArt="0" anchor="ctr" anchorCtr="0" forceAA="0" compatLnSpc="1">
+            <a:prstTxWarp prst="textNoShape">
+              <a:avLst/>
+            </a:prstTxWarp>
+            <a:noAutofit/>
+          </a:bodyPr>
+          <a:lstStyle/>
+          <a:p>
+            <a:endParaRPr lang="en-US"/>
+          </a:p>
+        </p:txBody>
+      </p:sp>
+      <p:sp>
+        <p:nvSpPr>
+          <p:cNvPr id="2065" name="Text Box 115">
+            <a:extLst>
+              <a:ext uri="{FF2B5EF4-FFF2-40B4-BE49-F238E27FC236}">
+                <a16:creationId xmlns:a16="http://schemas.microsoft.com/office/drawing/2014/main" id="{EB32566E-18E3-412F-B013-3F68C5017895}"/>
+              </a:ext>
+            </a:extLst>
+          </p:cNvPr>
+          <p:cNvSpPr txBox="1">
+            <a:spLocks noChangeArrowheads="1"/>
+          </p:cNvSpPr>
+          <p:nvPr/>
+        </p:nvSpPr>
+        <p:spPr bwMode="auto">
+          <a:xfrm>
+            <a:off x="9110235" y="2047068"/>
+            <a:ext cx="762000" cy="257175"/>
+          </a:xfrm>
+          <a:prstGeom prst="rect">
+            <a:avLst/>
+          </a:prstGeom>
+          <a:solidFill>
+            <a:srgbClr val="FFFFFF"/>
+          </a:solidFill>
+          <a:ln w="9525">
+            <a:solidFill>
+              <a:srgbClr val="000000"/>
+            </a:solidFill>
+            <a:miter lim="800000"/>
+            <a:headEnd/>
+            <a:tailEnd/>
+          </a:ln>
+        </p:spPr>
+        <p:txBody>
+          <a:bodyPr vert="horz" wrap="square" lIns="91440" tIns="45720" rIns="91440" bIns="45720" numCol="1" anchor="t" anchorCtr="0" compatLnSpc="1">
+            <a:prstTxWarp prst="textNoShape">
+              <a:avLst/>
+            </a:prstTxWarp>
+          </a:bodyPr>
+          <a:lstStyle/>
+          <a:p>
+            <a:pPr marL="0" marR="0" lvl="0" indent="0" algn="l" defTabSz="914400" rtl="0" eaLnBrk="0" fontAlgn="base" latinLnBrk="0" hangingPunct="0">
+              <a:lnSpc>
+                <a:spcPct val="100000"/>
+              </a:lnSpc>
+              <a:spcBef>
+                <a:spcPct val="0"/>
+              </a:spcBef>
+              <a:spcAft>
+                <a:spcPct val="0"/>
+              </a:spcAft>
+              <a:buClrTx/>
+              <a:buSzTx/>
+              <a:buFontTx/>
+              <a:buNone/>
+              <a:tabLst/>
+            </a:pPr>
+            <a:r>
+              <a:rPr kumimoji="0" lang="en-GB" altLang="en-US" sz="1100" b="0" i="0" u="none" strike="noStrike" cap="none" normalizeH="0" baseline="0">
+                <a:ln>
+                  <a:noFill/>
+                </a:ln>
+                <a:solidFill>
+                  <a:schemeClr val="tx1"/>
+                </a:solidFill>
+                <a:effectLst/>
+                <a:latin typeface="Calibri" panose="020F0502020204030204" pitchFamily="34" charset="0"/>
+                <a:ea typeface="Calibri" panose="020F0502020204030204" pitchFamily="34" charset="0"/>
+                <a:cs typeface="Times New Roman" panose="02020603050405020304" pitchFamily="18" charset="0"/>
+              </a:rPr>
+              <a:t>Client PC</a:t>
+            </a:r>
+            <a:endParaRPr kumimoji="0" lang="en-GB" altLang="en-US" sz="1800" b="0" i="0" u="none" strike="noStrike" cap="none" normalizeH="0" baseline="0">
+              <a:ln>
+                <a:noFill/>
+              </a:ln>
+              <a:solidFill>
+                <a:schemeClr val="tx1"/>
+              </a:solidFill>
+              <a:effectLst/>
+              <a:latin typeface="Arial" panose="020B0604020202020204" pitchFamily="34" charset="0"/>
+            </a:endParaRPr>
+          </a:p>
+        </p:txBody>
+      </p:sp>
+      <p:pic>
+        <p:nvPicPr>
+          <p:cNvPr id="2150" name="Picture 216">
+            <a:extLst>
+              <a:ext uri="{FF2B5EF4-FFF2-40B4-BE49-F238E27FC236}">
+                <a16:creationId xmlns:a16="http://schemas.microsoft.com/office/drawing/2014/main" id="{67FDF3F7-DB0C-4676-BA15-BE9E65575C91}"/>
+              </a:ext>
+            </a:extLst>
+          </p:cNvPr>
+          <p:cNvPicPr>
+            <a:picLocks noChangeAspect="1" noChangeArrowheads="1"/>
+          </p:cNvPicPr>
+          <p:nvPr/>
+        </p:nvPicPr>
+        <p:blipFill>
+          <a:blip r:embed="rId7">
+            <a:extLst>
+              <a:ext uri="{28A0092B-C50C-407E-A947-70E740481C1C}">
+                <a14:useLocalDpi xmlns:a14="http://schemas.microsoft.com/office/drawing/2010/main" val="0"/>
+              </a:ext>
+            </a:extLst>
+          </a:blip>
+          <a:srcRect/>
+          <a:stretch>
+            <a:fillRect/>
+          </a:stretch>
+        </p:blipFill>
+        <p:spPr bwMode="auto">
+          <a:xfrm>
+            <a:off x="7058025" y="3211317"/>
+            <a:ext cx="238125" cy="238125"/>
+          </a:xfrm>
+          <a:prstGeom prst="rect">
+            <a:avLst/>
+          </a:prstGeom>
+          <a:noFill/>
+          <a:extLst>
+            <a:ext uri="{909E8E84-426E-40DD-AFC4-6F175D3DCCD1}">
+              <a14:hiddenFill xmlns:a14="http://schemas.microsoft.com/office/drawing/2010/main">
+                <a:solidFill>
+                  <a:srgbClr val="FFFFFF"/>
+                </a:solidFill>
+              </a14:hiddenFill>
+            </a:ext>
+          </a:extLst>
+        </p:spPr>
+      </p:pic>
+      <p:pic>
+        <p:nvPicPr>
+          <p:cNvPr id="2161" name="Picture 219">
+            <a:extLst>
+              <a:ext uri="{FF2B5EF4-FFF2-40B4-BE49-F238E27FC236}">
+                <a16:creationId xmlns:a16="http://schemas.microsoft.com/office/drawing/2014/main" id="{8B6CD794-91A7-442F-88B6-1440B0A65B97}"/>
+              </a:ext>
+            </a:extLst>
+          </p:cNvPr>
+          <p:cNvPicPr>
+            <a:picLocks noChangeAspect="1" noChangeArrowheads="1"/>
+          </p:cNvPicPr>
+          <p:nvPr/>
+        </p:nvPicPr>
+        <p:blipFill>
+          <a:blip r:embed="rId8">
+            <a:extLst>
+              <a:ext uri="{28A0092B-C50C-407E-A947-70E740481C1C}">
+                <a14:useLocalDpi xmlns:a14="http://schemas.microsoft.com/office/drawing/2010/main" val="0"/>
+              </a:ext>
+            </a:extLst>
+          </a:blip>
+          <a:srcRect/>
+          <a:stretch>
+            <a:fillRect/>
+          </a:stretch>
+        </p:blipFill>
+        <p:spPr bwMode="auto">
+          <a:xfrm>
+            <a:off x="6438900" y="2394096"/>
+            <a:ext cx="1225550" cy="609600"/>
+          </a:xfrm>
+          <a:prstGeom prst="rect">
+            <a:avLst/>
+          </a:prstGeom>
+          <a:noFill/>
+          <a:extLst>
+            <a:ext uri="{909E8E84-426E-40DD-AFC4-6F175D3DCCD1}">
+              <a14:hiddenFill xmlns:a14="http://schemas.microsoft.com/office/drawing/2010/main">
+                <a:solidFill>
+                  <a:srgbClr val="FFFFFF"/>
+                </a:solidFill>
+              </a14:hiddenFill>
+            </a:ext>
+          </a:extLst>
+        </p:spPr>
+      </p:pic>
+      <p:sp>
+        <p:nvSpPr>
+          <p:cNvPr id="2066" name="Text Box 103">
+            <a:extLst>
+              <a:ext uri="{FF2B5EF4-FFF2-40B4-BE49-F238E27FC236}">
+                <a16:creationId xmlns:a16="http://schemas.microsoft.com/office/drawing/2014/main" id="{AB8D26CB-9D6C-4552-90C9-3102D2634A42}"/>
+              </a:ext>
+            </a:extLst>
+          </p:cNvPr>
+          <p:cNvSpPr txBox="1">
+            <a:spLocks noChangeArrowheads="1"/>
+          </p:cNvSpPr>
+          <p:nvPr/>
+        </p:nvSpPr>
+        <p:spPr bwMode="auto">
+          <a:xfrm>
+            <a:off x="7894003" y="3099898"/>
+            <a:ext cx="2343150" cy="396875"/>
+          </a:xfrm>
+          <a:prstGeom prst="rect">
+            <a:avLst/>
+          </a:prstGeom>
+          <a:solidFill>
+            <a:srgbClr val="FFFFFF"/>
+          </a:solidFill>
+          <a:ln w="9525">
+            <a:solidFill>
+              <a:srgbClr val="FFFFFF"/>
+            </a:solidFill>
+            <a:miter lim="800000"/>
+            <a:headEnd/>
+            <a:tailEnd/>
+          </a:ln>
+        </p:spPr>
+        <p:txBody>
+          <a:bodyPr vert="horz" wrap="square" lIns="91440" tIns="45720" rIns="91440" bIns="45720" numCol="1" anchor="t" anchorCtr="0" compatLnSpc="1">
+            <a:prstTxWarp prst="textNoShape">
+              <a:avLst/>
+            </a:prstTxWarp>
+            <a:spAutoFit/>
+          </a:bodyPr>
+          <a:lstStyle/>
+          <a:p>
+            <a:pPr marL="0" marR="0" lvl="0" indent="0" algn="l" defTabSz="914400" rtl="0" eaLnBrk="0" fontAlgn="base" latinLnBrk="0" hangingPunct="0">
+              <a:lnSpc>
+                <a:spcPct val="100000"/>
+              </a:lnSpc>
+              <a:spcBef>
+                <a:spcPct val="0"/>
+              </a:spcBef>
+              <a:spcAft>
+                <a:spcPct val="0"/>
+              </a:spcAft>
+              <a:buClrTx/>
+              <a:buSzTx/>
+              <a:buFontTx/>
+              <a:buNone/>
+              <a:tabLst/>
+            </a:pPr>
+            <a:r>
+              <a:rPr kumimoji="0" lang="en-GB" altLang="en-US" sz="1100" b="0" i="0" u="none" strike="noStrike" cap="none" normalizeH="0" baseline="0">
+                <a:ln>
+                  <a:noFill/>
+                </a:ln>
+                <a:solidFill>
+                  <a:schemeClr val="tx1"/>
+                </a:solidFill>
+                <a:effectLst/>
+                <a:latin typeface="Calibri" panose="020F0502020204030204" pitchFamily="34" charset="0"/>
+                <a:ea typeface="Calibri" panose="020F0502020204030204" pitchFamily="34" charset="0"/>
+                <a:cs typeface="Times New Roman" panose="02020603050405020304" pitchFamily="18" charset="0"/>
+              </a:rPr>
+              <a:t>Upload </a:t>
+            </a:r>
+            <a:r>
+              <a:rPr kumimoji="0" lang="en-GB" altLang="en-US" sz="1100" b="0" i="1" u="none" strike="noStrike" cap="none" normalizeH="0" baseline="0">
+                <a:ln>
+                  <a:noFill/>
+                </a:ln>
+                <a:solidFill>
+                  <a:schemeClr val="tx1"/>
+                </a:solidFill>
+                <a:effectLst/>
+                <a:latin typeface="Calibri" panose="020F0502020204030204" pitchFamily="34" charset="0"/>
+                <a:ea typeface="Calibri" panose="020F0502020204030204" pitchFamily="34" charset="0"/>
+                <a:cs typeface="Times New Roman" panose="02020603050405020304" pitchFamily="18" charset="0"/>
+              </a:rPr>
+              <a:t>in-situ</a:t>
+            </a:r>
+            <a:r>
+              <a:rPr kumimoji="0" lang="en-GB" altLang="en-US" sz="1100" b="0" i="0" u="none" strike="noStrike" cap="none" normalizeH="0" baseline="0">
+                <a:ln>
+                  <a:noFill/>
+                </a:ln>
+                <a:solidFill>
+                  <a:schemeClr val="tx1"/>
+                </a:solidFill>
+                <a:effectLst/>
+                <a:latin typeface="Calibri" panose="020F0502020204030204" pitchFamily="34" charset="0"/>
+                <a:ea typeface="Calibri" panose="020F0502020204030204" pitchFamily="34" charset="0"/>
+                <a:cs typeface="Times New Roman" panose="02020603050405020304" pitchFamily="18" charset="0"/>
+              </a:rPr>
+              <a:t> data to microcontroller</a:t>
+            </a:r>
+            <a:endParaRPr kumimoji="0" lang="en-GB" altLang="en-US" sz="1800" b="0" i="0" u="none" strike="noStrike" cap="none" normalizeH="0" baseline="0">
+              <a:ln>
+                <a:noFill/>
+              </a:ln>
+              <a:solidFill>
+                <a:schemeClr val="tx1"/>
+              </a:solidFill>
+              <a:effectLst/>
+              <a:latin typeface="Arial" panose="020B0604020202020204" pitchFamily="34" charset="0"/>
+            </a:endParaRPr>
+          </a:p>
+        </p:txBody>
+      </p:sp>
+      <p:cxnSp>
+        <p:nvCxnSpPr>
+          <p:cNvPr id="106" name="Connector: Elbow 105">
+            <a:extLst>
+              <a:ext uri="{FF2B5EF4-FFF2-40B4-BE49-F238E27FC236}">
+                <a16:creationId xmlns:a16="http://schemas.microsoft.com/office/drawing/2014/main" id="{37167882-161C-43B0-9E1C-2DBD53F5430E}"/>
+              </a:ext>
+            </a:extLst>
+          </p:cNvPr>
+          <p:cNvCxnSpPr/>
           <p:nvPr/>
         </p:nvCxnSpPr>
         <p:spPr>
           <a:xfrm>
-            <a:off x="2444495" y="2124063"/>
-            <a:ext cx="3492071" cy="1695101"/>
+            <a:off x="6399530" y="2828436"/>
+            <a:ext cx="542925" cy="1496060"/>
+          </a:xfrm>
+          <a:prstGeom prst="bentConnector3">
+            <a:avLst>
+              <a:gd name="adj1" fmla="val -37131"/>
+            </a:avLst>
+          </a:prstGeom>
+          <a:ln>
+            <a:tailEnd type="triangle"/>
+          </a:ln>
+        </p:spPr>
+        <p:style>
+          <a:lnRef idx="1">
+            <a:schemeClr val="accent1"/>
+          </a:lnRef>
+          <a:fillRef idx="0">
+            <a:schemeClr val="accent1"/>
+          </a:fillRef>
+          <a:effectRef idx="0">
+            <a:schemeClr val="accent1"/>
+          </a:effectRef>
+          <a:fontRef idx="minor">
+            <a:schemeClr val="tx1"/>
+          </a:fontRef>
+        </p:style>
+      </p:cxnSp>
+      <p:sp>
+        <p:nvSpPr>
+          <p:cNvPr id="107" name="Rectangle: Rounded Corners 106">
+            <a:extLst>
+              <a:ext uri="{FF2B5EF4-FFF2-40B4-BE49-F238E27FC236}">
+                <a16:creationId xmlns:a16="http://schemas.microsoft.com/office/drawing/2014/main" id="{DFD0D0FC-76F0-4FBC-AEB1-AE995E185C2D}"/>
+              </a:ext>
+            </a:extLst>
+          </p:cNvPr>
+          <p:cNvSpPr/>
+          <p:nvPr/>
+        </p:nvSpPr>
+        <p:spPr>
+          <a:xfrm>
+            <a:off x="6962775" y="4091451"/>
+            <a:ext cx="1914525" cy="409575"/>
+          </a:xfrm>
+          <a:prstGeom prst="roundRect">
+            <a:avLst/>
+          </a:prstGeom>
+          <a:noFill/>
+        </p:spPr>
+        <p:style>
+          <a:lnRef idx="2">
+            <a:schemeClr val="accent1">
+              <a:shade val="50000"/>
+            </a:schemeClr>
+          </a:lnRef>
+          <a:fillRef idx="1">
+            <a:schemeClr val="accent1"/>
+          </a:fillRef>
+          <a:effectRef idx="0">
+            <a:schemeClr val="accent1"/>
+          </a:effectRef>
+          <a:fontRef idx="minor">
+            <a:schemeClr val="lt1"/>
+          </a:fontRef>
+        </p:style>
+        <p:txBody>
+          <a:bodyPr rot="0" spcFirstLastPara="0" vert="horz" wrap="square" lIns="91440" tIns="45720" rIns="91440" bIns="45720" numCol="1" spcCol="0" rtlCol="0" fromWordArt="0" anchor="ctr" anchorCtr="0" forceAA="0" compatLnSpc="1">
+            <a:prstTxWarp prst="textNoShape">
+              <a:avLst/>
+            </a:prstTxWarp>
+            <a:noAutofit/>
+          </a:bodyPr>
+          <a:lstStyle/>
+          <a:p>
+            <a:endParaRPr lang="en-US"/>
+          </a:p>
+        </p:txBody>
+      </p:sp>
+      <p:cxnSp>
+        <p:nvCxnSpPr>
+          <p:cNvPr id="108" name="Connector: Elbow 107">
+            <a:extLst>
+              <a:ext uri="{FF2B5EF4-FFF2-40B4-BE49-F238E27FC236}">
+                <a16:creationId xmlns:a16="http://schemas.microsoft.com/office/drawing/2014/main" id="{06766A8C-4582-4D5F-A84D-8FE6C549D5F4}"/>
+              </a:ext>
+            </a:extLst>
+          </p:cNvPr>
+          <p:cNvCxnSpPr/>
+          <p:nvPr/>
+        </p:nvCxnSpPr>
+        <p:spPr>
+          <a:xfrm flipH="1">
+            <a:off x="7143750" y="4499756"/>
+            <a:ext cx="95250" cy="581025"/>
+          </a:xfrm>
+          <a:prstGeom prst="bentConnector3">
+            <a:avLst>
+              <a:gd name="adj1" fmla="val 65107"/>
+            </a:avLst>
+          </a:prstGeom>
+          <a:ln>
+            <a:tailEnd type="triangle"/>
+          </a:ln>
+        </p:spPr>
+        <p:style>
+          <a:lnRef idx="1">
+            <a:schemeClr val="accent1"/>
+          </a:lnRef>
+          <a:fillRef idx="0">
+            <a:schemeClr val="accent1"/>
+          </a:fillRef>
+          <a:effectRef idx="0">
+            <a:schemeClr val="accent1"/>
+          </a:effectRef>
+          <a:fontRef idx="minor">
+            <a:schemeClr val="tx1"/>
+          </a:fontRef>
+        </p:style>
+      </p:cxnSp>
+      <p:pic>
+        <p:nvPicPr>
+          <p:cNvPr id="2128" name="Picture 295">
+            <a:extLst>
+              <a:ext uri="{FF2B5EF4-FFF2-40B4-BE49-F238E27FC236}">
+                <a16:creationId xmlns:a16="http://schemas.microsoft.com/office/drawing/2014/main" id="{036DC5B9-BF07-484F-BCF6-45D362B9F813}"/>
+              </a:ext>
+            </a:extLst>
+          </p:cNvPr>
+          <p:cNvPicPr>
+            <a:picLocks noChangeAspect="1" noChangeArrowheads="1"/>
+          </p:cNvPicPr>
+          <p:nvPr/>
+        </p:nvPicPr>
+        <p:blipFill rotWithShape="1">
+          <a:blip r:embed="rId9">
+            <a:extLst>
+              <a:ext uri="{28A0092B-C50C-407E-A947-70E740481C1C}">
+                <a14:useLocalDpi xmlns:a14="http://schemas.microsoft.com/office/drawing/2010/main" val="0"/>
+              </a:ext>
+            </a:extLst>
+          </a:blip>
+          <a:srcRect l="-2969" t="-3" r="-1912" b="49539"/>
+          <a:stretch/>
+        </p:blipFill>
+        <p:spPr bwMode="auto">
+          <a:xfrm>
+            <a:off x="6810375" y="5729941"/>
+            <a:ext cx="1009650" cy="828671"/>
+          </a:xfrm>
+          <a:prstGeom prst="rect">
+            <a:avLst/>
+          </a:prstGeom>
+          <a:noFill/>
+          <a:extLst>
+            <a:ext uri="{909E8E84-426E-40DD-AFC4-6F175D3DCCD1}">
+              <a14:hiddenFill xmlns:a14="http://schemas.microsoft.com/office/drawing/2010/main">
+                <a:solidFill>
+                  <a:srgbClr val="FFFFFF"/>
+                </a:solidFill>
+              </a14:hiddenFill>
+            </a:ext>
+          </a:extLst>
+        </p:spPr>
+      </p:pic>
+      <p:cxnSp>
+        <p:nvCxnSpPr>
+          <p:cNvPr id="110" name="Connector: Elbow 109">
+            <a:extLst>
+              <a:ext uri="{FF2B5EF4-FFF2-40B4-BE49-F238E27FC236}">
+                <a16:creationId xmlns:a16="http://schemas.microsoft.com/office/drawing/2014/main" id="{04D70196-D373-4907-925A-75F5DB91E349}"/>
+              </a:ext>
+            </a:extLst>
+          </p:cNvPr>
+          <p:cNvCxnSpPr/>
+          <p:nvPr/>
+        </p:nvCxnSpPr>
+        <p:spPr>
+          <a:xfrm flipH="1" flipV="1">
+            <a:off x="7820025" y="3632981"/>
+            <a:ext cx="1047750" cy="695325"/>
+          </a:xfrm>
+          <a:prstGeom prst="bentConnector3">
+            <a:avLst>
+              <a:gd name="adj1" fmla="val -44681"/>
+            </a:avLst>
+          </a:prstGeom>
+          <a:ln>
+            <a:tailEnd type="triangle"/>
+          </a:ln>
+        </p:spPr>
+        <p:style>
+          <a:lnRef idx="1">
+            <a:schemeClr val="accent1"/>
+          </a:lnRef>
+          <a:fillRef idx="0">
+            <a:schemeClr val="accent1"/>
+          </a:fillRef>
+          <a:effectRef idx="0">
+            <a:schemeClr val="accent1"/>
+          </a:effectRef>
+          <a:fontRef idx="minor">
+            <a:schemeClr val="tx1"/>
+          </a:fontRef>
+        </p:style>
+      </p:cxnSp>
+      <p:sp>
+        <p:nvSpPr>
+          <p:cNvPr id="2067" name="Text Box 300">
+            <a:extLst>
+              <a:ext uri="{FF2B5EF4-FFF2-40B4-BE49-F238E27FC236}">
+                <a16:creationId xmlns:a16="http://schemas.microsoft.com/office/drawing/2014/main" id="{3738A548-C2F5-4B4D-98C8-C2A952CDBF7B}"/>
+              </a:ext>
+            </a:extLst>
+          </p:cNvPr>
+          <p:cNvSpPr txBox="1">
+            <a:spLocks noChangeArrowheads="1"/>
+          </p:cNvSpPr>
+          <p:nvPr/>
+        </p:nvSpPr>
+        <p:spPr bwMode="auto">
+          <a:xfrm>
+            <a:off x="3545205" y="2755883"/>
+            <a:ext cx="1626870" cy="356189"/>
+          </a:xfrm>
+          <a:prstGeom prst="rect">
+            <a:avLst/>
+          </a:prstGeom>
+          <a:solidFill>
+            <a:srgbClr val="FFFFFF"/>
+          </a:solidFill>
+          <a:ln w="6350">
+            <a:solidFill>
+              <a:srgbClr val="000000"/>
+            </a:solidFill>
+            <a:miter lim="800000"/>
+            <a:headEnd/>
+            <a:tailEnd/>
+          </a:ln>
+        </p:spPr>
+        <p:txBody>
+          <a:bodyPr vert="horz" wrap="square" lIns="91440" tIns="45720" rIns="91440" bIns="45720" numCol="1" anchor="t" anchorCtr="0" compatLnSpc="1">
+            <a:prstTxWarp prst="textNoShape">
+              <a:avLst/>
+            </a:prstTxWarp>
+          </a:bodyPr>
+          <a:lstStyle/>
+          <a:p>
+            <a:pPr marL="0" marR="0" lvl="0" indent="0" algn="l" defTabSz="914400" rtl="0" eaLnBrk="0" fontAlgn="base" latinLnBrk="0" hangingPunct="0">
+              <a:lnSpc>
+                <a:spcPct val="100000"/>
+              </a:lnSpc>
+              <a:spcBef>
+                <a:spcPct val="0"/>
+              </a:spcBef>
+              <a:spcAft>
+                <a:spcPct val="0"/>
+              </a:spcAft>
+              <a:buClrTx/>
+              <a:buSzTx/>
+              <a:buFontTx/>
+              <a:buNone/>
+              <a:tabLst/>
+            </a:pPr>
+            <a:r>
+              <a:rPr kumimoji="0" lang="en-GB" altLang="en-US" sz="1100" b="0" i="0" u="none" strike="noStrike" cap="none" normalizeH="0" baseline="0" dirty="0">
+                <a:ln>
+                  <a:noFill/>
+                </a:ln>
+                <a:solidFill>
+                  <a:schemeClr val="tx1"/>
+                </a:solidFill>
+                <a:effectLst/>
+                <a:latin typeface="Calibri" panose="020F0502020204030204" pitchFamily="34" charset="0"/>
+                <a:ea typeface="Calibri" panose="020F0502020204030204" pitchFamily="34" charset="0"/>
+                <a:cs typeface="Times New Roman" panose="02020603050405020304" pitchFamily="18" charset="0"/>
+              </a:rPr>
+              <a:t>Study Area Delineation</a:t>
+            </a:r>
+            <a:endParaRPr kumimoji="0" lang="en-GB" altLang="en-US" sz="1800" b="0" i="0" u="none" strike="noStrike" cap="none" normalizeH="0" baseline="0" dirty="0">
+              <a:ln>
+                <a:noFill/>
+              </a:ln>
+              <a:solidFill>
+                <a:schemeClr val="tx1"/>
+              </a:solidFill>
+              <a:effectLst/>
+              <a:latin typeface="Arial" panose="020B0604020202020204" pitchFamily="34" charset="0"/>
+            </a:endParaRPr>
+          </a:p>
+        </p:txBody>
+      </p:sp>
+      <p:sp>
+        <p:nvSpPr>
+          <p:cNvPr id="112" name="Left Brace 111">
+            <a:extLst>
+              <a:ext uri="{FF2B5EF4-FFF2-40B4-BE49-F238E27FC236}">
+                <a16:creationId xmlns:a16="http://schemas.microsoft.com/office/drawing/2014/main" id="{88EB6433-8D5B-40E3-854B-D0C80A8CDA0A}"/>
+              </a:ext>
+            </a:extLst>
+          </p:cNvPr>
+          <p:cNvSpPr/>
+          <p:nvPr/>
+        </p:nvSpPr>
+        <p:spPr>
+          <a:xfrm>
+            <a:off x="3242058" y="1164642"/>
+            <a:ext cx="238125" cy="1571625"/>
+          </a:xfrm>
+          <a:prstGeom prst="leftBrace">
+            <a:avLst/>
+          </a:prstGeom>
+        </p:spPr>
+        <p:style>
+          <a:lnRef idx="1">
+            <a:schemeClr val="accent1"/>
+          </a:lnRef>
+          <a:fillRef idx="0">
+            <a:schemeClr val="accent1"/>
+          </a:fillRef>
+          <a:effectRef idx="0">
+            <a:schemeClr val="accent1"/>
+          </a:effectRef>
+          <a:fontRef idx="minor">
+            <a:schemeClr val="tx1"/>
+          </a:fontRef>
+        </p:style>
+        <p:txBody>
+          <a:bodyPr rot="0" spcFirstLastPara="0" vert="horz" wrap="square" lIns="91440" tIns="45720" rIns="91440" bIns="45720" numCol="1" spcCol="0" rtlCol="0" fromWordArt="0" anchor="ctr" anchorCtr="0" forceAA="0" compatLnSpc="1">
+            <a:prstTxWarp prst="textNoShape">
+              <a:avLst/>
+            </a:prstTxWarp>
+            <a:noAutofit/>
+          </a:bodyPr>
+          <a:lstStyle/>
+          <a:p>
+            <a:endParaRPr lang="en-US"/>
+          </a:p>
+        </p:txBody>
+      </p:sp>
+      <p:sp>
+        <p:nvSpPr>
+          <p:cNvPr id="113" name="Left Brace 112">
+            <a:extLst>
+              <a:ext uri="{FF2B5EF4-FFF2-40B4-BE49-F238E27FC236}">
+                <a16:creationId xmlns:a16="http://schemas.microsoft.com/office/drawing/2014/main" id="{B7E474CB-7252-4CFE-9B6F-B39951AC3288}"/>
+              </a:ext>
+            </a:extLst>
+          </p:cNvPr>
+          <p:cNvSpPr/>
+          <p:nvPr/>
+        </p:nvSpPr>
+        <p:spPr>
+          <a:xfrm>
+            <a:off x="3295650" y="2756681"/>
+            <a:ext cx="190500" cy="1419225"/>
+          </a:xfrm>
+          <a:prstGeom prst="leftBrace">
+            <a:avLst/>
+          </a:prstGeom>
+        </p:spPr>
+        <p:style>
+          <a:lnRef idx="1">
+            <a:schemeClr val="accent1"/>
+          </a:lnRef>
+          <a:fillRef idx="0">
+            <a:schemeClr val="accent1"/>
+          </a:fillRef>
+          <a:effectRef idx="0">
+            <a:schemeClr val="accent1"/>
+          </a:effectRef>
+          <a:fontRef idx="minor">
+            <a:schemeClr val="tx1"/>
+          </a:fontRef>
+        </p:style>
+        <p:txBody>
+          <a:bodyPr rot="0" spcFirstLastPara="0" vert="horz" wrap="square" lIns="91440" tIns="45720" rIns="91440" bIns="45720" numCol="1" spcCol="0" rtlCol="0" fromWordArt="0" anchor="ctr" anchorCtr="0" forceAA="0" compatLnSpc="1">
+            <a:prstTxWarp prst="textNoShape">
+              <a:avLst/>
+            </a:prstTxWarp>
+            <a:noAutofit/>
+          </a:bodyPr>
+          <a:lstStyle/>
+          <a:p>
+            <a:endParaRPr lang="en-US"/>
+          </a:p>
+        </p:txBody>
+      </p:sp>
+      <p:sp>
+        <p:nvSpPr>
+          <p:cNvPr id="2068" name="Text Box 120">
+            <a:extLst>
+              <a:ext uri="{FF2B5EF4-FFF2-40B4-BE49-F238E27FC236}">
+                <a16:creationId xmlns:a16="http://schemas.microsoft.com/office/drawing/2014/main" id="{CF43C891-7B42-43B2-8C34-8D2AF9AC0A6A}"/>
+              </a:ext>
+            </a:extLst>
+          </p:cNvPr>
+          <p:cNvSpPr txBox="1">
+            <a:spLocks noChangeArrowheads="1"/>
+          </p:cNvSpPr>
+          <p:nvPr/>
+        </p:nvSpPr>
+        <p:spPr bwMode="auto">
+          <a:xfrm rot="-5400000">
+            <a:off x="2335054" y="1750669"/>
+            <a:ext cx="1485900" cy="266700"/>
+          </a:xfrm>
+          <a:prstGeom prst="rect">
+            <a:avLst/>
+          </a:prstGeom>
+          <a:solidFill>
+            <a:srgbClr val="FFFFFF"/>
+          </a:solidFill>
+          <a:ln>
+            <a:noFill/>
+          </a:ln>
+          <a:extLst>
+            <a:ext uri="{91240B29-F687-4F45-9708-019B960494DF}">
+              <a14:hiddenLine xmlns:a14="http://schemas.microsoft.com/office/drawing/2010/main" w="12700">
+                <a:solidFill>
+                  <a:srgbClr val="000000"/>
+                </a:solidFill>
+                <a:miter lim="800000"/>
+                <a:headEnd/>
+                <a:tailEnd/>
+              </a14:hiddenLine>
+            </a:ext>
+          </a:extLst>
+        </p:spPr>
+        <p:txBody>
+          <a:bodyPr vert="horz" wrap="square" lIns="91440" tIns="45720" rIns="91440" bIns="45720" numCol="1" anchor="t" anchorCtr="0" compatLnSpc="1">
+            <a:prstTxWarp prst="textNoShape">
+              <a:avLst/>
+            </a:prstTxWarp>
+          </a:bodyPr>
+          <a:lstStyle/>
+          <a:p>
+            <a:pPr marL="0" marR="0" lvl="0" indent="0" algn="l" defTabSz="914400" rtl="0" eaLnBrk="0" fontAlgn="base" latinLnBrk="0" hangingPunct="0">
+              <a:lnSpc>
+                <a:spcPct val="100000"/>
+              </a:lnSpc>
+              <a:spcBef>
+                <a:spcPct val="0"/>
+              </a:spcBef>
+              <a:spcAft>
+                <a:spcPct val="0"/>
+              </a:spcAft>
+              <a:buClrTx/>
+              <a:buSzTx/>
+              <a:buFontTx/>
+              <a:buNone/>
+              <a:tabLst/>
+            </a:pPr>
+            <a:r>
+              <a:rPr kumimoji="0" lang="en-GB" altLang="en-US" sz="1100" b="0" i="0" u="none" strike="noStrike" cap="none" normalizeH="0" baseline="0" dirty="0">
+                <a:ln>
+                  <a:noFill/>
+                </a:ln>
+                <a:solidFill>
+                  <a:schemeClr val="tx1"/>
+                </a:solidFill>
+                <a:effectLst/>
+                <a:latin typeface="Calibri" panose="020F0502020204030204" pitchFamily="34" charset="0"/>
+                <a:ea typeface="Calibri" panose="020F0502020204030204" pitchFamily="34" charset="0"/>
+                <a:cs typeface="Times New Roman" panose="02020603050405020304" pitchFamily="18" charset="0"/>
+              </a:rPr>
+              <a:t>Raw Data Acquisition</a:t>
+            </a:r>
+            <a:endParaRPr kumimoji="0" lang="en-GB" altLang="en-US" sz="1800" b="0" i="0" u="none" strike="noStrike" cap="none" normalizeH="0" baseline="0" dirty="0">
+              <a:ln>
+                <a:noFill/>
+              </a:ln>
+              <a:solidFill>
+                <a:schemeClr val="tx1"/>
+              </a:solidFill>
+              <a:effectLst/>
+              <a:latin typeface="Arial" panose="020B0604020202020204" pitchFamily="34" charset="0"/>
+            </a:endParaRPr>
+          </a:p>
+        </p:txBody>
+      </p:sp>
+      <p:sp>
+        <p:nvSpPr>
+          <p:cNvPr id="2069" name="Text Box 104">
+            <a:extLst>
+              <a:ext uri="{FF2B5EF4-FFF2-40B4-BE49-F238E27FC236}">
+                <a16:creationId xmlns:a16="http://schemas.microsoft.com/office/drawing/2014/main" id="{743918C1-14E9-4FA2-B131-324EB446342E}"/>
+              </a:ext>
+            </a:extLst>
+          </p:cNvPr>
+          <p:cNvSpPr txBox="1">
+            <a:spLocks noChangeArrowheads="1"/>
+          </p:cNvSpPr>
+          <p:nvPr/>
+        </p:nvSpPr>
+        <p:spPr bwMode="auto">
+          <a:xfrm rot="-5400000">
+            <a:off x="2488882" y="3328505"/>
+            <a:ext cx="1101725" cy="333375"/>
+          </a:xfrm>
+          <a:prstGeom prst="rect">
+            <a:avLst/>
+          </a:prstGeom>
+          <a:solidFill>
+            <a:srgbClr val="FFFFFF"/>
+          </a:solidFill>
+          <a:ln>
+            <a:noFill/>
+          </a:ln>
+          <a:extLst>
+            <a:ext uri="{91240B29-F687-4F45-9708-019B960494DF}">
+              <a14:hiddenLine xmlns:a14="http://schemas.microsoft.com/office/drawing/2010/main" w="12700">
+                <a:solidFill>
+                  <a:srgbClr val="000000"/>
+                </a:solidFill>
+                <a:miter lim="800000"/>
+                <a:headEnd/>
+                <a:tailEnd/>
+              </a14:hiddenLine>
+            </a:ext>
+          </a:extLst>
+        </p:spPr>
+        <p:txBody>
+          <a:bodyPr vert="horz" wrap="square" lIns="91440" tIns="45720" rIns="91440" bIns="45720" numCol="1" anchor="t" anchorCtr="0" compatLnSpc="1">
+            <a:prstTxWarp prst="textNoShape">
+              <a:avLst/>
+            </a:prstTxWarp>
+          </a:bodyPr>
+          <a:lstStyle/>
+          <a:p>
+            <a:pPr marL="0" marR="0" lvl="0" indent="0" algn="l" defTabSz="914400" rtl="0" eaLnBrk="0" fontAlgn="base" latinLnBrk="0" hangingPunct="0">
+              <a:lnSpc>
+                <a:spcPct val="100000"/>
+              </a:lnSpc>
+              <a:spcBef>
+                <a:spcPct val="0"/>
+              </a:spcBef>
+              <a:spcAft>
+                <a:spcPct val="0"/>
+              </a:spcAft>
+              <a:buClrTx/>
+              <a:buSzTx/>
+              <a:buFontTx/>
+              <a:buNone/>
+              <a:tabLst/>
+            </a:pPr>
+            <a:r>
+              <a:rPr kumimoji="0" lang="en-GB" altLang="en-US" sz="1100" b="0" i="0" u="none" strike="noStrike" cap="none" normalizeH="0" baseline="0" dirty="0">
+                <a:ln>
+                  <a:noFill/>
+                </a:ln>
+                <a:solidFill>
+                  <a:schemeClr val="tx1"/>
+                </a:solidFill>
+                <a:effectLst/>
+                <a:latin typeface="Calibri" panose="020F0502020204030204" pitchFamily="34" charset="0"/>
+                <a:ea typeface="Calibri" panose="020F0502020204030204" pitchFamily="34" charset="0"/>
+                <a:cs typeface="Times New Roman" panose="02020603050405020304" pitchFamily="18" charset="0"/>
+              </a:rPr>
+              <a:t>Image Filtering</a:t>
+            </a:r>
+            <a:endParaRPr kumimoji="0" lang="en-GB" altLang="en-US" sz="1800" b="0" i="0" u="none" strike="noStrike" cap="none" normalizeH="0" baseline="0" dirty="0">
+              <a:ln>
+                <a:noFill/>
+              </a:ln>
+              <a:solidFill>
+                <a:schemeClr val="tx1"/>
+              </a:solidFill>
+              <a:effectLst/>
+              <a:latin typeface="Arial" panose="020B0604020202020204" pitchFamily="34" charset="0"/>
+            </a:endParaRPr>
+          </a:p>
+        </p:txBody>
+      </p:sp>
+      <p:sp>
+        <p:nvSpPr>
+          <p:cNvPr id="116" name="Flowchart: Data 115">
+            <a:extLst>
+              <a:ext uri="{FF2B5EF4-FFF2-40B4-BE49-F238E27FC236}">
+                <a16:creationId xmlns:a16="http://schemas.microsoft.com/office/drawing/2014/main" id="{0604AF45-E42E-4FA4-9D98-53D06A0ED6EA}"/>
+              </a:ext>
+            </a:extLst>
+          </p:cNvPr>
+          <p:cNvSpPr/>
+          <p:nvPr/>
+        </p:nvSpPr>
+        <p:spPr>
+          <a:xfrm>
+            <a:off x="3327435" y="4750272"/>
+            <a:ext cx="2265044" cy="387942"/>
+          </a:xfrm>
+          <a:prstGeom prst="flowChartInputOutput">
+            <a:avLst/>
+          </a:prstGeom>
+          <a:noFill/>
+        </p:spPr>
+        <p:style>
+          <a:lnRef idx="2">
+            <a:schemeClr val="accent1">
+              <a:shade val="50000"/>
+            </a:schemeClr>
+          </a:lnRef>
+          <a:fillRef idx="1">
+            <a:schemeClr val="accent1"/>
+          </a:fillRef>
+          <a:effectRef idx="0">
+            <a:schemeClr val="accent1"/>
+          </a:effectRef>
+          <a:fontRef idx="minor">
+            <a:schemeClr val="lt1"/>
+          </a:fontRef>
+        </p:style>
+        <p:txBody>
+          <a:bodyPr rot="0" spcFirstLastPara="0" vert="horz" wrap="square" lIns="91440" tIns="45720" rIns="91440" bIns="45720" numCol="1" spcCol="0" rtlCol="0" fromWordArt="0" anchor="ctr" anchorCtr="0" forceAA="0" compatLnSpc="1">
+            <a:prstTxWarp prst="textNoShape">
+              <a:avLst/>
+            </a:prstTxWarp>
+            <a:noAutofit/>
+          </a:bodyPr>
+          <a:lstStyle/>
+          <a:p>
+            <a:endParaRPr lang="en-US"/>
+          </a:p>
+        </p:txBody>
+      </p:sp>
+      <p:sp>
+        <p:nvSpPr>
+          <p:cNvPr id="2070" name="Text Box 89">
+            <a:extLst>
+              <a:ext uri="{FF2B5EF4-FFF2-40B4-BE49-F238E27FC236}">
+                <a16:creationId xmlns:a16="http://schemas.microsoft.com/office/drawing/2014/main" id="{1B29BDAD-092B-42D0-93BE-E87BB3353090}"/>
+              </a:ext>
+            </a:extLst>
+          </p:cNvPr>
+          <p:cNvSpPr txBox="1">
+            <a:spLocks noChangeArrowheads="1"/>
+          </p:cNvSpPr>
+          <p:nvPr/>
+        </p:nvSpPr>
+        <p:spPr bwMode="auto">
+          <a:xfrm rot="-5400000">
+            <a:off x="2531879" y="4815758"/>
+            <a:ext cx="1101725" cy="333375"/>
+          </a:xfrm>
+          <a:prstGeom prst="rect">
+            <a:avLst/>
+          </a:prstGeom>
+          <a:solidFill>
+            <a:srgbClr val="FFFFFF"/>
+          </a:solidFill>
+          <a:ln>
+            <a:noFill/>
+          </a:ln>
+          <a:extLst>
+            <a:ext uri="{91240B29-F687-4F45-9708-019B960494DF}">
+              <a14:hiddenLine xmlns:a14="http://schemas.microsoft.com/office/drawing/2010/main" w="12700">
+                <a:solidFill>
+                  <a:srgbClr val="000000"/>
+                </a:solidFill>
+                <a:miter lim="800000"/>
+                <a:headEnd/>
+                <a:tailEnd/>
+              </a14:hiddenLine>
+            </a:ext>
+          </a:extLst>
+        </p:spPr>
+        <p:txBody>
+          <a:bodyPr vert="horz" wrap="square" lIns="91440" tIns="45720" rIns="91440" bIns="45720" numCol="1" anchor="t" anchorCtr="0" compatLnSpc="1">
+            <a:prstTxWarp prst="textNoShape">
+              <a:avLst/>
+            </a:prstTxWarp>
+          </a:bodyPr>
+          <a:lstStyle/>
+          <a:p>
+            <a:pPr marL="0" marR="0" lvl="0" indent="0" algn="l" defTabSz="914400" rtl="0" eaLnBrk="0" fontAlgn="base" latinLnBrk="0" hangingPunct="0">
+              <a:lnSpc>
+                <a:spcPct val="100000"/>
+              </a:lnSpc>
+              <a:spcBef>
+                <a:spcPct val="0"/>
+              </a:spcBef>
+              <a:spcAft>
+                <a:spcPct val="0"/>
+              </a:spcAft>
+              <a:buClrTx/>
+              <a:buSzTx/>
+              <a:buFontTx/>
+              <a:buNone/>
+              <a:tabLst/>
+            </a:pPr>
+            <a:r>
+              <a:rPr kumimoji="0" lang="en-GB" altLang="en-US" sz="1100" b="0" i="0" u="none" strike="noStrike" cap="none" normalizeH="0" baseline="0" dirty="0">
+                <a:ln>
+                  <a:noFill/>
+                </a:ln>
+                <a:solidFill>
+                  <a:schemeClr val="tx1"/>
+                </a:solidFill>
+                <a:effectLst/>
+                <a:latin typeface="Calibri" panose="020F0502020204030204" pitchFamily="34" charset="0"/>
+                <a:ea typeface="Calibri" panose="020F0502020204030204" pitchFamily="34" charset="0"/>
+                <a:cs typeface="Times New Roman" panose="02020603050405020304" pitchFamily="18" charset="0"/>
+              </a:rPr>
+              <a:t>Image Analysis</a:t>
+            </a:r>
+            <a:endParaRPr kumimoji="0" lang="en-GB" altLang="en-US" sz="1800" b="0" i="0" u="none" strike="noStrike" cap="none" normalizeH="0" baseline="0" dirty="0">
+              <a:ln>
+                <a:noFill/>
+              </a:ln>
+              <a:solidFill>
+                <a:schemeClr val="tx1"/>
+              </a:solidFill>
+              <a:effectLst/>
+              <a:latin typeface="Arial" panose="020B0604020202020204" pitchFamily="34" charset="0"/>
+            </a:endParaRPr>
+          </a:p>
+        </p:txBody>
+      </p:sp>
+      <p:cxnSp>
+        <p:nvCxnSpPr>
+          <p:cNvPr id="119" name="Straight Arrow Connector 118">
+            <a:extLst>
+              <a:ext uri="{FF2B5EF4-FFF2-40B4-BE49-F238E27FC236}">
+                <a16:creationId xmlns:a16="http://schemas.microsoft.com/office/drawing/2014/main" id="{34974BF6-FEC2-4FC6-9002-7444748B01B3}"/>
+              </a:ext>
+            </a:extLst>
+          </p:cNvPr>
+          <p:cNvCxnSpPr/>
+          <p:nvPr/>
+        </p:nvCxnSpPr>
+        <p:spPr>
+          <a:xfrm>
+            <a:off x="8212455" y="1727346"/>
+            <a:ext cx="0" cy="274320"/>
           </a:xfrm>
           <a:prstGeom prst="straightConnector1">
             <a:avLst/>
           </a:prstGeom>
-          <a:ln w="38100">
+          <a:ln w="0">
             <a:tailEnd type="triangle"/>
           </a:ln>
         </p:spPr>
@@ -4221,29 +5926,24 @@
       </p:cxnSp>
       <p:cxnSp>
         <p:nvCxnSpPr>
-          <p:cNvPr id="35" name="Straight Arrow Connector 34">
-            <a:extLst>
-              <a:ext uri="{FF2B5EF4-FFF2-40B4-BE49-F238E27FC236}">
-                <a16:creationId xmlns:a16="http://schemas.microsoft.com/office/drawing/2014/main" xmlns="" id="{4DB56BB6-828B-442A-A0AC-91F714E55EE4}"/>
-              </a:ext>
-            </a:extLst>
-          </p:cNvPr>
-          <p:cNvCxnSpPr>
-            <a:cxnSpLocks/>
-          </p:cNvCxnSpPr>
+          <p:cNvPr id="120" name="Straight Connector 119">
+            <a:extLst>
+              <a:ext uri="{FF2B5EF4-FFF2-40B4-BE49-F238E27FC236}">
+                <a16:creationId xmlns:a16="http://schemas.microsoft.com/office/drawing/2014/main" id="{4C8730E5-A79B-40BD-848D-BA5583C2D867}"/>
+              </a:ext>
+            </a:extLst>
+          </p:cNvPr>
+          <p:cNvCxnSpPr/>
           <p:nvPr/>
         </p:nvCxnSpPr>
         <p:spPr>
-          <a:xfrm flipV="1">
-            <a:off x="2334361" y="4209331"/>
-            <a:ext cx="3602205" cy="1425621"/>
-          </a:xfrm>
-          <a:prstGeom prst="straightConnector1">
+          <a:xfrm>
+            <a:off x="5286375" y="5016283"/>
+            <a:ext cx="1676400" cy="0"/>
+          </a:xfrm>
+          <a:prstGeom prst="line">
             <a:avLst/>
           </a:prstGeom>
-          <a:ln w="38100">
-            <a:tailEnd type="triangle"/>
-          </a:ln>
         </p:spPr>
         <p:style>
           <a:lnRef idx="1">
@@ -4262,27 +5962,25 @@
       </p:cxnSp>
       <p:cxnSp>
         <p:nvCxnSpPr>
-          <p:cNvPr id="36" name="Straight Arrow Connector 35">
-            <a:extLst>
-              <a:ext uri="{FF2B5EF4-FFF2-40B4-BE49-F238E27FC236}">
-                <a16:creationId xmlns:a16="http://schemas.microsoft.com/office/drawing/2014/main" xmlns="" id="{42C17063-D3D5-4797-A7C1-735D7E590E1E}"/>
-              </a:ext>
-            </a:extLst>
-          </p:cNvPr>
-          <p:cNvCxnSpPr>
-            <a:cxnSpLocks/>
-          </p:cNvCxnSpPr>
+          <p:cNvPr id="124" name="Straight Arrow Connector 123">
+            <a:extLst>
+              <a:ext uri="{FF2B5EF4-FFF2-40B4-BE49-F238E27FC236}">
+                <a16:creationId xmlns:a16="http://schemas.microsoft.com/office/drawing/2014/main" id="{C7020FDF-B98A-4521-9CBE-418CF4F12118}"/>
+              </a:ext>
+            </a:extLst>
+          </p:cNvPr>
+          <p:cNvCxnSpPr/>
           <p:nvPr/>
         </p:nvCxnSpPr>
         <p:spPr>
-          <a:xfrm flipV="1">
-            <a:off x="6780628" y="2124063"/>
-            <a:ext cx="1969477" cy="1502727"/>
+          <a:xfrm flipH="1">
+            <a:off x="4331119" y="2513774"/>
+            <a:ext cx="0" cy="200660"/>
           </a:xfrm>
           <a:prstGeom prst="straightConnector1">
             <a:avLst/>
           </a:prstGeom>
-          <a:ln w="38100">
+          <a:ln w="0">
             <a:tailEnd type="triangle"/>
           </a:ln>
         </p:spPr>
@@ -4303,27 +6001,25 @@
       </p:cxnSp>
       <p:cxnSp>
         <p:nvCxnSpPr>
-          <p:cNvPr id="50" name="Straight Arrow Connector 49">
-            <a:extLst>
-              <a:ext uri="{FF2B5EF4-FFF2-40B4-BE49-F238E27FC236}">
-                <a16:creationId xmlns:a16="http://schemas.microsoft.com/office/drawing/2014/main" xmlns="" id="{DDCE01E4-3007-46F7-AD3D-7E0B6E48C62D}"/>
-              </a:ext>
-            </a:extLst>
-          </p:cNvPr>
-          <p:cNvCxnSpPr>
-            <a:cxnSpLocks/>
-          </p:cNvCxnSpPr>
+          <p:cNvPr id="125" name="Straight Arrow Connector 124">
+            <a:extLst>
+              <a:ext uri="{FF2B5EF4-FFF2-40B4-BE49-F238E27FC236}">
+                <a16:creationId xmlns:a16="http://schemas.microsoft.com/office/drawing/2014/main" id="{86A71CDE-7637-4AB1-8F99-E04ADB2FBE1A}"/>
+              </a:ext>
+            </a:extLst>
+          </p:cNvPr>
+          <p:cNvCxnSpPr/>
           <p:nvPr/>
         </p:nvCxnSpPr>
         <p:spPr>
-          <a:xfrm flipH="1">
-            <a:off x="2248906" y="6277664"/>
-            <a:ext cx="8366330" cy="11168"/>
+          <a:xfrm>
+            <a:off x="4331119" y="3105080"/>
+            <a:ext cx="0" cy="173355"/>
           </a:xfrm>
           <a:prstGeom prst="straightConnector1">
             <a:avLst/>
           </a:prstGeom>
-          <a:ln w="38100">
+          <a:ln w="0">
             <a:tailEnd type="triangle"/>
           </a:ln>
         </p:spPr>
@@ -4344,27 +6040,25 @@
       </p:cxnSp>
       <p:cxnSp>
         <p:nvCxnSpPr>
-          <p:cNvPr id="56" name="Straight Arrow Connector 55">
-            <a:extLst>
-              <a:ext uri="{FF2B5EF4-FFF2-40B4-BE49-F238E27FC236}">
-                <a16:creationId xmlns:a16="http://schemas.microsoft.com/office/drawing/2014/main" xmlns="" id="{73EAD4DE-61AB-4DB5-941E-B99807AA6131}"/>
-              </a:ext>
-            </a:extLst>
-          </p:cNvPr>
-          <p:cNvCxnSpPr>
-            <a:cxnSpLocks/>
-          </p:cNvCxnSpPr>
+          <p:cNvPr id="126" name="Straight Arrow Connector 125">
+            <a:extLst>
+              <a:ext uri="{FF2B5EF4-FFF2-40B4-BE49-F238E27FC236}">
+                <a16:creationId xmlns:a16="http://schemas.microsoft.com/office/drawing/2014/main" id="{902BA489-F658-4DE9-956E-B856779AE2C5}"/>
+              </a:ext>
+            </a:extLst>
+          </p:cNvPr>
+          <p:cNvCxnSpPr/>
           <p:nvPr/>
         </p:nvCxnSpPr>
         <p:spPr>
           <a:xfrm>
-            <a:off x="4135463" y="3626790"/>
-            <a:ext cx="1491232" cy="375023"/>
+            <a:off x="4324441" y="3954615"/>
+            <a:ext cx="0" cy="182880"/>
           </a:xfrm>
           <a:prstGeom prst="straightConnector1">
             <a:avLst/>
           </a:prstGeom>
-          <a:ln w="38100">
+          <a:ln w="0">
             <a:tailEnd type="triangle"/>
           </a:ln>
         </p:spPr>
@@ -4385,27 +6079,25 @@
       </p:cxnSp>
       <p:cxnSp>
         <p:nvCxnSpPr>
-          <p:cNvPr id="63" name="Straight Arrow Connector 62">
-            <a:extLst>
-              <a:ext uri="{FF2B5EF4-FFF2-40B4-BE49-F238E27FC236}">
-                <a16:creationId xmlns:a16="http://schemas.microsoft.com/office/drawing/2014/main" xmlns="" id="{59AB2FF6-8689-4953-AF06-439367B3BA22}"/>
-              </a:ext>
-            </a:extLst>
-          </p:cNvPr>
-          <p:cNvCxnSpPr>
-            <a:cxnSpLocks/>
-          </p:cNvCxnSpPr>
+          <p:cNvPr id="127" name="Straight Arrow Connector 126">
+            <a:extLst>
+              <a:ext uri="{FF2B5EF4-FFF2-40B4-BE49-F238E27FC236}">
+                <a16:creationId xmlns:a16="http://schemas.microsoft.com/office/drawing/2014/main" id="{5BE600AA-D79F-4B5E-A550-4D1ACBE20510}"/>
+              </a:ext>
+            </a:extLst>
+          </p:cNvPr>
+          <p:cNvCxnSpPr/>
           <p:nvPr/>
         </p:nvCxnSpPr>
         <p:spPr>
-          <a:xfrm>
-            <a:off x="9270609" y="2248078"/>
-            <a:ext cx="1885071" cy="2928833"/>
+          <a:xfrm flipH="1">
+            <a:off x="4320178" y="4559904"/>
+            <a:ext cx="0" cy="200660"/>
           </a:xfrm>
           <a:prstGeom prst="straightConnector1">
             <a:avLst/>
           </a:prstGeom>
-          <a:ln w="38100">
+          <a:ln w="0">
             <a:tailEnd type="triangle"/>
           </a:ln>
         </p:spPr>
@@ -4426,25 +6118,2006 @@
       </p:cxnSp>
       <p:sp>
         <p:nvSpPr>
-          <p:cNvPr id="67" name="TextBox 66">
-            <a:extLst>
-              <a:ext uri="{FF2B5EF4-FFF2-40B4-BE49-F238E27FC236}">
-                <a16:creationId xmlns:a16="http://schemas.microsoft.com/office/drawing/2014/main" xmlns="" id="{D14F0DBF-BC35-4A50-8163-3062C137C1EF}"/>
-              </a:ext>
-            </a:extLst>
-          </p:cNvPr>
-          <p:cNvSpPr txBox="1"/>
+          <p:cNvPr id="128" name="Rectangle: Rounded Corners 127">
+            <a:extLst>
+              <a:ext uri="{FF2B5EF4-FFF2-40B4-BE49-F238E27FC236}">
+                <a16:creationId xmlns:a16="http://schemas.microsoft.com/office/drawing/2014/main" id="{DA4134BF-4AEB-4C11-9BC5-9C7F9085D342}"/>
+              </a:ext>
+            </a:extLst>
+          </p:cNvPr>
+          <p:cNvSpPr/>
           <p:nvPr/>
         </p:nvSpPr>
         <p:spPr>
           <a:xfrm>
-            <a:off x="5233182" y="2319410"/>
-            <a:ext cx="2250830" cy="261610"/>
+            <a:off x="6074649" y="804055"/>
+            <a:ext cx="4140835" cy="4609772"/>
+          </a:xfrm>
+          <a:prstGeom prst="roundRect">
+            <a:avLst/>
+          </a:prstGeom>
+          <a:noFill/>
+          <a:ln>
+            <a:solidFill>
+              <a:srgbClr val="00B050"/>
+            </a:solidFill>
+            <a:prstDash val="sysDash"/>
+          </a:ln>
+        </p:spPr>
+        <p:style>
+          <a:lnRef idx="2">
+            <a:schemeClr val="accent1">
+              <a:shade val="50000"/>
+            </a:schemeClr>
+          </a:lnRef>
+          <a:fillRef idx="1">
+            <a:schemeClr val="accent1"/>
+          </a:fillRef>
+          <a:effectRef idx="0">
+            <a:schemeClr val="accent1"/>
+          </a:effectRef>
+          <a:fontRef idx="minor">
+            <a:schemeClr val="lt1"/>
+          </a:fontRef>
+        </p:style>
+        <p:txBody>
+          <a:bodyPr rot="0" spcFirstLastPara="0" vert="horz" wrap="square" lIns="91440" tIns="45720" rIns="91440" bIns="45720" numCol="1" spcCol="0" rtlCol="0" fromWordArt="0" anchor="ctr" anchorCtr="0" forceAA="0" compatLnSpc="1">
+            <a:prstTxWarp prst="textNoShape">
+              <a:avLst/>
+            </a:prstTxWarp>
+            <a:noAutofit/>
+          </a:bodyPr>
+          <a:lstStyle/>
+          <a:p>
+            <a:endParaRPr lang="en-US"/>
+          </a:p>
+        </p:txBody>
+      </p:sp>
+      <p:sp>
+        <p:nvSpPr>
+          <p:cNvPr id="129" name="Rectangle: Rounded Corners 128">
+            <a:extLst>
+              <a:ext uri="{FF2B5EF4-FFF2-40B4-BE49-F238E27FC236}">
+                <a16:creationId xmlns:a16="http://schemas.microsoft.com/office/drawing/2014/main" id="{1C9E19C4-34FF-4FB6-ADA9-4A4431528034}"/>
+              </a:ext>
+            </a:extLst>
+          </p:cNvPr>
+          <p:cNvSpPr/>
+          <p:nvPr/>
+        </p:nvSpPr>
+        <p:spPr>
+          <a:xfrm>
+            <a:off x="2756194" y="804055"/>
+            <a:ext cx="3268186" cy="5147137"/>
+          </a:xfrm>
+          <a:prstGeom prst="roundRect">
+            <a:avLst/>
+          </a:prstGeom>
+          <a:noFill/>
+          <a:ln>
+            <a:solidFill>
+              <a:srgbClr val="00B050"/>
+            </a:solidFill>
+            <a:prstDash val="sysDash"/>
+          </a:ln>
+        </p:spPr>
+        <p:style>
+          <a:lnRef idx="2">
+            <a:schemeClr val="accent1">
+              <a:shade val="50000"/>
+            </a:schemeClr>
+          </a:lnRef>
+          <a:fillRef idx="1">
+            <a:schemeClr val="accent1"/>
+          </a:fillRef>
+          <a:effectRef idx="0">
+            <a:schemeClr val="accent1"/>
+          </a:effectRef>
+          <a:fontRef idx="minor">
+            <a:schemeClr val="lt1"/>
+          </a:fontRef>
+        </p:style>
+        <p:txBody>
+          <a:bodyPr rot="0" spcFirstLastPara="0" vert="horz" wrap="square" lIns="91440" tIns="45720" rIns="91440" bIns="45720" numCol="1" spcCol="0" rtlCol="0" fromWordArt="0" anchor="ctr" anchorCtr="0" forceAA="0" compatLnSpc="1">
+            <a:prstTxWarp prst="textNoShape">
+              <a:avLst/>
+            </a:prstTxWarp>
+            <a:noAutofit/>
+          </a:bodyPr>
+          <a:lstStyle/>
+          <a:p>
+            <a:endParaRPr lang="en-US"/>
+          </a:p>
+        </p:txBody>
+      </p:sp>
+      <p:cxnSp>
+        <p:nvCxnSpPr>
+          <p:cNvPr id="130" name="Straight Arrow Connector 129">
+            <a:extLst>
+              <a:ext uri="{FF2B5EF4-FFF2-40B4-BE49-F238E27FC236}">
+                <a16:creationId xmlns:a16="http://schemas.microsoft.com/office/drawing/2014/main" id="{438E4EA6-5A85-4252-8546-E97240F9C8DF}"/>
+              </a:ext>
+            </a:extLst>
+          </p:cNvPr>
+          <p:cNvCxnSpPr/>
+          <p:nvPr/>
+        </p:nvCxnSpPr>
+        <p:spPr>
+          <a:xfrm>
+            <a:off x="7117080" y="3032271"/>
+            <a:ext cx="0" cy="146050"/>
+          </a:xfrm>
+          <a:prstGeom prst="straightConnector1">
+            <a:avLst/>
+          </a:prstGeom>
+          <a:ln w="0">
+            <a:tailEnd type="triangle"/>
+          </a:ln>
+        </p:spPr>
+        <p:style>
+          <a:lnRef idx="1">
+            <a:schemeClr val="accent1"/>
+          </a:lnRef>
+          <a:fillRef idx="0">
+            <a:schemeClr val="accent1"/>
+          </a:fillRef>
+          <a:effectRef idx="0">
+            <a:schemeClr val="accent1"/>
+          </a:effectRef>
+          <a:fontRef idx="minor">
+            <a:schemeClr val="tx1"/>
+          </a:fontRef>
+        </p:style>
+      </p:cxnSp>
+      <p:cxnSp>
+        <p:nvCxnSpPr>
+          <p:cNvPr id="131" name="Connector: Elbow 130">
+            <a:extLst>
+              <a:ext uri="{FF2B5EF4-FFF2-40B4-BE49-F238E27FC236}">
+                <a16:creationId xmlns:a16="http://schemas.microsoft.com/office/drawing/2014/main" id="{D2F116F8-399C-4F55-8C7A-D711AA8C9AF4}"/>
+              </a:ext>
+            </a:extLst>
+          </p:cNvPr>
+          <p:cNvCxnSpPr/>
+          <p:nvPr/>
+        </p:nvCxnSpPr>
+        <p:spPr>
+          <a:xfrm flipH="1" flipV="1">
+            <a:off x="7696200" y="2947181"/>
+            <a:ext cx="123825" cy="533400"/>
+          </a:xfrm>
+          <a:prstGeom prst="bentConnector3">
+            <a:avLst>
+              <a:gd name="adj1" fmla="val -88461"/>
+            </a:avLst>
+          </a:prstGeom>
+          <a:ln>
+            <a:tailEnd type="triangle"/>
+          </a:ln>
+        </p:spPr>
+        <p:style>
+          <a:lnRef idx="1">
+            <a:schemeClr val="accent1"/>
+          </a:lnRef>
+          <a:fillRef idx="0">
+            <a:schemeClr val="accent1"/>
+          </a:fillRef>
+          <a:effectRef idx="0">
+            <a:schemeClr val="accent1"/>
+          </a:effectRef>
+          <a:fontRef idx="minor">
+            <a:schemeClr val="tx1"/>
+          </a:fontRef>
+        </p:style>
+      </p:cxnSp>
+      <p:sp>
+        <p:nvSpPr>
+          <p:cNvPr id="2072" name="Text Box 96">
+            <a:extLst>
+              <a:ext uri="{FF2B5EF4-FFF2-40B4-BE49-F238E27FC236}">
+                <a16:creationId xmlns:a16="http://schemas.microsoft.com/office/drawing/2014/main" id="{7FFC3276-DF71-4E8F-B7EC-901945D6FCE1}"/>
+              </a:ext>
+            </a:extLst>
+          </p:cNvPr>
+          <p:cNvSpPr txBox="1">
+            <a:spLocks noChangeArrowheads="1"/>
+          </p:cNvSpPr>
+          <p:nvPr/>
+        </p:nvSpPr>
+        <p:spPr bwMode="auto">
+          <a:xfrm>
+            <a:off x="9122092" y="3751726"/>
+            <a:ext cx="434975" cy="339725"/>
+          </a:xfrm>
+          <a:prstGeom prst="rect">
+            <a:avLst/>
+          </a:prstGeom>
+          <a:solidFill>
+            <a:srgbClr val="00FF00"/>
+          </a:solidFill>
+          <a:ln w="9525">
+            <a:solidFill>
+              <a:srgbClr val="000000"/>
+            </a:solidFill>
+            <a:miter lim="800000"/>
+            <a:headEnd/>
+            <a:tailEnd/>
+          </a:ln>
+        </p:spPr>
+        <p:txBody>
+          <a:bodyPr vert="horz" wrap="square" lIns="91440" tIns="45720" rIns="91440" bIns="45720" numCol="1" anchor="t" anchorCtr="0" compatLnSpc="1">
+            <a:prstTxWarp prst="textNoShape">
+              <a:avLst/>
+            </a:prstTxWarp>
+          </a:bodyPr>
+          <a:lstStyle/>
+          <a:p>
+            <a:pPr marL="0" marR="0" lvl="0" indent="0" algn="l" defTabSz="914400" rtl="0" eaLnBrk="0" fontAlgn="base" latinLnBrk="0" hangingPunct="0">
+              <a:lnSpc>
+                <a:spcPct val="100000"/>
+              </a:lnSpc>
+              <a:spcBef>
+                <a:spcPct val="0"/>
+              </a:spcBef>
+              <a:spcAft>
+                <a:spcPct val="0"/>
+              </a:spcAft>
+              <a:buClrTx/>
+              <a:buSzTx/>
+              <a:buFontTx/>
+              <a:buNone/>
+              <a:tabLst/>
+            </a:pPr>
+            <a:r>
+              <a:rPr kumimoji="0" lang="en-GB" altLang="en-US" sz="1100" b="0" i="0" u="none" strike="noStrike" cap="none" normalizeH="0" baseline="0">
+                <a:ln>
+                  <a:noFill/>
+                </a:ln>
+                <a:solidFill>
+                  <a:schemeClr val="tx1"/>
+                </a:solidFill>
+                <a:effectLst/>
+                <a:latin typeface="Calibri" panose="020F0502020204030204" pitchFamily="34" charset="0"/>
+                <a:ea typeface="Calibri" panose="020F0502020204030204" pitchFamily="34" charset="0"/>
+                <a:cs typeface="Times New Roman" panose="02020603050405020304" pitchFamily="18" charset="0"/>
+              </a:rPr>
+              <a:t>NO</a:t>
+            </a:r>
+            <a:endParaRPr kumimoji="0" lang="en-GB" altLang="en-US" sz="1800" b="0" i="0" u="none" strike="noStrike" cap="none" normalizeH="0" baseline="0">
+              <a:ln>
+                <a:noFill/>
+              </a:ln>
+              <a:solidFill>
+                <a:schemeClr val="tx1"/>
+              </a:solidFill>
+              <a:effectLst/>
+              <a:latin typeface="Arial" panose="020B0604020202020204" pitchFamily="34" charset="0"/>
+            </a:endParaRPr>
+          </a:p>
+        </p:txBody>
+      </p:sp>
+      <p:sp>
+        <p:nvSpPr>
+          <p:cNvPr id="2073" name="Rectangle 128">
+            <a:extLst>
+              <a:ext uri="{FF2B5EF4-FFF2-40B4-BE49-F238E27FC236}">
+                <a16:creationId xmlns:a16="http://schemas.microsoft.com/office/drawing/2014/main" id="{CC3C2B26-0136-4DE8-B875-22D8A62A88DB}"/>
+              </a:ext>
+            </a:extLst>
+          </p:cNvPr>
+          <p:cNvSpPr>
+            <a:spLocks noChangeArrowheads="1"/>
+          </p:cNvSpPr>
+          <p:nvPr/>
+        </p:nvSpPr>
+        <p:spPr bwMode="auto">
+          <a:xfrm>
+            <a:off x="2800350" y="-100819"/>
+            <a:ext cx="12192000" cy="457200"/>
           </a:xfrm>
           <a:prstGeom prst="rect">
             <a:avLst/>
           </a:prstGeom>
           <a:noFill/>
+          <a:ln>
+            <a:noFill/>
+          </a:ln>
+          <a:effectLst/>
+          <a:extLst>
+            <a:ext uri="{909E8E84-426E-40DD-AFC4-6F175D3DCCD1}">
+              <a14:hiddenFill xmlns:a14="http://schemas.microsoft.com/office/drawing/2010/main">
+                <a:solidFill>
+                  <a:schemeClr val="accent1"/>
+                </a:solidFill>
+              </a14:hiddenFill>
+            </a:ext>
+            <a:ext uri="{91240B29-F687-4F45-9708-019B960494DF}">
+              <a14:hiddenLine xmlns:a14="http://schemas.microsoft.com/office/drawing/2010/main" w="9525">
+                <a:solidFill>
+                  <a:schemeClr val="tx1"/>
+                </a:solidFill>
+                <a:miter lim="800000"/>
+                <a:headEnd/>
+                <a:tailEnd/>
+              </a14:hiddenLine>
+            </a:ext>
+            <a:ext uri="{AF507438-7753-43E0-B8FC-AC1667EBCBE1}">
+              <a14:hiddenEffects xmlns:a14="http://schemas.microsoft.com/office/drawing/2010/main">
+                <a:effectLst>
+                  <a:outerShdw dist="35921" dir="2700000" algn="ctr" rotWithShape="0">
+                    <a:schemeClr val="bg2"/>
+                  </a:outerShdw>
+                </a:effectLst>
+              </a14:hiddenEffects>
+            </a:ext>
+          </a:extLst>
+        </p:spPr>
+        <p:txBody>
+          <a:bodyPr vert="horz" wrap="none" lIns="91440" tIns="45720" rIns="91440" bIns="45720" numCol="1" anchor="ctr" anchorCtr="0" compatLnSpc="1">
+            <a:prstTxWarp prst="textNoShape">
+              <a:avLst/>
+            </a:prstTxWarp>
+            <a:spAutoFit/>
+          </a:bodyPr>
+          <a:lstStyle/>
+          <a:p>
+            <a:endParaRPr lang="en-US"/>
+          </a:p>
+        </p:txBody>
+      </p:sp>
+      <p:sp>
+        <p:nvSpPr>
+          <p:cNvPr id="2074" name="Rectangle 129">
+            <a:extLst>
+              <a:ext uri="{FF2B5EF4-FFF2-40B4-BE49-F238E27FC236}">
+                <a16:creationId xmlns:a16="http://schemas.microsoft.com/office/drawing/2014/main" id="{9D65540C-F88D-4720-9700-17C06F0960F4}"/>
+              </a:ext>
+            </a:extLst>
+          </p:cNvPr>
+          <p:cNvSpPr>
+            <a:spLocks noChangeArrowheads="1"/>
+          </p:cNvSpPr>
+          <p:nvPr/>
+        </p:nvSpPr>
+        <p:spPr bwMode="auto">
+          <a:xfrm>
+            <a:off x="2800350" y="356381"/>
+            <a:ext cx="12192000" cy="0"/>
+          </a:xfrm>
+          <a:prstGeom prst="rect">
+            <a:avLst/>
+          </a:prstGeom>
+          <a:noFill/>
+          <a:ln>
+            <a:noFill/>
+          </a:ln>
+          <a:effectLst/>
+          <a:extLst>
+            <a:ext uri="{909E8E84-426E-40DD-AFC4-6F175D3DCCD1}">
+              <a14:hiddenFill xmlns:a14="http://schemas.microsoft.com/office/drawing/2010/main">
+                <a:solidFill>
+                  <a:schemeClr val="accent1"/>
+                </a:solidFill>
+              </a14:hiddenFill>
+            </a:ext>
+            <a:ext uri="{91240B29-F687-4F45-9708-019B960494DF}">
+              <a14:hiddenLine xmlns:a14="http://schemas.microsoft.com/office/drawing/2010/main" w="9525">
+                <a:solidFill>
+                  <a:schemeClr val="tx1"/>
+                </a:solidFill>
+                <a:miter lim="800000"/>
+                <a:headEnd/>
+                <a:tailEnd/>
+              </a14:hiddenLine>
+            </a:ext>
+            <a:ext uri="{AF507438-7753-43E0-B8FC-AC1667EBCBE1}">
+              <a14:hiddenEffects xmlns:a14="http://schemas.microsoft.com/office/drawing/2010/main">
+                <a:effectLst>
+                  <a:outerShdw dist="35921" dir="2700000" algn="ctr" rotWithShape="0">
+                    <a:schemeClr val="bg2"/>
+                  </a:outerShdw>
+                </a:effectLst>
+              </a14:hiddenEffects>
+            </a:ext>
+          </a:extLst>
+        </p:spPr>
+        <p:txBody>
+          <a:bodyPr vert="horz" wrap="none" lIns="91440" tIns="45720" rIns="91440" bIns="45720" numCol="1" anchor="ctr" anchorCtr="0" compatLnSpc="1">
+            <a:prstTxWarp prst="textNoShape">
+              <a:avLst/>
+            </a:prstTxWarp>
+            <a:spAutoFit/>
+          </a:bodyPr>
+          <a:lstStyle/>
+          <a:p>
+            <a:endParaRPr lang="en-US"/>
+          </a:p>
+        </p:txBody>
+      </p:sp>
+      <p:sp>
+        <p:nvSpPr>
+          <p:cNvPr id="2075" name="Rectangle 131">
+            <a:extLst>
+              <a:ext uri="{FF2B5EF4-FFF2-40B4-BE49-F238E27FC236}">
+                <a16:creationId xmlns:a16="http://schemas.microsoft.com/office/drawing/2014/main" id="{F284460E-B8B3-48EB-A9FB-969ACAB47478}"/>
+              </a:ext>
+            </a:extLst>
+          </p:cNvPr>
+          <p:cNvSpPr>
+            <a:spLocks noChangeArrowheads="1"/>
+          </p:cNvSpPr>
+          <p:nvPr/>
+        </p:nvSpPr>
+        <p:spPr bwMode="auto">
+          <a:xfrm>
+            <a:off x="2800350" y="356381"/>
+            <a:ext cx="12192000" cy="0"/>
+          </a:xfrm>
+          <a:prstGeom prst="rect">
+            <a:avLst/>
+          </a:prstGeom>
+          <a:noFill/>
+          <a:ln>
+            <a:noFill/>
+          </a:ln>
+          <a:effectLst/>
+          <a:extLst>
+            <a:ext uri="{909E8E84-426E-40DD-AFC4-6F175D3DCCD1}">
+              <a14:hiddenFill xmlns:a14="http://schemas.microsoft.com/office/drawing/2010/main">
+                <a:solidFill>
+                  <a:schemeClr val="accent1"/>
+                </a:solidFill>
+              </a14:hiddenFill>
+            </a:ext>
+            <a:ext uri="{91240B29-F687-4F45-9708-019B960494DF}">
+              <a14:hiddenLine xmlns:a14="http://schemas.microsoft.com/office/drawing/2010/main" w="9525">
+                <a:solidFill>
+                  <a:schemeClr val="tx1"/>
+                </a:solidFill>
+                <a:miter lim="800000"/>
+                <a:headEnd/>
+                <a:tailEnd/>
+              </a14:hiddenLine>
+            </a:ext>
+            <a:ext uri="{AF507438-7753-43E0-B8FC-AC1667EBCBE1}">
+              <a14:hiddenEffects xmlns:a14="http://schemas.microsoft.com/office/drawing/2010/main">
+                <a:effectLst>
+                  <a:outerShdw dist="35921" dir="2700000" algn="ctr" rotWithShape="0">
+                    <a:schemeClr val="bg2"/>
+                  </a:outerShdw>
+                </a:effectLst>
+              </a14:hiddenEffects>
+            </a:ext>
+          </a:extLst>
+        </p:spPr>
+        <p:txBody>
+          <a:bodyPr vert="horz" wrap="none" lIns="91440" tIns="45720" rIns="91440" bIns="45720" numCol="1" anchor="ctr" anchorCtr="0" compatLnSpc="1">
+            <a:prstTxWarp prst="textNoShape">
+              <a:avLst/>
+            </a:prstTxWarp>
+            <a:spAutoFit/>
+          </a:bodyPr>
+          <a:lstStyle/>
+          <a:p>
+            <a:endParaRPr lang="en-US"/>
+          </a:p>
+        </p:txBody>
+      </p:sp>
+      <p:sp>
+        <p:nvSpPr>
+          <p:cNvPr id="2076" name="Rectangle 133">
+            <a:extLst>
+              <a:ext uri="{FF2B5EF4-FFF2-40B4-BE49-F238E27FC236}">
+                <a16:creationId xmlns:a16="http://schemas.microsoft.com/office/drawing/2014/main" id="{53C449B9-AFCD-4CCB-9E41-3542EB9381D8}"/>
+              </a:ext>
+            </a:extLst>
+          </p:cNvPr>
+          <p:cNvSpPr>
+            <a:spLocks noChangeArrowheads="1"/>
+          </p:cNvSpPr>
+          <p:nvPr/>
+        </p:nvSpPr>
+        <p:spPr bwMode="auto">
+          <a:xfrm>
+            <a:off x="7965280" y="1288517"/>
+            <a:ext cx="645839" cy="430887"/>
+          </a:xfrm>
+          <a:prstGeom prst="rect">
+            <a:avLst/>
+          </a:prstGeom>
+          <a:noFill/>
+          <a:ln>
+            <a:noFill/>
+          </a:ln>
+          <a:effectLst/>
+          <a:extLst>
+            <a:ext uri="{909E8E84-426E-40DD-AFC4-6F175D3DCCD1}">
+              <a14:hiddenFill xmlns:a14="http://schemas.microsoft.com/office/drawing/2010/main">
+                <a:solidFill>
+                  <a:schemeClr val="accent1"/>
+                </a:solidFill>
+              </a14:hiddenFill>
+            </a:ext>
+            <a:ext uri="{91240B29-F687-4F45-9708-019B960494DF}">
+              <a14:hiddenLine xmlns:a14="http://schemas.microsoft.com/office/drawing/2010/main" w="9525">
+                <a:solidFill>
+                  <a:schemeClr val="tx1"/>
+                </a:solidFill>
+                <a:miter lim="800000"/>
+                <a:headEnd/>
+                <a:tailEnd/>
+              </a14:hiddenLine>
+            </a:ext>
+            <a:ext uri="{AF507438-7753-43E0-B8FC-AC1667EBCBE1}">
+              <a14:hiddenEffects xmlns:a14="http://schemas.microsoft.com/office/drawing/2010/main">
+                <a:effectLst>
+                  <a:outerShdw dist="35921" dir="2700000" algn="ctr" rotWithShape="0">
+                    <a:schemeClr val="bg2"/>
+                  </a:outerShdw>
+                </a:effectLst>
+              </a14:hiddenEffects>
+            </a:ext>
+          </a:extLst>
+        </p:spPr>
+        <p:txBody>
+          <a:bodyPr vert="horz" wrap="square" lIns="91440" tIns="45720" rIns="91440" bIns="45720" numCol="1" anchor="ctr" anchorCtr="0" compatLnSpc="1">
+            <a:prstTxWarp prst="textNoShape">
+              <a:avLst/>
+            </a:prstTxWarp>
+            <a:spAutoFit/>
+          </a:bodyPr>
+          <a:lstStyle>
+            <a:lvl1pPr eaLnBrk="0" fontAlgn="base" hangingPunct="0">
+              <a:spcBef>
+                <a:spcPct val="0"/>
+              </a:spcBef>
+              <a:spcAft>
+                <a:spcPct val="0"/>
+              </a:spcAft>
+              <a:tabLst>
+                <a:tab pos="4162425" algn="l"/>
+              </a:tabLst>
+              <a:defRPr>
+                <a:solidFill>
+                  <a:schemeClr val="tx1"/>
+                </a:solidFill>
+                <a:latin typeface="Arial" panose="020B0604020202020204" pitchFamily="34" charset="0"/>
+              </a:defRPr>
+            </a:lvl1pPr>
+            <a:lvl2pPr eaLnBrk="0" fontAlgn="base" hangingPunct="0">
+              <a:spcBef>
+                <a:spcPct val="0"/>
+              </a:spcBef>
+              <a:spcAft>
+                <a:spcPct val="0"/>
+              </a:spcAft>
+              <a:tabLst>
+                <a:tab pos="4162425" algn="l"/>
+              </a:tabLst>
+              <a:defRPr>
+                <a:solidFill>
+                  <a:schemeClr val="tx1"/>
+                </a:solidFill>
+                <a:latin typeface="Arial" panose="020B0604020202020204" pitchFamily="34" charset="0"/>
+              </a:defRPr>
+            </a:lvl2pPr>
+            <a:lvl3pPr eaLnBrk="0" fontAlgn="base" hangingPunct="0">
+              <a:spcBef>
+                <a:spcPct val="0"/>
+              </a:spcBef>
+              <a:spcAft>
+                <a:spcPct val="0"/>
+              </a:spcAft>
+              <a:tabLst>
+                <a:tab pos="4162425" algn="l"/>
+              </a:tabLst>
+              <a:defRPr>
+                <a:solidFill>
+                  <a:schemeClr val="tx1"/>
+                </a:solidFill>
+                <a:latin typeface="Arial" panose="020B0604020202020204" pitchFamily="34" charset="0"/>
+              </a:defRPr>
+            </a:lvl3pPr>
+            <a:lvl4pPr eaLnBrk="0" fontAlgn="base" hangingPunct="0">
+              <a:spcBef>
+                <a:spcPct val="0"/>
+              </a:spcBef>
+              <a:spcAft>
+                <a:spcPct val="0"/>
+              </a:spcAft>
+              <a:tabLst>
+                <a:tab pos="4162425" algn="l"/>
+              </a:tabLst>
+              <a:defRPr>
+                <a:solidFill>
+                  <a:schemeClr val="tx1"/>
+                </a:solidFill>
+                <a:latin typeface="Arial" panose="020B0604020202020204" pitchFamily="34" charset="0"/>
+              </a:defRPr>
+            </a:lvl4pPr>
+            <a:lvl5pPr eaLnBrk="0" fontAlgn="base" hangingPunct="0">
+              <a:spcBef>
+                <a:spcPct val="0"/>
+              </a:spcBef>
+              <a:spcAft>
+                <a:spcPct val="0"/>
+              </a:spcAft>
+              <a:tabLst>
+                <a:tab pos="4162425" algn="l"/>
+              </a:tabLst>
+              <a:defRPr>
+                <a:solidFill>
+                  <a:schemeClr val="tx1"/>
+                </a:solidFill>
+                <a:latin typeface="Arial" panose="020B0604020202020204" pitchFamily="34" charset="0"/>
+              </a:defRPr>
+            </a:lvl5pPr>
+            <a:lvl6pPr eaLnBrk="0" fontAlgn="base" hangingPunct="0">
+              <a:spcBef>
+                <a:spcPct val="0"/>
+              </a:spcBef>
+              <a:spcAft>
+                <a:spcPct val="0"/>
+              </a:spcAft>
+              <a:tabLst>
+                <a:tab pos="4162425" algn="l"/>
+              </a:tabLst>
+              <a:defRPr>
+                <a:solidFill>
+                  <a:schemeClr val="tx1"/>
+                </a:solidFill>
+                <a:latin typeface="Arial" panose="020B0604020202020204" pitchFamily="34" charset="0"/>
+              </a:defRPr>
+            </a:lvl6pPr>
+            <a:lvl7pPr eaLnBrk="0" fontAlgn="base" hangingPunct="0">
+              <a:spcBef>
+                <a:spcPct val="0"/>
+              </a:spcBef>
+              <a:spcAft>
+                <a:spcPct val="0"/>
+              </a:spcAft>
+              <a:tabLst>
+                <a:tab pos="4162425" algn="l"/>
+              </a:tabLst>
+              <a:defRPr>
+                <a:solidFill>
+                  <a:schemeClr val="tx1"/>
+                </a:solidFill>
+                <a:latin typeface="Arial" panose="020B0604020202020204" pitchFamily="34" charset="0"/>
+              </a:defRPr>
+            </a:lvl7pPr>
+            <a:lvl8pPr eaLnBrk="0" fontAlgn="base" hangingPunct="0">
+              <a:spcBef>
+                <a:spcPct val="0"/>
+              </a:spcBef>
+              <a:spcAft>
+                <a:spcPct val="0"/>
+              </a:spcAft>
+              <a:tabLst>
+                <a:tab pos="4162425" algn="l"/>
+              </a:tabLst>
+              <a:defRPr>
+                <a:solidFill>
+                  <a:schemeClr val="tx1"/>
+                </a:solidFill>
+                <a:latin typeface="Arial" panose="020B0604020202020204" pitchFamily="34" charset="0"/>
+              </a:defRPr>
+            </a:lvl8pPr>
+            <a:lvl9pPr eaLnBrk="0" fontAlgn="base" hangingPunct="0">
+              <a:spcBef>
+                <a:spcPct val="0"/>
+              </a:spcBef>
+              <a:spcAft>
+                <a:spcPct val="0"/>
+              </a:spcAft>
+              <a:tabLst>
+                <a:tab pos="4162425" algn="l"/>
+              </a:tabLst>
+              <a:defRPr>
+                <a:solidFill>
+                  <a:schemeClr val="tx1"/>
+                </a:solidFill>
+                <a:latin typeface="Arial" panose="020B0604020202020204" pitchFamily="34" charset="0"/>
+              </a:defRPr>
+            </a:lvl9pPr>
+          </a:lstStyle>
+          <a:p>
+            <a:pPr marL="0" marR="0" lvl="0" indent="0" algn="l" defTabSz="914400" rtl="0" eaLnBrk="0" fontAlgn="base" latinLnBrk="0" hangingPunct="0">
+              <a:lnSpc>
+                <a:spcPct val="100000"/>
+              </a:lnSpc>
+              <a:spcBef>
+                <a:spcPct val="0"/>
+              </a:spcBef>
+              <a:spcAft>
+                <a:spcPct val="0"/>
+              </a:spcAft>
+              <a:buClrTx/>
+              <a:buSzTx/>
+              <a:buFontTx/>
+              <a:buNone/>
+              <a:tabLst>
+                <a:tab pos="4162425" algn="l"/>
+              </a:tabLst>
+            </a:pPr>
+            <a:r>
+              <a:rPr kumimoji="0" lang="en-GB" altLang="en-US" sz="1100" b="0" i="0" u="none" strike="noStrike" cap="none" normalizeH="0" baseline="0" dirty="0">
+                <a:ln>
+                  <a:noFill/>
+                </a:ln>
+                <a:solidFill>
+                  <a:schemeClr val="tx1"/>
+                </a:solidFill>
+                <a:effectLst/>
+                <a:latin typeface="Calibri" panose="020F0502020204030204" pitchFamily="34" charset="0"/>
+                <a:ea typeface="Calibri" panose="020F0502020204030204" pitchFamily="34" charset="0"/>
+                <a:cs typeface="Times New Roman" panose="02020603050405020304" pitchFamily="18" charset="0"/>
+              </a:rPr>
+              <a:t>Start</a:t>
+            </a:r>
+          </a:p>
+          <a:p>
+            <a:pPr marL="0" marR="0" lvl="0" indent="0" algn="l" defTabSz="914400" rtl="0" eaLnBrk="0" fontAlgn="base" latinLnBrk="0" hangingPunct="0">
+              <a:lnSpc>
+                <a:spcPct val="100000"/>
+              </a:lnSpc>
+              <a:spcBef>
+                <a:spcPct val="0"/>
+              </a:spcBef>
+              <a:spcAft>
+                <a:spcPct val="0"/>
+              </a:spcAft>
+              <a:buClrTx/>
+              <a:buSzTx/>
+              <a:buFontTx/>
+              <a:buNone/>
+              <a:tabLst>
+                <a:tab pos="4162425" algn="l"/>
+              </a:tabLst>
+            </a:pPr>
+            <a:r>
+              <a:rPr kumimoji="0" lang="en-GB" altLang="en-US" sz="1100" b="0" i="0" u="none" strike="noStrike" cap="none" normalizeH="0" baseline="0" dirty="0">
+                <a:ln>
+                  <a:noFill/>
+                </a:ln>
+                <a:solidFill>
+                  <a:schemeClr val="tx1"/>
+                </a:solidFill>
+                <a:effectLst/>
+                <a:latin typeface="Calibri" panose="020F0502020204030204" pitchFamily="34" charset="0"/>
+                <a:ea typeface="Calibri" panose="020F0502020204030204" pitchFamily="34" charset="0"/>
+                <a:cs typeface="Times New Roman" panose="02020603050405020304" pitchFamily="18" charset="0"/>
+              </a:rPr>
+              <a:t>	     </a:t>
+            </a:r>
+            <a:endParaRPr kumimoji="0" lang="en-US" altLang="en-US" sz="1800" b="0" i="0" u="none" strike="noStrike" cap="none" normalizeH="0" baseline="0" dirty="0">
+              <a:ln>
+                <a:noFill/>
+              </a:ln>
+              <a:solidFill>
+                <a:schemeClr val="tx1"/>
+              </a:solidFill>
+              <a:effectLst/>
+              <a:latin typeface="Arial" panose="020B0604020202020204" pitchFamily="34" charset="0"/>
+            </a:endParaRPr>
+          </a:p>
+        </p:txBody>
+      </p:sp>
+      <p:sp>
+        <p:nvSpPr>
+          <p:cNvPr id="2077" name="Rectangle 134">
+            <a:extLst>
+              <a:ext uri="{FF2B5EF4-FFF2-40B4-BE49-F238E27FC236}">
+                <a16:creationId xmlns:a16="http://schemas.microsoft.com/office/drawing/2014/main" id="{7E667802-53EF-44B9-93C1-5D3903A176EE}"/>
+              </a:ext>
+            </a:extLst>
+          </p:cNvPr>
+          <p:cNvSpPr>
+            <a:spLocks noChangeArrowheads="1"/>
+          </p:cNvSpPr>
+          <p:nvPr/>
+        </p:nvSpPr>
+        <p:spPr bwMode="auto">
+          <a:xfrm>
+            <a:off x="2800350" y="356381"/>
+            <a:ext cx="12192000" cy="0"/>
+          </a:xfrm>
+          <a:prstGeom prst="rect">
+            <a:avLst/>
+          </a:prstGeom>
+          <a:noFill/>
+          <a:ln>
+            <a:noFill/>
+          </a:ln>
+          <a:effectLst/>
+          <a:extLst>
+            <a:ext uri="{909E8E84-426E-40DD-AFC4-6F175D3DCCD1}">
+              <a14:hiddenFill xmlns:a14="http://schemas.microsoft.com/office/drawing/2010/main">
+                <a:solidFill>
+                  <a:schemeClr val="accent1"/>
+                </a:solidFill>
+              </a14:hiddenFill>
+            </a:ext>
+            <a:ext uri="{91240B29-F687-4F45-9708-019B960494DF}">
+              <a14:hiddenLine xmlns:a14="http://schemas.microsoft.com/office/drawing/2010/main" w="9525">
+                <a:solidFill>
+                  <a:schemeClr val="tx1"/>
+                </a:solidFill>
+                <a:miter lim="800000"/>
+                <a:headEnd/>
+                <a:tailEnd/>
+              </a14:hiddenLine>
+            </a:ext>
+            <a:ext uri="{AF507438-7753-43E0-B8FC-AC1667EBCBE1}">
+              <a14:hiddenEffects xmlns:a14="http://schemas.microsoft.com/office/drawing/2010/main">
+                <a:effectLst>
+                  <a:outerShdw dist="35921" dir="2700000" algn="ctr" rotWithShape="0">
+                    <a:schemeClr val="bg2"/>
+                  </a:outerShdw>
+                </a:effectLst>
+              </a14:hiddenEffects>
+            </a:ext>
+          </a:extLst>
+        </p:spPr>
+        <p:txBody>
+          <a:bodyPr vert="horz" wrap="none" lIns="91440" tIns="45720" rIns="91440" bIns="45720" numCol="1" anchor="ctr" anchorCtr="0" compatLnSpc="1">
+            <a:prstTxWarp prst="textNoShape">
+              <a:avLst/>
+            </a:prstTxWarp>
+            <a:spAutoFit/>
+          </a:bodyPr>
+          <a:lstStyle/>
+          <a:p>
+            <a:pPr marL="0" marR="0" lvl="0" indent="0" algn="l" defTabSz="914400" rtl="0" eaLnBrk="0" fontAlgn="base" latinLnBrk="0" hangingPunct="0">
+              <a:lnSpc>
+                <a:spcPct val="100000"/>
+              </a:lnSpc>
+              <a:spcBef>
+                <a:spcPct val="0"/>
+              </a:spcBef>
+              <a:spcAft>
+                <a:spcPct val="0"/>
+              </a:spcAft>
+              <a:buClrTx/>
+              <a:buSzTx/>
+              <a:buFontTx/>
+              <a:buNone/>
+              <a:tabLst/>
+            </a:pPr>
+            <a:br>
+              <a:rPr kumimoji="0" lang="en-US" altLang="en-US" sz="1800" b="0" i="0" u="none" strike="noStrike" cap="none" normalizeH="0" baseline="0">
+                <a:ln>
+                  <a:noFill/>
+                </a:ln>
+                <a:solidFill>
+                  <a:schemeClr val="tx1"/>
+                </a:solidFill>
+                <a:effectLst/>
+                <a:latin typeface="Arial" panose="020B0604020202020204" pitchFamily="34" charset="0"/>
+              </a:rPr>
+            </a:br>
+            <a:endParaRPr kumimoji="0" lang="en-US" altLang="en-US" sz="1800" b="0" i="0" u="none" strike="noStrike" cap="none" normalizeH="0" baseline="0">
+              <a:ln>
+                <a:noFill/>
+              </a:ln>
+              <a:solidFill>
+                <a:schemeClr val="tx1"/>
+              </a:solidFill>
+              <a:effectLst/>
+              <a:latin typeface="Arial" panose="020B0604020202020204" pitchFamily="34" charset="0"/>
+            </a:endParaRPr>
+          </a:p>
+          <a:p>
+            <a:pPr marL="0" marR="0" lvl="0" indent="0" algn="l" defTabSz="914400" rtl="0" eaLnBrk="0" fontAlgn="base" latinLnBrk="0" hangingPunct="0">
+              <a:lnSpc>
+                <a:spcPct val="100000"/>
+              </a:lnSpc>
+              <a:spcBef>
+                <a:spcPct val="0"/>
+              </a:spcBef>
+              <a:spcAft>
+                <a:spcPct val="0"/>
+              </a:spcAft>
+              <a:buClrTx/>
+              <a:buSzTx/>
+              <a:buFontTx/>
+              <a:buNone/>
+              <a:tabLst/>
+            </a:pPr>
+            <a:endParaRPr kumimoji="0" lang="en-US" altLang="en-US" sz="1800" b="0" i="0" u="none" strike="noStrike" cap="none" normalizeH="0" baseline="0">
+              <a:ln>
+                <a:noFill/>
+              </a:ln>
+              <a:solidFill>
+                <a:schemeClr val="tx1"/>
+              </a:solidFill>
+              <a:effectLst/>
+              <a:latin typeface="Arial" panose="020B0604020202020204" pitchFamily="34" charset="0"/>
+            </a:endParaRPr>
+          </a:p>
+        </p:txBody>
+      </p:sp>
+      <p:sp>
+        <p:nvSpPr>
+          <p:cNvPr id="2078" name="Rectangle 136">
+            <a:extLst>
+              <a:ext uri="{FF2B5EF4-FFF2-40B4-BE49-F238E27FC236}">
+                <a16:creationId xmlns:a16="http://schemas.microsoft.com/office/drawing/2014/main" id="{4706DB74-9442-4A78-A5EC-E9C747A7159B}"/>
+              </a:ext>
+            </a:extLst>
+          </p:cNvPr>
+          <p:cNvSpPr>
+            <a:spLocks noChangeArrowheads="1"/>
+          </p:cNvSpPr>
+          <p:nvPr/>
+        </p:nvSpPr>
+        <p:spPr bwMode="auto">
+          <a:xfrm>
+            <a:off x="2800350" y="356381"/>
+            <a:ext cx="12192000" cy="0"/>
+          </a:xfrm>
+          <a:prstGeom prst="rect">
+            <a:avLst/>
+          </a:prstGeom>
+          <a:noFill/>
+          <a:ln>
+            <a:noFill/>
+          </a:ln>
+          <a:effectLst/>
+          <a:extLst>
+            <a:ext uri="{909E8E84-426E-40DD-AFC4-6F175D3DCCD1}">
+              <a14:hiddenFill xmlns:a14="http://schemas.microsoft.com/office/drawing/2010/main">
+                <a:solidFill>
+                  <a:schemeClr val="accent1"/>
+                </a:solidFill>
+              </a14:hiddenFill>
+            </a:ext>
+            <a:ext uri="{91240B29-F687-4F45-9708-019B960494DF}">
+              <a14:hiddenLine xmlns:a14="http://schemas.microsoft.com/office/drawing/2010/main" w="9525">
+                <a:solidFill>
+                  <a:schemeClr val="tx1"/>
+                </a:solidFill>
+                <a:miter lim="800000"/>
+                <a:headEnd/>
+                <a:tailEnd/>
+              </a14:hiddenLine>
+            </a:ext>
+            <a:ext uri="{AF507438-7753-43E0-B8FC-AC1667EBCBE1}">
+              <a14:hiddenEffects xmlns:a14="http://schemas.microsoft.com/office/drawing/2010/main">
+                <a:effectLst>
+                  <a:outerShdw dist="35921" dir="2700000" algn="ctr" rotWithShape="0">
+                    <a:schemeClr val="bg2"/>
+                  </a:outerShdw>
+                </a:effectLst>
+              </a14:hiddenEffects>
+            </a:ext>
+          </a:extLst>
+        </p:spPr>
+        <p:txBody>
+          <a:bodyPr vert="horz" wrap="none" lIns="91440" tIns="45720" rIns="91440" bIns="45720" numCol="1" anchor="ctr" anchorCtr="0" compatLnSpc="1">
+            <a:prstTxWarp prst="textNoShape">
+              <a:avLst/>
+            </a:prstTxWarp>
+            <a:spAutoFit/>
+          </a:bodyPr>
+          <a:lstStyle/>
+          <a:p>
+            <a:pPr marL="0" marR="0" lvl="0" indent="0" algn="l" defTabSz="914400" rtl="0" eaLnBrk="0" fontAlgn="base" latinLnBrk="0" hangingPunct="0">
+              <a:lnSpc>
+                <a:spcPct val="100000"/>
+              </a:lnSpc>
+              <a:spcBef>
+                <a:spcPct val="0"/>
+              </a:spcBef>
+              <a:spcAft>
+                <a:spcPct val="0"/>
+              </a:spcAft>
+              <a:buClrTx/>
+              <a:buSzTx/>
+              <a:buFontTx/>
+              <a:buNone/>
+              <a:tabLst/>
+            </a:pPr>
+            <a:endParaRPr kumimoji="0" lang="en-US" altLang="en-US" sz="1100" b="0" i="0" u="none" strike="noStrike" cap="none" normalizeH="0" baseline="0">
+              <a:ln>
+                <a:noFill/>
+              </a:ln>
+              <a:solidFill>
+                <a:schemeClr val="tx1"/>
+              </a:solidFill>
+              <a:effectLst/>
+            </a:endParaRPr>
+          </a:p>
+          <a:p>
+            <a:pPr marL="0" marR="0" lvl="0" indent="0" algn="l" defTabSz="914400" rtl="0" eaLnBrk="0" fontAlgn="base" latinLnBrk="0" hangingPunct="0">
+              <a:lnSpc>
+                <a:spcPct val="100000"/>
+              </a:lnSpc>
+              <a:spcBef>
+                <a:spcPct val="0"/>
+              </a:spcBef>
+              <a:spcAft>
+                <a:spcPct val="0"/>
+              </a:spcAft>
+              <a:buClrTx/>
+              <a:buSzTx/>
+              <a:buFontTx/>
+              <a:buNone/>
+              <a:tabLst/>
+            </a:pPr>
+            <a:endParaRPr kumimoji="0" lang="en-US" altLang="en-US" sz="1800" b="0" i="0" u="none" strike="noStrike" cap="none" normalizeH="0" baseline="0">
+              <a:ln>
+                <a:noFill/>
+              </a:ln>
+              <a:solidFill>
+                <a:schemeClr val="tx1"/>
+              </a:solidFill>
+              <a:effectLst/>
+              <a:latin typeface="Arial" panose="020B0604020202020204" pitchFamily="34" charset="0"/>
+            </a:endParaRPr>
+          </a:p>
+        </p:txBody>
+      </p:sp>
+      <p:sp>
+        <p:nvSpPr>
+          <p:cNvPr id="69" name="Rectangle 142">
+            <a:extLst>
+              <a:ext uri="{FF2B5EF4-FFF2-40B4-BE49-F238E27FC236}">
+                <a16:creationId xmlns:a16="http://schemas.microsoft.com/office/drawing/2014/main" id="{C628ACEB-B480-4F47-957C-870D6018D3C6}"/>
+              </a:ext>
+            </a:extLst>
+          </p:cNvPr>
+          <p:cNvSpPr>
+            <a:spLocks noChangeArrowheads="1"/>
+          </p:cNvSpPr>
+          <p:nvPr/>
+        </p:nvSpPr>
+        <p:spPr bwMode="auto">
+          <a:xfrm>
+            <a:off x="2800350" y="356381"/>
+            <a:ext cx="12192000" cy="0"/>
+          </a:xfrm>
+          <a:prstGeom prst="rect">
+            <a:avLst/>
+          </a:prstGeom>
+          <a:noFill/>
+          <a:ln>
+            <a:noFill/>
+          </a:ln>
+          <a:effectLst/>
+          <a:extLst>
+            <a:ext uri="{909E8E84-426E-40DD-AFC4-6F175D3DCCD1}">
+              <a14:hiddenFill xmlns:a14="http://schemas.microsoft.com/office/drawing/2010/main">
+                <a:solidFill>
+                  <a:schemeClr val="accent1"/>
+                </a:solidFill>
+              </a14:hiddenFill>
+            </a:ext>
+            <a:ext uri="{91240B29-F687-4F45-9708-019B960494DF}">
+              <a14:hiddenLine xmlns:a14="http://schemas.microsoft.com/office/drawing/2010/main" w="9525">
+                <a:solidFill>
+                  <a:schemeClr val="tx1"/>
+                </a:solidFill>
+                <a:miter lim="800000"/>
+                <a:headEnd/>
+                <a:tailEnd/>
+              </a14:hiddenLine>
+            </a:ext>
+            <a:ext uri="{AF507438-7753-43E0-B8FC-AC1667EBCBE1}">
+              <a14:hiddenEffects xmlns:a14="http://schemas.microsoft.com/office/drawing/2010/main">
+                <a:effectLst>
+                  <a:outerShdw dist="35921" dir="2700000" algn="ctr" rotWithShape="0">
+                    <a:schemeClr val="bg2"/>
+                  </a:outerShdw>
+                </a:effectLst>
+              </a14:hiddenEffects>
+            </a:ext>
+          </a:extLst>
+        </p:spPr>
+        <p:txBody>
+          <a:bodyPr vert="horz" wrap="none" lIns="91440" tIns="45720" rIns="91440" bIns="45720" numCol="1" anchor="ctr" anchorCtr="0" compatLnSpc="1">
+            <a:prstTxWarp prst="textNoShape">
+              <a:avLst/>
+            </a:prstTxWarp>
+            <a:spAutoFit/>
+          </a:bodyPr>
+          <a:lstStyle/>
+          <a:p>
+            <a:endParaRPr lang="en-US"/>
+          </a:p>
+        </p:txBody>
+      </p:sp>
+      <p:sp>
+        <p:nvSpPr>
+          <p:cNvPr id="78" name="Rectangle 156">
+            <a:extLst>
+              <a:ext uri="{FF2B5EF4-FFF2-40B4-BE49-F238E27FC236}">
+                <a16:creationId xmlns:a16="http://schemas.microsoft.com/office/drawing/2014/main" id="{48D85857-87D1-44D3-BC5F-5323D1D4FECE}"/>
+              </a:ext>
+            </a:extLst>
+          </p:cNvPr>
+          <p:cNvSpPr>
+            <a:spLocks noChangeArrowheads="1"/>
+          </p:cNvSpPr>
+          <p:nvPr/>
+        </p:nvSpPr>
+        <p:spPr bwMode="auto">
+          <a:xfrm>
+            <a:off x="2643868" y="816907"/>
+            <a:ext cx="2060179" cy="261610"/>
+          </a:xfrm>
+          <a:prstGeom prst="rect">
+            <a:avLst/>
+          </a:prstGeom>
+          <a:noFill/>
+          <a:ln>
+            <a:noFill/>
+          </a:ln>
+          <a:effectLst/>
+          <a:extLst>
+            <a:ext uri="{909E8E84-426E-40DD-AFC4-6F175D3DCCD1}">
+              <a14:hiddenFill xmlns:a14="http://schemas.microsoft.com/office/drawing/2010/main">
+                <a:solidFill>
+                  <a:schemeClr val="accent1"/>
+                </a:solidFill>
+              </a14:hiddenFill>
+            </a:ext>
+            <a:ext uri="{91240B29-F687-4F45-9708-019B960494DF}">
+              <a14:hiddenLine xmlns:a14="http://schemas.microsoft.com/office/drawing/2010/main" w="9525">
+                <a:solidFill>
+                  <a:schemeClr val="tx1"/>
+                </a:solidFill>
+                <a:miter lim="800000"/>
+                <a:headEnd/>
+                <a:tailEnd/>
+              </a14:hiddenLine>
+            </a:ext>
+            <a:ext uri="{AF507438-7753-43E0-B8FC-AC1667EBCBE1}">
+              <a14:hiddenEffects xmlns:a14="http://schemas.microsoft.com/office/drawing/2010/main">
+                <a:effectLst>
+                  <a:outerShdw dist="35921" dir="2700000" algn="ctr" rotWithShape="0">
+                    <a:schemeClr val="bg2"/>
+                  </a:outerShdw>
+                </a:effectLst>
+              </a14:hiddenEffects>
+            </a:ext>
+          </a:extLst>
+        </p:spPr>
+        <p:txBody>
+          <a:bodyPr vert="horz" wrap="none" lIns="91440" tIns="45720" rIns="91440" bIns="45720" numCol="1" anchor="ctr" anchorCtr="0" compatLnSpc="1">
+            <a:prstTxWarp prst="textNoShape">
+              <a:avLst/>
+            </a:prstTxWarp>
+            <a:spAutoFit/>
+          </a:bodyPr>
+          <a:lstStyle>
+            <a:lvl1pPr eaLnBrk="0" fontAlgn="base" hangingPunct="0">
+              <a:spcBef>
+                <a:spcPct val="0"/>
+              </a:spcBef>
+              <a:spcAft>
+                <a:spcPct val="0"/>
+              </a:spcAft>
+              <a:tabLst>
+                <a:tab pos="1857375" algn="l"/>
+              </a:tabLst>
+              <a:defRPr>
+                <a:solidFill>
+                  <a:schemeClr val="tx1"/>
+                </a:solidFill>
+                <a:latin typeface="Arial" panose="020B0604020202020204" pitchFamily="34" charset="0"/>
+              </a:defRPr>
+            </a:lvl1pPr>
+            <a:lvl2pPr eaLnBrk="0" fontAlgn="base" hangingPunct="0">
+              <a:spcBef>
+                <a:spcPct val="0"/>
+              </a:spcBef>
+              <a:spcAft>
+                <a:spcPct val="0"/>
+              </a:spcAft>
+              <a:tabLst>
+                <a:tab pos="1857375" algn="l"/>
+              </a:tabLst>
+              <a:defRPr>
+                <a:solidFill>
+                  <a:schemeClr val="tx1"/>
+                </a:solidFill>
+                <a:latin typeface="Arial" panose="020B0604020202020204" pitchFamily="34" charset="0"/>
+              </a:defRPr>
+            </a:lvl2pPr>
+            <a:lvl3pPr eaLnBrk="0" fontAlgn="base" hangingPunct="0">
+              <a:spcBef>
+                <a:spcPct val="0"/>
+              </a:spcBef>
+              <a:spcAft>
+                <a:spcPct val="0"/>
+              </a:spcAft>
+              <a:tabLst>
+                <a:tab pos="1857375" algn="l"/>
+              </a:tabLst>
+              <a:defRPr>
+                <a:solidFill>
+                  <a:schemeClr val="tx1"/>
+                </a:solidFill>
+                <a:latin typeface="Arial" panose="020B0604020202020204" pitchFamily="34" charset="0"/>
+              </a:defRPr>
+            </a:lvl3pPr>
+            <a:lvl4pPr eaLnBrk="0" fontAlgn="base" hangingPunct="0">
+              <a:spcBef>
+                <a:spcPct val="0"/>
+              </a:spcBef>
+              <a:spcAft>
+                <a:spcPct val="0"/>
+              </a:spcAft>
+              <a:tabLst>
+                <a:tab pos="1857375" algn="l"/>
+              </a:tabLst>
+              <a:defRPr>
+                <a:solidFill>
+                  <a:schemeClr val="tx1"/>
+                </a:solidFill>
+                <a:latin typeface="Arial" panose="020B0604020202020204" pitchFamily="34" charset="0"/>
+              </a:defRPr>
+            </a:lvl4pPr>
+            <a:lvl5pPr eaLnBrk="0" fontAlgn="base" hangingPunct="0">
+              <a:spcBef>
+                <a:spcPct val="0"/>
+              </a:spcBef>
+              <a:spcAft>
+                <a:spcPct val="0"/>
+              </a:spcAft>
+              <a:tabLst>
+                <a:tab pos="1857375" algn="l"/>
+              </a:tabLst>
+              <a:defRPr>
+                <a:solidFill>
+                  <a:schemeClr val="tx1"/>
+                </a:solidFill>
+                <a:latin typeface="Arial" panose="020B0604020202020204" pitchFamily="34" charset="0"/>
+              </a:defRPr>
+            </a:lvl5pPr>
+            <a:lvl6pPr eaLnBrk="0" fontAlgn="base" hangingPunct="0">
+              <a:spcBef>
+                <a:spcPct val="0"/>
+              </a:spcBef>
+              <a:spcAft>
+                <a:spcPct val="0"/>
+              </a:spcAft>
+              <a:tabLst>
+                <a:tab pos="1857375" algn="l"/>
+              </a:tabLst>
+              <a:defRPr>
+                <a:solidFill>
+                  <a:schemeClr val="tx1"/>
+                </a:solidFill>
+                <a:latin typeface="Arial" panose="020B0604020202020204" pitchFamily="34" charset="0"/>
+              </a:defRPr>
+            </a:lvl6pPr>
+            <a:lvl7pPr eaLnBrk="0" fontAlgn="base" hangingPunct="0">
+              <a:spcBef>
+                <a:spcPct val="0"/>
+              </a:spcBef>
+              <a:spcAft>
+                <a:spcPct val="0"/>
+              </a:spcAft>
+              <a:tabLst>
+                <a:tab pos="1857375" algn="l"/>
+              </a:tabLst>
+              <a:defRPr>
+                <a:solidFill>
+                  <a:schemeClr val="tx1"/>
+                </a:solidFill>
+                <a:latin typeface="Arial" panose="020B0604020202020204" pitchFamily="34" charset="0"/>
+              </a:defRPr>
+            </a:lvl7pPr>
+            <a:lvl8pPr eaLnBrk="0" fontAlgn="base" hangingPunct="0">
+              <a:spcBef>
+                <a:spcPct val="0"/>
+              </a:spcBef>
+              <a:spcAft>
+                <a:spcPct val="0"/>
+              </a:spcAft>
+              <a:tabLst>
+                <a:tab pos="1857375" algn="l"/>
+              </a:tabLst>
+              <a:defRPr>
+                <a:solidFill>
+                  <a:schemeClr val="tx1"/>
+                </a:solidFill>
+                <a:latin typeface="Arial" panose="020B0604020202020204" pitchFamily="34" charset="0"/>
+              </a:defRPr>
+            </a:lvl8pPr>
+            <a:lvl9pPr eaLnBrk="0" fontAlgn="base" hangingPunct="0">
+              <a:spcBef>
+                <a:spcPct val="0"/>
+              </a:spcBef>
+              <a:spcAft>
+                <a:spcPct val="0"/>
+              </a:spcAft>
+              <a:tabLst>
+                <a:tab pos="1857375" algn="l"/>
+              </a:tabLst>
+              <a:defRPr>
+                <a:solidFill>
+                  <a:schemeClr val="tx1"/>
+                </a:solidFill>
+                <a:latin typeface="Arial" panose="020B0604020202020204" pitchFamily="34" charset="0"/>
+              </a:defRPr>
+            </a:lvl9pPr>
+          </a:lstStyle>
+          <a:p>
+            <a:pPr marL="0" marR="0" lvl="0" indent="0" algn="l" defTabSz="914400" rtl="0" eaLnBrk="0" fontAlgn="base" latinLnBrk="0" hangingPunct="0">
+              <a:lnSpc>
+                <a:spcPct val="100000"/>
+              </a:lnSpc>
+              <a:spcBef>
+                <a:spcPct val="0"/>
+              </a:spcBef>
+              <a:spcAft>
+                <a:spcPct val="0"/>
+              </a:spcAft>
+              <a:buClrTx/>
+              <a:buSzTx/>
+              <a:buFontTx/>
+              <a:buNone/>
+              <a:tabLst>
+                <a:tab pos="1857375" algn="l"/>
+              </a:tabLst>
+            </a:pPr>
+            <a:r>
+              <a:rPr kumimoji="0" lang="en-GB" altLang="en-US" sz="1100" b="0" i="0" u="none" strike="noStrike" cap="none" normalizeH="0" baseline="0" dirty="0">
+                <a:ln>
+                  <a:noFill/>
+                </a:ln>
+                <a:solidFill>
+                  <a:schemeClr val="tx1"/>
+                </a:solidFill>
+                <a:effectLst/>
+                <a:latin typeface="Calibri" panose="020F0502020204030204" pitchFamily="34" charset="0"/>
+                <a:ea typeface="Calibri" panose="020F0502020204030204" pitchFamily="34" charset="0"/>
+                <a:cs typeface="Times New Roman" panose="02020603050405020304" pitchFamily="18" charset="0"/>
+              </a:rPr>
+              <a:t>	</a:t>
+            </a:r>
+            <a:endParaRPr kumimoji="0" lang="en-US" altLang="en-US" sz="1800" b="0" i="0" u="none" strike="noStrike" cap="none" normalizeH="0" baseline="0" dirty="0">
+              <a:ln>
+                <a:noFill/>
+              </a:ln>
+              <a:solidFill>
+                <a:schemeClr val="tx1"/>
+              </a:solidFill>
+              <a:effectLst/>
+              <a:latin typeface="Arial" panose="020B0604020202020204" pitchFamily="34" charset="0"/>
+            </a:endParaRPr>
+          </a:p>
+        </p:txBody>
+      </p:sp>
+      <p:cxnSp>
+        <p:nvCxnSpPr>
+          <p:cNvPr id="155" name="Connector: Elbow 154">
+            <a:extLst>
+              <a:ext uri="{FF2B5EF4-FFF2-40B4-BE49-F238E27FC236}">
+                <a16:creationId xmlns:a16="http://schemas.microsoft.com/office/drawing/2014/main" id="{FD1E853E-FE8A-4C61-B546-2B57E704A16C}"/>
+              </a:ext>
+            </a:extLst>
+          </p:cNvPr>
+          <p:cNvCxnSpPr>
+            <a:cxnSpLocks/>
+          </p:cNvCxnSpPr>
+          <p:nvPr/>
+        </p:nvCxnSpPr>
+        <p:spPr>
+          <a:xfrm rot="16200000" flipH="1">
+            <a:off x="5841322" y="5290787"/>
+            <a:ext cx="1065827" cy="559276"/>
+          </a:xfrm>
+          <a:prstGeom prst="bentConnector3">
+            <a:avLst>
+              <a:gd name="adj1" fmla="val 100386"/>
+            </a:avLst>
+          </a:prstGeom>
+          <a:ln>
+            <a:tailEnd type="triangle"/>
+          </a:ln>
+        </p:spPr>
+        <p:style>
+          <a:lnRef idx="1">
+            <a:schemeClr val="accent1"/>
+          </a:lnRef>
+          <a:fillRef idx="0">
+            <a:schemeClr val="accent1"/>
+          </a:fillRef>
+          <a:effectRef idx="0">
+            <a:schemeClr val="accent1"/>
+          </a:effectRef>
+          <a:fontRef idx="minor">
+            <a:schemeClr val="tx1"/>
+          </a:fontRef>
+        </p:style>
+      </p:cxnSp>
+      <p:cxnSp>
+        <p:nvCxnSpPr>
+          <p:cNvPr id="172" name="Straight Arrow Connector 171">
+            <a:extLst>
+              <a:ext uri="{FF2B5EF4-FFF2-40B4-BE49-F238E27FC236}">
+                <a16:creationId xmlns:a16="http://schemas.microsoft.com/office/drawing/2014/main" id="{A01364C8-364E-4657-AB7F-50DCB70ADFB3}"/>
+              </a:ext>
+            </a:extLst>
+          </p:cNvPr>
+          <p:cNvCxnSpPr/>
+          <p:nvPr/>
+        </p:nvCxnSpPr>
+        <p:spPr>
+          <a:xfrm flipH="1">
+            <a:off x="4331119" y="1718456"/>
+            <a:ext cx="0" cy="200660"/>
+          </a:xfrm>
+          <a:prstGeom prst="straightConnector1">
+            <a:avLst/>
+          </a:prstGeom>
+          <a:ln w="0">
+            <a:tailEnd type="triangle"/>
+          </a:ln>
+        </p:spPr>
+        <p:style>
+          <a:lnRef idx="1">
+            <a:schemeClr val="accent1"/>
+          </a:lnRef>
+          <a:fillRef idx="0">
+            <a:schemeClr val="accent1"/>
+          </a:fillRef>
+          <a:effectRef idx="0">
+            <a:schemeClr val="accent1"/>
+          </a:effectRef>
+          <a:fontRef idx="minor">
+            <a:schemeClr val="tx1"/>
+          </a:fontRef>
+        </p:style>
+      </p:cxnSp>
+      <p:sp>
+        <p:nvSpPr>
+          <p:cNvPr id="177" name="Text Box 2">
+            <a:extLst>
+              <a:ext uri="{FF2B5EF4-FFF2-40B4-BE49-F238E27FC236}">
+                <a16:creationId xmlns:a16="http://schemas.microsoft.com/office/drawing/2014/main" id="{736DC1FA-8CB5-4E73-A785-1CF1AC82EFD8}"/>
+              </a:ext>
+            </a:extLst>
+          </p:cNvPr>
+          <p:cNvSpPr txBox="1">
+            <a:spLocks noChangeArrowheads="1"/>
+          </p:cNvSpPr>
+          <p:nvPr/>
+        </p:nvSpPr>
+        <p:spPr bwMode="auto">
+          <a:xfrm>
+            <a:off x="3548517" y="3278435"/>
+            <a:ext cx="1701165" cy="648335"/>
+          </a:xfrm>
+          <a:prstGeom prst="rect">
+            <a:avLst/>
+          </a:prstGeom>
+          <a:solidFill>
+            <a:srgbClr val="FFFFFF"/>
+          </a:solidFill>
+          <a:ln w="9525">
+            <a:solidFill>
+              <a:srgbClr val="000000"/>
+            </a:solidFill>
+            <a:miter lim="800000"/>
+            <a:headEnd/>
+            <a:tailEnd/>
+          </a:ln>
+        </p:spPr>
+        <p:txBody>
+          <a:bodyPr rot="0" vert="horz" wrap="square" lIns="91440" tIns="45720" rIns="91440" bIns="45720" anchor="t" anchorCtr="0">
+            <a:noAutofit/>
+          </a:bodyPr>
+          <a:lstStyle/>
+          <a:p>
+            <a:pPr marL="0" marR="0">
+              <a:lnSpc>
+                <a:spcPct val="107000"/>
+              </a:lnSpc>
+              <a:spcBef>
+                <a:spcPts val="0"/>
+              </a:spcBef>
+              <a:spcAft>
+                <a:spcPts val="0"/>
+              </a:spcAft>
+            </a:pPr>
+            <a:r>
+              <a:rPr lang="en-GB" sz="1100">
+                <a:effectLst/>
+                <a:latin typeface="Calibri" panose="020F0502020204030204" pitchFamily="34" charset="0"/>
+                <a:ea typeface="Calibri" panose="020F0502020204030204" pitchFamily="34" charset="0"/>
+                <a:cs typeface="Times New Roman" panose="02020603050405020304" pitchFamily="18" charset="0"/>
+              </a:rPr>
+              <a:t>Raster pre-processing</a:t>
+            </a:r>
+            <a:endParaRPr lang="en-US" sz="1100">
+              <a:effectLst/>
+              <a:latin typeface="Calibri" panose="020F0502020204030204" pitchFamily="34" charset="0"/>
+              <a:ea typeface="Calibri" panose="020F0502020204030204" pitchFamily="34" charset="0"/>
+              <a:cs typeface="Times New Roman" panose="02020603050405020304" pitchFamily="18" charset="0"/>
+            </a:endParaRPr>
+          </a:p>
+          <a:p>
+            <a:pPr marL="0" marR="0">
+              <a:lnSpc>
+                <a:spcPct val="107000"/>
+              </a:lnSpc>
+              <a:spcBef>
+                <a:spcPts val="0"/>
+              </a:spcBef>
+              <a:spcAft>
+                <a:spcPts val="0"/>
+              </a:spcAft>
+            </a:pPr>
+            <a:r>
+              <a:rPr lang="en-GB" sz="1100">
+                <a:effectLst/>
+                <a:latin typeface="Calibri" panose="020F0502020204030204" pitchFamily="34" charset="0"/>
+                <a:ea typeface="Calibri" panose="020F0502020204030204" pitchFamily="34" charset="0"/>
+                <a:cs typeface="Times New Roman" panose="02020603050405020304" pitchFamily="18" charset="0"/>
+              </a:rPr>
+              <a:t>- Radiometric corrections</a:t>
+            </a:r>
+            <a:endParaRPr lang="en-US" sz="1100">
+              <a:effectLst/>
+              <a:latin typeface="Calibri" panose="020F0502020204030204" pitchFamily="34" charset="0"/>
+              <a:ea typeface="Calibri" panose="020F0502020204030204" pitchFamily="34" charset="0"/>
+              <a:cs typeface="Times New Roman" panose="02020603050405020304" pitchFamily="18" charset="0"/>
+            </a:endParaRPr>
+          </a:p>
+          <a:p>
+            <a:pPr marL="0" marR="0">
+              <a:lnSpc>
+                <a:spcPct val="107000"/>
+              </a:lnSpc>
+              <a:spcBef>
+                <a:spcPts val="0"/>
+              </a:spcBef>
+              <a:spcAft>
+                <a:spcPts val="0"/>
+              </a:spcAft>
+            </a:pPr>
+            <a:r>
+              <a:rPr lang="en-GB" sz="1100">
+                <a:effectLst/>
+                <a:latin typeface="Calibri" panose="020F0502020204030204" pitchFamily="34" charset="0"/>
+                <a:ea typeface="Calibri" panose="020F0502020204030204" pitchFamily="34" charset="0"/>
+                <a:cs typeface="Times New Roman" panose="02020603050405020304" pitchFamily="18" charset="0"/>
+              </a:rPr>
+              <a:t>- Surface Reflectance­­­</a:t>
+            </a:r>
+            <a:r>
+              <a:rPr lang="en-GB" sz="1100" baseline="-25000">
+                <a:effectLst/>
+                <a:latin typeface="Calibri" panose="020F0502020204030204" pitchFamily="34" charset="0"/>
+                <a:ea typeface="Calibri" panose="020F0502020204030204" pitchFamily="34" charset="0"/>
+                <a:cs typeface="Times New Roman" panose="02020603050405020304" pitchFamily="18" charset="0"/>
+              </a:rPr>
+              <a:t> BOA</a:t>
+            </a:r>
+            <a:endParaRPr lang="en-US" sz="1100">
+              <a:effectLst/>
+              <a:latin typeface="Calibri" panose="020F0502020204030204" pitchFamily="34" charset="0"/>
+              <a:ea typeface="Calibri" panose="020F0502020204030204" pitchFamily="34" charset="0"/>
+              <a:cs typeface="Times New Roman" panose="02020603050405020304" pitchFamily="18" charset="0"/>
+            </a:endParaRPr>
+          </a:p>
+          <a:p>
+            <a:pPr marL="0" marR="0">
+              <a:lnSpc>
+                <a:spcPct val="107000"/>
+              </a:lnSpc>
+              <a:spcBef>
+                <a:spcPts val="0"/>
+              </a:spcBef>
+              <a:spcAft>
+                <a:spcPts val="800"/>
+              </a:spcAft>
+            </a:pPr>
+            <a:r>
+              <a:rPr lang="en-GB" sz="1100">
+                <a:effectLst/>
+                <a:latin typeface="Calibri" panose="020F0502020204030204" pitchFamily="34" charset="0"/>
+                <a:ea typeface="Calibri" panose="020F0502020204030204" pitchFamily="34" charset="0"/>
+                <a:cs typeface="Times New Roman" panose="02020603050405020304" pitchFamily="18" charset="0"/>
+              </a:rPr>
+              <a:t> </a:t>
+            </a:r>
+            <a:endParaRPr lang="en-US" sz="1100">
+              <a:effectLst/>
+              <a:latin typeface="Calibri" panose="020F0502020204030204" pitchFamily="34" charset="0"/>
+              <a:ea typeface="Calibri" panose="020F0502020204030204" pitchFamily="34" charset="0"/>
+              <a:cs typeface="Times New Roman" panose="02020603050405020304" pitchFamily="18" charset="0"/>
+            </a:endParaRPr>
+          </a:p>
+        </p:txBody>
+      </p:sp>
+      <p:sp>
+        <p:nvSpPr>
+          <p:cNvPr id="178" name="Text Box 2">
+            <a:extLst>
+              <a:ext uri="{FF2B5EF4-FFF2-40B4-BE49-F238E27FC236}">
+                <a16:creationId xmlns:a16="http://schemas.microsoft.com/office/drawing/2014/main" id="{125258BF-974E-414D-B89D-52B9D5BB1A25}"/>
+              </a:ext>
+            </a:extLst>
+          </p:cNvPr>
+          <p:cNvSpPr txBox="1">
+            <a:spLocks noChangeArrowheads="1"/>
+          </p:cNvSpPr>
+          <p:nvPr/>
+        </p:nvSpPr>
+        <p:spPr bwMode="auto">
+          <a:xfrm>
+            <a:off x="3769508" y="678213"/>
+            <a:ext cx="1466850" cy="264795"/>
+          </a:xfrm>
+          <a:prstGeom prst="rect">
+            <a:avLst/>
+          </a:prstGeom>
+          <a:solidFill>
+            <a:srgbClr val="FFFFFF"/>
+          </a:solidFill>
+          <a:ln w="9525">
+            <a:solidFill>
+              <a:srgbClr val="000000"/>
+            </a:solidFill>
+            <a:miter lim="800000"/>
+            <a:headEnd/>
+            <a:tailEnd/>
+          </a:ln>
+        </p:spPr>
+        <p:txBody>
+          <a:bodyPr rot="0" vert="horz" wrap="square" lIns="91440" tIns="45720" rIns="91440" bIns="45720" anchor="t" anchorCtr="0">
+            <a:noAutofit/>
+          </a:bodyPr>
+          <a:lstStyle/>
+          <a:p>
+            <a:pPr marL="0" marR="0">
+              <a:lnSpc>
+                <a:spcPct val="107000"/>
+              </a:lnSpc>
+              <a:spcBef>
+                <a:spcPts val="0"/>
+              </a:spcBef>
+              <a:spcAft>
+                <a:spcPts val="800"/>
+              </a:spcAft>
+            </a:pPr>
+            <a:r>
+              <a:rPr lang="en-GB" sz="1100">
+                <a:effectLst/>
+                <a:latin typeface="Calibri" panose="020F0502020204030204" pitchFamily="34" charset="0"/>
+                <a:ea typeface="Calibri" panose="020F0502020204030204" pitchFamily="34" charset="0"/>
+                <a:cs typeface="Times New Roman" panose="02020603050405020304" pitchFamily="18" charset="0"/>
+              </a:rPr>
+              <a:t>Spatiotemporal Phase</a:t>
+            </a:r>
+            <a:endParaRPr lang="en-US" sz="1100">
+              <a:effectLst/>
+              <a:latin typeface="Calibri" panose="020F0502020204030204" pitchFamily="34" charset="0"/>
+              <a:ea typeface="Calibri" panose="020F0502020204030204" pitchFamily="34" charset="0"/>
+              <a:cs typeface="Times New Roman" panose="02020603050405020304" pitchFamily="18" charset="0"/>
+            </a:endParaRPr>
+          </a:p>
+        </p:txBody>
+      </p:sp>
+      <p:sp>
+        <p:nvSpPr>
+          <p:cNvPr id="179" name="Text Box 2">
+            <a:extLst>
+              <a:ext uri="{FF2B5EF4-FFF2-40B4-BE49-F238E27FC236}">
+                <a16:creationId xmlns:a16="http://schemas.microsoft.com/office/drawing/2014/main" id="{2F42B191-5151-4255-ABD6-193DDB5E9833}"/>
+              </a:ext>
+            </a:extLst>
+          </p:cNvPr>
+          <p:cNvSpPr txBox="1">
+            <a:spLocks noChangeArrowheads="1"/>
+          </p:cNvSpPr>
+          <p:nvPr/>
+        </p:nvSpPr>
+        <p:spPr bwMode="auto">
+          <a:xfrm>
+            <a:off x="7313443" y="661068"/>
+            <a:ext cx="1818005" cy="264795"/>
+          </a:xfrm>
+          <a:prstGeom prst="rect">
+            <a:avLst/>
+          </a:prstGeom>
+          <a:solidFill>
+            <a:srgbClr val="FFFFFF"/>
+          </a:solidFill>
+          <a:ln w="9525">
+            <a:solidFill>
+              <a:srgbClr val="000000"/>
+            </a:solidFill>
+            <a:miter lim="800000"/>
+            <a:headEnd/>
+            <a:tailEnd/>
+          </a:ln>
+        </p:spPr>
+        <p:txBody>
+          <a:bodyPr rot="0" vert="horz" wrap="square" lIns="91440" tIns="45720" rIns="91440" bIns="45720" anchor="t" anchorCtr="0">
+            <a:noAutofit/>
+          </a:bodyPr>
+          <a:lstStyle/>
+          <a:p>
+            <a:pPr marL="0" marR="0">
+              <a:lnSpc>
+                <a:spcPct val="107000"/>
+              </a:lnSpc>
+              <a:spcBef>
+                <a:spcPts val="0"/>
+              </a:spcBef>
+              <a:spcAft>
+                <a:spcPts val="800"/>
+              </a:spcAft>
+            </a:pPr>
+            <a:r>
+              <a:rPr lang="en-GB" sz="1100" i="1">
+                <a:effectLst/>
+                <a:latin typeface="Calibri" panose="020F0502020204030204" pitchFamily="34" charset="0"/>
+                <a:ea typeface="Calibri" panose="020F0502020204030204" pitchFamily="34" charset="0"/>
+                <a:cs typeface="Times New Roman" panose="02020603050405020304" pitchFamily="18" charset="0"/>
+              </a:rPr>
+              <a:t>In-Situ</a:t>
+            </a:r>
+            <a:r>
+              <a:rPr lang="en-GB" sz="1100">
+                <a:effectLst/>
+                <a:latin typeface="Calibri" panose="020F0502020204030204" pitchFamily="34" charset="0"/>
+                <a:ea typeface="Calibri" panose="020F0502020204030204" pitchFamily="34" charset="0"/>
+                <a:cs typeface="Times New Roman" panose="02020603050405020304" pitchFamily="18" charset="0"/>
+              </a:rPr>
+              <a:t> Automated </a:t>
+            </a:r>
+            <a:r>
+              <a:rPr lang="en-GB" sz="1100" i="1">
+                <a:effectLst/>
+                <a:latin typeface="Calibri" panose="020F0502020204030204" pitchFamily="34" charset="0"/>
+                <a:ea typeface="Calibri" panose="020F0502020204030204" pitchFamily="34" charset="0"/>
+                <a:cs typeface="Times New Roman" panose="02020603050405020304" pitchFamily="18" charset="0"/>
+              </a:rPr>
+              <a:t>IoT</a:t>
+            </a:r>
+            <a:r>
+              <a:rPr lang="en-GB" sz="1100">
+                <a:effectLst/>
+                <a:latin typeface="Calibri" panose="020F0502020204030204" pitchFamily="34" charset="0"/>
+                <a:ea typeface="Calibri" panose="020F0502020204030204" pitchFamily="34" charset="0"/>
+                <a:cs typeface="Times New Roman" panose="02020603050405020304" pitchFamily="18" charset="0"/>
+              </a:rPr>
+              <a:t> Phase</a:t>
+            </a:r>
+            <a:endParaRPr lang="en-US" sz="1100">
+              <a:effectLst/>
+              <a:latin typeface="Calibri" panose="020F0502020204030204" pitchFamily="34" charset="0"/>
+              <a:ea typeface="Calibri" panose="020F0502020204030204" pitchFamily="34" charset="0"/>
+              <a:cs typeface="Times New Roman" panose="02020603050405020304" pitchFamily="18" charset="0"/>
+            </a:endParaRPr>
+          </a:p>
+        </p:txBody>
+      </p:sp>
+      <p:sp>
+        <p:nvSpPr>
+          <p:cNvPr id="180" name="Text Box 2">
+            <a:extLst>
+              <a:ext uri="{FF2B5EF4-FFF2-40B4-BE49-F238E27FC236}">
+                <a16:creationId xmlns:a16="http://schemas.microsoft.com/office/drawing/2014/main" id="{168A6644-01E9-495D-A8E4-712C8F160914}"/>
+              </a:ext>
+            </a:extLst>
+          </p:cNvPr>
+          <p:cNvSpPr txBox="1">
+            <a:spLocks noChangeArrowheads="1"/>
+          </p:cNvSpPr>
+          <p:nvPr/>
+        </p:nvSpPr>
+        <p:spPr bwMode="auto">
+          <a:xfrm>
+            <a:off x="3636665" y="2135261"/>
+            <a:ext cx="1377924" cy="252502"/>
+          </a:xfrm>
+          <a:prstGeom prst="rect">
+            <a:avLst/>
+          </a:prstGeom>
+          <a:ln>
+            <a:noFill/>
+            <a:headEnd/>
+            <a:tailEnd/>
+          </a:ln>
+        </p:spPr>
+        <p:style>
+          <a:lnRef idx="2">
+            <a:schemeClr val="accent1"/>
+          </a:lnRef>
+          <a:fillRef idx="1">
+            <a:schemeClr val="lt1"/>
+          </a:fillRef>
+          <a:effectRef idx="0">
+            <a:schemeClr val="accent1"/>
+          </a:effectRef>
+          <a:fontRef idx="minor">
+            <a:schemeClr val="dk1"/>
+          </a:fontRef>
+        </p:style>
+        <p:txBody>
+          <a:bodyPr rot="0" vert="horz" wrap="square" lIns="91440" tIns="45720" rIns="91440" bIns="45720" anchor="t" anchorCtr="0">
+            <a:noAutofit/>
+          </a:bodyPr>
+          <a:lstStyle/>
+          <a:p>
+            <a:pPr marL="0" marR="0">
+              <a:lnSpc>
+                <a:spcPct val="107000"/>
+              </a:lnSpc>
+              <a:spcBef>
+                <a:spcPts val="0"/>
+              </a:spcBef>
+              <a:spcAft>
+                <a:spcPts val="800"/>
+              </a:spcAft>
+            </a:pPr>
+            <a:r>
+              <a:rPr lang="en-GB" sz="1100" dirty="0">
+                <a:effectLst/>
+                <a:ea typeface="Calibri" panose="020F0502020204030204" pitchFamily="34" charset="0"/>
+                <a:cs typeface="Times New Roman" panose="02020603050405020304" pitchFamily="18" charset="0"/>
+              </a:rPr>
+              <a:t>Raw Img. Collections</a:t>
+            </a:r>
+            <a:endParaRPr lang="en-US" sz="1100" dirty="0">
+              <a:effectLst/>
+              <a:ea typeface="Calibri" panose="020F0502020204030204" pitchFamily="34" charset="0"/>
+              <a:cs typeface="Times New Roman" panose="02020603050405020304" pitchFamily="18" charset="0"/>
+            </a:endParaRPr>
+          </a:p>
+        </p:txBody>
+      </p:sp>
+      <p:sp>
+        <p:nvSpPr>
+          <p:cNvPr id="182" name="TextBox 181">
+            <a:extLst>
+              <a:ext uri="{FF2B5EF4-FFF2-40B4-BE49-F238E27FC236}">
+                <a16:creationId xmlns:a16="http://schemas.microsoft.com/office/drawing/2014/main" id="{7F6D0218-47B0-4B8E-8C06-8ACB0B0A992C}"/>
+              </a:ext>
+            </a:extLst>
+          </p:cNvPr>
+          <p:cNvSpPr txBox="1"/>
+          <p:nvPr/>
+        </p:nvSpPr>
+        <p:spPr>
+          <a:xfrm>
+            <a:off x="6934472" y="4186633"/>
+            <a:ext cx="3037772" cy="261610"/>
+          </a:xfrm>
+          <a:prstGeom prst="rect">
+            <a:avLst/>
+          </a:prstGeom>
+          <a:noFill/>
+        </p:spPr>
+        <p:txBody>
+          <a:bodyPr wrap="square">
+            <a:spAutoFit/>
+          </a:bodyPr>
+          <a:lstStyle/>
+          <a:p>
+            <a:r>
+              <a:rPr lang="en-GB" sz="1100" dirty="0">
+                <a:effectLst/>
+                <a:latin typeface="Calibri" panose="020F0502020204030204" pitchFamily="34" charset="0"/>
+                <a:ea typeface="Calibri" panose="020F0502020204030204" pitchFamily="34" charset="0"/>
+                <a:cs typeface="Times New Roman" panose="02020603050405020304" pitchFamily="18" charset="0"/>
+              </a:rPr>
+              <a:t>In-Situ Data </a:t>
+            </a:r>
+            <a:r>
+              <a:rPr lang="en-GB" sz="1100" b="1" dirty="0">
+                <a:solidFill>
+                  <a:srgbClr val="FF0000"/>
+                </a:solidFill>
+                <a:effectLst/>
+                <a:latin typeface="Calibri" panose="020F0502020204030204" pitchFamily="34" charset="0"/>
+                <a:ea typeface="Calibri" panose="020F0502020204030204" pitchFamily="34" charset="0"/>
+                <a:cs typeface="Times New Roman" panose="02020603050405020304" pitchFamily="18" charset="0"/>
+              </a:rPr>
+              <a:t>&gt;</a:t>
+            </a:r>
+            <a:r>
+              <a:rPr lang="en-GB" sz="1100" dirty="0">
+                <a:solidFill>
+                  <a:srgbClr val="FF0000"/>
+                </a:solidFill>
+                <a:effectLst/>
+                <a:latin typeface="Calibri" panose="020F0502020204030204" pitchFamily="34" charset="0"/>
+                <a:ea typeface="Calibri" panose="020F0502020204030204" pitchFamily="34" charset="0"/>
+                <a:cs typeface="Times New Roman" panose="02020603050405020304" pitchFamily="18" charset="0"/>
+              </a:rPr>
+              <a:t> </a:t>
+            </a:r>
+            <a:r>
+              <a:rPr lang="en-GB" sz="1100" dirty="0">
+                <a:effectLst/>
+                <a:latin typeface="Calibri" panose="020F0502020204030204" pitchFamily="34" charset="0"/>
+                <a:ea typeface="Calibri" panose="020F0502020204030204" pitchFamily="34" charset="0"/>
+                <a:cs typeface="Times New Roman" panose="02020603050405020304" pitchFamily="18" charset="0"/>
+              </a:rPr>
+              <a:t>Temp. Threshold</a:t>
+            </a:r>
+            <a:endParaRPr lang="en-US" sz="1100" dirty="0"/>
+          </a:p>
+        </p:txBody>
+      </p:sp>
+      <p:pic>
+        <p:nvPicPr>
+          <p:cNvPr id="183" name="Picture 292">
+            <a:extLst>
+              <a:ext uri="{FF2B5EF4-FFF2-40B4-BE49-F238E27FC236}">
+                <a16:creationId xmlns:a16="http://schemas.microsoft.com/office/drawing/2014/main" id="{793AD5E1-0BD8-4CD6-B9BB-0B77BF2C61C3}"/>
+              </a:ext>
+            </a:extLst>
+          </p:cNvPr>
+          <p:cNvPicPr>
+            <a:picLocks noChangeAspect="1" noChangeArrowheads="1"/>
+          </p:cNvPicPr>
+          <p:nvPr/>
+        </p:nvPicPr>
+        <p:blipFill>
+          <a:blip r:embed="rId10">
+            <a:extLst>
+              <a:ext uri="{28A0092B-C50C-407E-A947-70E740481C1C}">
+                <a14:useLocalDpi xmlns:a14="http://schemas.microsoft.com/office/drawing/2010/main" val="0"/>
+              </a:ext>
+            </a:extLst>
+          </a:blip>
+          <a:srcRect l="6079" t="6821" r="8833" b="14728"/>
+          <a:stretch>
+            <a:fillRect/>
+          </a:stretch>
+        </p:blipFill>
+        <p:spPr bwMode="auto">
+          <a:xfrm>
+            <a:off x="6952773" y="4995056"/>
+            <a:ext cx="328613" cy="323850"/>
+          </a:xfrm>
+          <a:prstGeom prst="rect">
+            <a:avLst/>
+          </a:prstGeom>
+          <a:noFill/>
+          <a:extLst>
+            <a:ext uri="{909E8E84-426E-40DD-AFC4-6F175D3DCCD1}">
+              <a14:hiddenFill xmlns:a14="http://schemas.microsoft.com/office/drawing/2010/main">
+                <a:solidFill>
+                  <a:srgbClr val="FFFFFF"/>
+                </a:solidFill>
+              </a14:hiddenFill>
+            </a:ext>
+          </a:extLst>
+        </p:spPr>
+      </p:pic>
+      <p:sp>
+        <p:nvSpPr>
+          <p:cNvPr id="2091" name="TextBox 2090">
+            <a:extLst>
+              <a:ext uri="{FF2B5EF4-FFF2-40B4-BE49-F238E27FC236}">
+                <a16:creationId xmlns:a16="http://schemas.microsoft.com/office/drawing/2014/main" id="{7E7979C6-D6A8-4682-823A-78A7105E4A1D}"/>
+              </a:ext>
+            </a:extLst>
+          </p:cNvPr>
+          <p:cNvSpPr txBox="1"/>
+          <p:nvPr/>
+        </p:nvSpPr>
+        <p:spPr>
+          <a:xfrm>
+            <a:off x="7591454" y="2179026"/>
+            <a:ext cx="1558974" cy="400110"/>
+          </a:xfrm>
+          <a:prstGeom prst="rect">
+            <a:avLst/>
+          </a:prstGeom>
+          <a:noFill/>
         </p:spPr>
         <p:txBody>
           <a:bodyPr wrap="square" rtlCol="0">
@@ -4453,120 +8126,19 @@
           <a:lstStyle/>
           <a:p>
             <a:r>
-              <a:rPr lang="en-US" sz="1100" b="0" i="0" dirty="0">
-                <a:solidFill>
-                  <a:srgbClr val="333333"/>
-                </a:solidFill>
-                <a:effectLst/>
-                <a:latin typeface="Roboto"/>
-              </a:rPr>
-              <a:t>probabilistic prediction of blooms</a:t>
-            </a:r>
-            <a:endParaRPr lang="en-US" sz="1100" dirty="0"/>
-          </a:p>
-        </p:txBody>
-      </p:sp>
-      <p:sp>
-        <p:nvSpPr>
-          <p:cNvPr id="68" name="TextBox 67">
-            <a:extLst>
-              <a:ext uri="{FF2B5EF4-FFF2-40B4-BE49-F238E27FC236}">
-                <a16:creationId xmlns:a16="http://schemas.microsoft.com/office/drawing/2014/main" xmlns="" id="{36C659CC-53C8-42EF-83D9-D7F0F3B0E380}"/>
-              </a:ext>
-            </a:extLst>
-          </p:cNvPr>
-          <p:cNvSpPr txBox="1"/>
-          <p:nvPr/>
-        </p:nvSpPr>
-        <p:spPr>
-          <a:xfrm>
-            <a:off x="139026" y="4094357"/>
-            <a:ext cx="4390669" cy="1077218"/>
-          </a:xfrm>
-          <a:prstGeom prst="rect">
-            <a:avLst/>
-          </a:prstGeom>
-          <a:noFill/>
-        </p:spPr>
-        <p:txBody>
-          <a:bodyPr wrap="square" rtlCol="0">
-            <a:spAutoFit/>
-          </a:bodyPr>
-          <a:lstStyle/>
-          <a:p>
-            <a:r>
-              <a:rPr lang="en-US" sz="1600" dirty="0">
+              <a:rPr lang="en-US" sz="1000" dirty="0">
                 <a:latin typeface="Verdana" panose="020B0604030504040204" pitchFamily="34" charset="0"/>
                 <a:ea typeface="Verdana" panose="020B0604030504040204" pitchFamily="34" charset="0"/>
               </a:rPr>
-              <a:t>-H20 temperature</a:t>
-            </a:r>
-          </a:p>
-          <a:p>
-            <a:r>
-              <a:rPr lang="en-US" sz="1600" dirty="0">
+              <a:t>Establish a secure connection via </a:t>
+            </a:r>
+            <a:r>
+              <a:rPr lang="en-US" sz="1000" b="1" dirty="0">
                 <a:latin typeface="Verdana" panose="020B0604030504040204" pitchFamily="34" charset="0"/>
                 <a:ea typeface="Verdana" panose="020B0604030504040204" pitchFamily="34" charset="0"/>
               </a:rPr>
-              <a:t>-Nutrient Loading</a:t>
-            </a:r>
-          </a:p>
-          <a:p>
-            <a:r>
-              <a:rPr lang="en-US" sz="1600" dirty="0">
-                <a:latin typeface="Verdana" panose="020B0604030504040204" pitchFamily="34" charset="0"/>
-                <a:ea typeface="Verdana" panose="020B0604030504040204" pitchFamily="34" charset="0"/>
-              </a:rPr>
-              <a:t>-</a:t>
-            </a:r>
-            <a:r>
-              <a:rPr lang="en-US" sz="1600" dirty="0">
-                <a:solidFill>
-                  <a:srgbClr val="333333"/>
-                </a:solidFill>
-                <a:latin typeface="Verdana" panose="020B0604030504040204" pitchFamily="34" charset="0"/>
-                <a:ea typeface="Verdana" panose="020B0604030504040204" pitchFamily="34" charset="0"/>
-              </a:rPr>
-              <a:t>C</a:t>
-            </a:r>
-            <a:r>
-              <a:rPr lang="en-US" sz="1600" b="0" i="0" dirty="0">
-                <a:solidFill>
-                  <a:srgbClr val="333333"/>
-                </a:solidFill>
-                <a:effectLst/>
-                <a:latin typeface="Verdana" panose="020B0604030504040204" pitchFamily="34" charset="0"/>
-                <a:ea typeface="Verdana" panose="020B0604030504040204" pitchFamily="34" charset="0"/>
-              </a:rPr>
-              <a:t>hlorophyll-A conc.</a:t>
-            </a:r>
-          </a:p>
-          <a:p>
-            <a:r>
-              <a:rPr lang="en-US" sz="1600" dirty="0">
-                <a:solidFill>
-                  <a:srgbClr val="333333"/>
-                </a:solidFill>
-                <a:latin typeface="Verdana" panose="020B0604030504040204" pitchFamily="34" charset="0"/>
-                <a:ea typeface="Verdana" panose="020B0604030504040204" pitchFamily="34" charset="0"/>
-              </a:rPr>
-              <a:t>-F</a:t>
-            </a:r>
-            <a:r>
-              <a:rPr lang="en-US" sz="1600" b="0" i="0" dirty="0">
-                <a:solidFill>
-                  <a:srgbClr val="333333"/>
-                </a:solidFill>
-                <a:effectLst/>
-                <a:latin typeface="Verdana" panose="020B0604030504040204" pitchFamily="34" charset="0"/>
-                <a:ea typeface="Verdana" panose="020B0604030504040204" pitchFamily="34" charset="0"/>
-              </a:rPr>
-              <a:t>luorescence line height (FLH)</a:t>
-            </a:r>
-            <a:endParaRPr lang="en-US" sz="1600" dirty="0">
-              <a:latin typeface="Verdana" panose="020B0604030504040204" pitchFamily="34" charset="0"/>
-              <a:ea typeface="Verdana" panose="020B0604030504040204" pitchFamily="34" charset="0"/>
-            </a:endParaRPr>
+              <a:t>ssh</a:t>
+            </a:r>
           </a:p>
         </p:txBody>
       </p:sp>
@@ -4574,6 +8146,107 @@
     <p:extLst>
       <p:ext uri="{BB962C8B-B14F-4D97-AF65-F5344CB8AC3E}">
         <p14:creationId xmlns:p14="http://schemas.microsoft.com/office/powerpoint/2010/main" val="1329720667"/>
+      </p:ext>
+    </p:extLst>
+  </p:cSld>
+  <p:clrMapOvr>
+    <a:masterClrMapping/>
+  </p:clrMapOvr>
+</p:sld>
+</file>
+
+<file path=ppt/slides/slide4.xml><?xml version="1.0" encoding="utf-8"?>
+<p:sld xmlns:a="http://schemas.openxmlformats.org/drawingml/2006/main" xmlns:r="http://schemas.openxmlformats.org/officeDocument/2006/relationships" xmlns:p="http://schemas.openxmlformats.org/presentationml/2006/main">
+  <p:cSld>
+    <p:spTree>
+      <p:nvGrpSpPr>
+        <p:cNvPr id="1" name=""/>
+        <p:cNvGrpSpPr/>
+        <p:nvPr/>
+      </p:nvGrpSpPr>
+      <p:grpSpPr>
+        <a:xfrm>
+          <a:off x="0" y="0"/>
+          <a:ext cx="0" cy="0"/>
+          <a:chOff x="0" y="0"/>
+          <a:chExt cx="0" cy="0"/>
+        </a:xfrm>
+      </p:grpSpPr>
+      <p:pic>
+        <p:nvPicPr>
+          <p:cNvPr id="10" name="Picture 9">
+            <a:extLst>
+              <a:ext uri="{FF2B5EF4-FFF2-40B4-BE49-F238E27FC236}">
+                <a16:creationId xmlns:a16="http://schemas.microsoft.com/office/drawing/2014/main" id="{8B2F084A-F196-4009-9E9F-01CD761CC5EA}"/>
+              </a:ext>
+            </a:extLst>
+          </p:cNvPr>
+          <p:cNvPicPr>
+            <a:picLocks noChangeAspect="1"/>
+          </p:cNvPicPr>
+          <p:nvPr/>
+        </p:nvPicPr>
+        <p:blipFill>
+          <a:blip r:embed="rId2"/>
+          <a:stretch>
+            <a:fillRect/>
+          </a:stretch>
+        </p:blipFill>
+        <p:spPr>
+          <a:xfrm>
+            <a:off x="1237798" y="231322"/>
+            <a:ext cx="8524986" cy="5966278"/>
+          </a:xfrm>
+          <a:prstGeom prst="rect">
+            <a:avLst/>
+          </a:prstGeom>
+        </p:spPr>
+      </p:pic>
+      <p:pic>
+        <p:nvPicPr>
+          <p:cNvPr id="11" name="Picture 10">
+            <a:extLst>
+              <a:ext uri="{FF2B5EF4-FFF2-40B4-BE49-F238E27FC236}">
+                <a16:creationId xmlns:a16="http://schemas.microsoft.com/office/drawing/2014/main" id="{910F405C-CD87-4A11-8152-5278E5C6320A}"/>
+              </a:ext>
+            </a:extLst>
+          </p:cNvPr>
+          <p:cNvPicPr/>
+          <p:nvPr/>
+        </p:nvPicPr>
+        <p:blipFill rotWithShape="1">
+          <a:blip r:embed="rId3" cstate="print">
+            <a:extLst>
+              <a:ext uri="{28A0092B-C50C-407E-A947-70E740481C1C}">
+                <a14:useLocalDpi xmlns:a14="http://schemas.microsoft.com/office/drawing/2010/main" val="0"/>
+              </a:ext>
+            </a:extLst>
+          </a:blip>
+          <a:srcRect l="-2969" t="-1" r="-1912" b="57078"/>
+          <a:stretch/>
+        </p:blipFill>
+        <p:spPr bwMode="auto">
+          <a:xfrm>
+            <a:off x="6244318" y="5845175"/>
+            <a:ext cx="1009650" cy="704850"/>
+          </a:xfrm>
+          <a:prstGeom prst="rect">
+            <a:avLst/>
+          </a:prstGeom>
+          <a:ln>
+            <a:noFill/>
+          </a:ln>
+          <a:extLst>
+            <a:ext uri="{53640926-AAD7-44D8-BBD7-CCE9431645EC}">
+              <a14:shadowObscured xmlns:a14="http://schemas.microsoft.com/office/drawing/2010/main"/>
+            </a:ext>
+          </a:extLst>
+        </p:spPr>
+      </p:pic>
+    </p:spTree>
+    <p:extLst>
+      <p:ext uri="{BB962C8B-B14F-4D97-AF65-F5344CB8AC3E}">
+        <p14:creationId xmlns:p14="http://schemas.microsoft.com/office/powerpoint/2010/main" val="3107720604"/>
       </p:ext>
     </p:extLst>
   </p:cSld>
